--- a/Plain-plan.pptx
+++ b/Plain-plan.pptx
@@ -9,8 +9,10 @@
     <p:sldId id="257" r:id="rId3"/>
     <p:sldId id="259" r:id="rId4"/>
     <p:sldId id="258" r:id="rId5"/>
-    <p:sldId id="261" r:id="rId6"/>
-    <p:sldId id="260" r:id="rId7"/>
+    <p:sldId id="262" r:id="rId6"/>
+    <p:sldId id="263" r:id="rId7"/>
+    <p:sldId id="261" r:id="rId8"/>
+    <p:sldId id="260" r:id="rId9"/>
   </p:sldIdLst>
   <p:sldSz cx="12192000" cy="6858000"/>
   <p:notesSz cx="6858000" cy="9144000"/>
@@ -109,6 +111,11 @@
       </a:defRPr>
     </a:lvl9pPr>
   </p:defaultTextStyle>
+  <p:extLst>
+    <p:ext uri="{EFAFB233-063F-42B5-8137-9DF3F51BA10A}">
+      <p15:sldGuideLst xmlns:p15="http://schemas.microsoft.com/office/powerpoint/2012/main"/>
+    </p:ext>
+  </p:extLst>
 </p:presentation>
 </file>
 
@@ -154,10 +161,9 @@
           </a:lstStyle>
           <a:p>
             <a:r>
-              <a:rPr lang="en-US" smtClean="0"/>
+              <a:rPr lang="en-US"/>
               <a:t>Click to edit Master title style</a:t>
             </a:r>
-            <a:endParaRPr lang="en-US"/>
           </a:p>
         </p:txBody>
       </p:sp>
@@ -219,10 +225,9 @@
           </a:lstStyle>
           <a:p>
             <a:r>
-              <a:rPr lang="en-US" smtClean="0"/>
+              <a:rPr lang="en-US"/>
               <a:t>Click to edit Master subtitle style</a:t>
             </a:r>
-            <a:endParaRPr lang="en-US"/>
           </a:p>
         </p:txBody>
       </p:sp>
@@ -243,7 +248,7 @@
           <a:p>
             <a:fld id="{68F2F919-3134-40FC-81A8-CBA6E28A1B15}" type="datetimeFigureOut">
               <a:rPr lang="en-US" smtClean="0"/>
-              <a:t>10/29/2021</a:t>
+              <a:t>11/7/2021</a:t>
             </a:fld>
             <a:endParaRPr lang="en-US"/>
           </a:p>
@@ -337,10 +342,9 @@
           <a:lstStyle/>
           <a:p>
             <a:r>
-              <a:rPr lang="en-US" smtClean="0"/>
+              <a:rPr lang="en-US"/>
               <a:t>Click to edit Master title style</a:t>
             </a:r>
-            <a:endParaRPr lang="en-US"/>
           </a:p>
         </p:txBody>
       </p:sp>
@@ -361,38 +365,37 @@
           <a:p>
             <a:pPr lvl="0"/>
             <a:r>
-              <a:rPr lang="en-US" smtClean="0"/>
+              <a:rPr lang="en-US"/>
               <a:t>Click to edit Master text styles</a:t>
             </a:r>
           </a:p>
           <a:p>
             <a:pPr lvl="1"/>
             <a:r>
-              <a:rPr lang="en-US" smtClean="0"/>
+              <a:rPr lang="en-US"/>
               <a:t>Second level</a:t>
             </a:r>
           </a:p>
           <a:p>
             <a:pPr lvl="2"/>
             <a:r>
-              <a:rPr lang="en-US" smtClean="0"/>
+              <a:rPr lang="en-US"/>
               <a:t>Third level</a:t>
             </a:r>
           </a:p>
           <a:p>
             <a:pPr lvl="3"/>
             <a:r>
-              <a:rPr lang="en-US" smtClean="0"/>
+              <a:rPr lang="en-US"/>
               <a:t>Fourth level</a:t>
             </a:r>
           </a:p>
           <a:p>
             <a:pPr lvl="4"/>
             <a:r>
-              <a:rPr lang="en-US" smtClean="0"/>
+              <a:rPr lang="en-US"/>
               <a:t>Fifth level</a:t>
             </a:r>
-            <a:endParaRPr lang="en-US"/>
           </a:p>
         </p:txBody>
       </p:sp>
@@ -413,7 +416,7 @@
           <a:p>
             <a:fld id="{68F2F919-3134-40FC-81A8-CBA6E28A1B15}" type="datetimeFigureOut">
               <a:rPr lang="en-US" smtClean="0"/>
-              <a:t>10/29/2021</a:t>
+              <a:t>11/7/2021</a:t>
             </a:fld>
             <a:endParaRPr lang="en-US"/>
           </a:p>
@@ -512,10 +515,9 @@
           <a:lstStyle/>
           <a:p>
             <a:r>
-              <a:rPr lang="en-US" smtClean="0"/>
+              <a:rPr lang="en-US"/>
               <a:t>Click to edit Master title style</a:t>
             </a:r>
-            <a:endParaRPr lang="en-US"/>
           </a:p>
         </p:txBody>
       </p:sp>
@@ -541,38 +543,37 @@
           <a:p>
             <a:pPr lvl="0"/>
             <a:r>
-              <a:rPr lang="en-US" smtClean="0"/>
+              <a:rPr lang="en-US"/>
               <a:t>Click to edit Master text styles</a:t>
             </a:r>
           </a:p>
           <a:p>
             <a:pPr lvl="1"/>
             <a:r>
-              <a:rPr lang="en-US" smtClean="0"/>
+              <a:rPr lang="en-US"/>
               <a:t>Second level</a:t>
             </a:r>
           </a:p>
           <a:p>
             <a:pPr lvl="2"/>
             <a:r>
-              <a:rPr lang="en-US" smtClean="0"/>
+              <a:rPr lang="en-US"/>
               <a:t>Third level</a:t>
             </a:r>
           </a:p>
           <a:p>
             <a:pPr lvl="3"/>
             <a:r>
-              <a:rPr lang="en-US" smtClean="0"/>
+              <a:rPr lang="en-US"/>
               <a:t>Fourth level</a:t>
             </a:r>
           </a:p>
           <a:p>
             <a:pPr lvl="4"/>
             <a:r>
-              <a:rPr lang="en-US" smtClean="0"/>
+              <a:rPr lang="en-US"/>
               <a:t>Fifth level</a:t>
             </a:r>
-            <a:endParaRPr lang="en-US"/>
           </a:p>
         </p:txBody>
       </p:sp>
@@ -593,7 +594,7 @@
           <a:p>
             <a:fld id="{68F2F919-3134-40FC-81A8-CBA6E28A1B15}" type="datetimeFigureOut">
               <a:rPr lang="en-US" smtClean="0"/>
-              <a:t>10/29/2021</a:t>
+              <a:t>11/7/2021</a:t>
             </a:fld>
             <a:endParaRPr lang="en-US"/>
           </a:p>
@@ -687,10 +688,9 @@
           <a:lstStyle/>
           <a:p>
             <a:r>
-              <a:rPr lang="en-US" smtClean="0"/>
+              <a:rPr lang="en-US"/>
               <a:t>Click to edit Master title style</a:t>
             </a:r>
-            <a:endParaRPr lang="en-US"/>
           </a:p>
         </p:txBody>
       </p:sp>
@@ -711,38 +711,37 @@
           <a:p>
             <a:pPr lvl="0"/>
             <a:r>
-              <a:rPr lang="en-US" smtClean="0"/>
+              <a:rPr lang="en-US"/>
               <a:t>Click to edit Master text styles</a:t>
             </a:r>
           </a:p>
           <a:p>
             <a:pPr lvl="1"/>
             <a:r>
-              <a:rPr lang="en-US" smtClean="0"/>
+              <a:rPr lang="en-US"/>
               <a:t>Second level</a:t>
             </a:r>
           </a:p>
           <a:p>
             <a:pPr lvl="2"/>
             <a:r>
-              <a:rPr lang="en-US" smtClean="0"/>
+              <a:rPr lang="en-US"/>
               <a:t>Third level</a:t>
             </a:r>
           </a:p>
           <a:p>
             <a:pPr lvl="3"/>
             <a:r>
-              <a:rPr lang="en-US" smtClean="0"/>
+              <a:rPr lang="en-US"/>
               <a:t>Fourth level</a:t>
             </a:r>
           </a:p>
           <a:p>
             <a:pPr lvl="4"/>
             <a:r>
-              <a:rPr lang="en-US" smtClean="0"/>
+              <a:rPr lang="en-US"/>
               <a:t>Fifth level</a:t>
             </a:r>
-            <a:endParaRPr lang="en-US"/>
           </a:p>
         </p:txBody>
       </p:sp>
@@ -763,7 +762,7 @@
           <a:p>
             <a:fld id="{68F2F919-3134-40FC-81A8-CBA6E28A1B15}" type="datetimeFigureOut">
               <a:rPr lang="en-US" smtClean="0"/>
-              <a:t>10/29/2021</a:t>
+              <a:t>11/7/2021</a:t>
             </a:fld>
             <a:endParaRPr lang="en-US"/>
           </a:p>
@@ -866,10 +865,9 @@
           </a:lstStyle>
           <a:p>
             <a:r>
-              <a:rPr lang="en-US" smtClean="0"/>
+              <a:rPr lang="en-US"/>
               <a:t>Click to edit Master title style</a:t>
             </a:r>
-            <a:endParaRPr lang="en-US"/>
           </a:p>
         </p:txBody>
       </p:sp>
@@ -986,7 +984,7 @@
           <a:p>
             <a:pPr lvl="0"/>
             <a:r>
-              <a:rPr lang="en-US" smtClean="0"/>
+              <a:rPr lang="en-US"/>
               <a:t>Click to edit Master text styles</a:t>
             </a:r>
           </a:p>
@@ -1009,7 +1007,7 @@
           <a:p>
             <a:fld id="{68F2F919-3134-40FC-81A8-CBA6E28A1B15}" type="datetimeFigureOut">
               <a:rPr lang="en-US" smtClean="0"/>
-              <a:t>10/29/2021</a:t>
+              <a:t>11/7/2021</a:t>
             </a:fld>
             <a:endParaRPr lang="en-US"/>
           </a:p>
@@ -1103,10 +1101,9 @@
           <a:lstStyle/>
           <a:p>
             <a:r>
-              <a:rPr lang="en-US" smtClean="0"/>
+              <a:rPr lang="en-US"/>
               <a:t>Click to edit Master title style</a:t>
             </a:r>
-            <a:endParaRPr lang="en-US"/>
           </a:p>
         </p:txBody>
       </p:sp>
@@ -1132,38 +1129,37 @@
           <a:p>
             <a:pPr lvl="0"/>
             <a:r>
-              <a:rPr lang="en-US" smtClean="0"/>
+              <a:rPr lang="en-US"/>
               <a:t>Click to edit Master text styles</a:t>
             </a:r>
           </a:p>
           <a:p>
             <a:pPr lvl="1"/>
             <a:r>
-              <a:rPr lang="en-US" smtClean="0"/>
+              <a:rPr lang="en-US"/>
               <a:t>Second level</a:t>
             </a:r>
           </a:p>
           <a:p>
             <a:pPr lvl="2"/>
             <a:r>
-              <a:rPr lang="en-US" smtClean="0"/>
+              <a:rPr lang="en-US"/>
               <a:t>Third level</a:t>
             </a:r>
           </a:p>
           <a:p>
             <a:pPr lvl="3"/>
             <a:r>
-              <a:rPr lang="en-US" smtClean="0"/>
+              <a:rPr lang="en-US"/>
               <a:t>Fourth level</a:t>
             </a:r>
           </a:p>
           <a:p>
             <a:pPr lvl="4"/>
             <a:r>
-              <a:rPr lang="en-US" smtClean="0"/>
+              <a:rPr lang="en-US"/>
               <a:t>Fifth level</a:t>
             </a:r>
-            <a:endParaRPr lang="en-US"/>
           </a:p>
         </p:txBody>
       </p:sp>
@@ -1189,38 +1185,37 @@
           <a:p>
             <a:pPr lvl="0"/>
             <a:r>
-              <a:rPr lang="en-US" smtClean="0"/>
+              <a:rPr lang="en-US"/>
               <a:t>Click to edit Master text styles</a:t>
             </a:r>
           </a:p>
           <a:p>
             <a:pPr lvl="1"/>
             <a:r>
-              <a:rPr lang="en-US" smtClean="0"/>
+              <a:rPr lang="en-US"/>
               <a:t>Second level</a:t>
             </a:r>
           </a:p>
           <a:p>
             <a:pPr lvl="2"/>
             <a:r>
-              <a:rPr lang="en-US" smtClean="0"/>
+              <a:rPr lang="en-US"/>
               <a:t>Third level</a:t>
             </a:r>
           </a:p>
           <a:p>
             <a:pPr lvl="3"/>
             <a:r>
-              <a:rPr lang="en-US" smtClean="0"/>
+              <a:rPr lang="en-US"/>
               <a:t>Fourth level</a:t>
             </a:r>
           </a:p>
           <a:p>
             <a:pPr lvl="4"/>
             <a:r>
-              <a:rPr lang="en-US" smtClean="0"/>
+              <a:rPr lang="en-US"/>
               <a:t>Fifth level</a:t>
             </a:r>
-            <a:endParaRPr lang="en-US"/>
           </a:p>
         </p:txBody>
       </p:sp>
@@ -1241,7 +1236,7 @@
           <a:p>
             <a:fld id="{68F2F919-3134-40FC-81A8-CBA6E28A1B15}" type="datetimeFigureOut">
               <a:rPr lang="en-US" smtClean="0"/>
-              <a:t>10/29/2021</a:t>
+              <a:t>11/7/2021</a:t>
             </a:fld>
             <a:endParaRPr lang="en-US"/>
           </a:p>
@@ -1340,10 +1335,9 @@
           <a:lstStyle/>
           <a:p>
             <a:r>
-              <a:rPr lang="en-US" smtClean="0"/>
+              <a:rPr lang="en-US"/>
               <a:t>Click to edit Master title style</a:t>
             </a:r>
-            <a:endParaRPr lang="en-US"/>
           </a:p>
         </p:txBody>
       </p:sp>
@@ -1406,7 +1400,7 @@
           <a:p>
             <a:pPr lvl="0"/>
             <a:r>
-              <a:rPr lang="en-US" smtClean="0"/>
+              <a:rPr lang="en-US"/>
               <a:t>Click to edit Master text styles</a:t>
             </a:r>
           </a:p>
@@ -1434,38 +1428,37 @@
           <a:p>
             <a:pPr lvl="0"/>
             <a:r>
-              <a:rPr lang="en-US" smtClean="0"/>
+              <a:rPr lang="en-US"/>
               <a:t>Click to edit Master text styles</a:t>
             </a:r>
           </a:p>
           <a:p>
             <a:pPr lvl="1"/>
             <a:r>
-              <a:rPr lang="en-US" smtClean="0"/>
+              <a:rPr lang="en-US"/>
               <a:t>Second level</a:t>
             </a:r>
           </a:p>
           <a:p>
             <a:pPr lvl="2"/>
             <a:r>
-              <a:rPr lang="en-US" smtClean="0"/>
+              <a:rPr lang="en-US"/>
               <a:t>Third level</a:t>
             </a:r>
           </a:p>
           <a:p>
             <a:pPr lvl="3"/>
             <a:r>
-              <a:rPr lang="en-US" smtClean="0"/>
+              <a:rPr lang="en-US"/>
               <a:t>Fourth level</a:t>
             </a:r>
           </a:p>
           <a:p>
             <a:pPr lvl="4"/>
             <a:r>
-              <a:rPr lang="en-US" smtClean="0"/>
+              <a:rPr lang="en-US"/>
               <a:t>Fifth level</a:t>
             </a:r>
-            <a:endParaRPr lang="en-US"/>
           </a:p>
         </p:txBody>
       </p:sp>
@@ -1528,7 +1521,7 @@
           <a:p>
             <a:pPr lvl="0"/>
             <a:r>
-              <a:rPr lang="en-US" smtClean="0"/>
+              <a:rPr lang="en-US"/>
               <a:t>Click to edit Master text styles</a:t>
             </a:r>
           </a:p>
@@ -1556,38 +1549,37 @@
           <a:p>
             <a:pPr lvl="0"/>
             <a:r>
-              <a:rPr lang="en-US" smtClean="0"/>
+              <a:rPr lang="en-US"/>
               <a:t>Click to edit Master text styles</a:t>
             </a:r>
           </a:p>
           <a:p>
             <a:pPr lvl="1"/>
             <a:r>
-              <a:rPr lang="en-US" smtClean="0"/>
+              <a:rPr lang="en-US"/>
               <a:t>Second level</a:t>
             </a:r>
           </a:p>
           <a:p>
             <a:pPr lvl="2"/>
             <a:r>
-              <a:rPr lang="en-US" smtClean="0"/>
+              <a:rPr lang="en-US"/>
               <a:t>Third level</a:t>
             </a:r>
           </a:p>
           <a:p>
             <a:pPr lvl="3"/>
             <a:r>
-              <a:rPr lang="en-US" smtClean="0"/>
+              <a:rPr lang="en-US"/>
               <a:t>Fourth level</a:t>
             </a:r>
           </a:p>
           <a:p>
             <a:pPr lvl="4"/>
             <a:r>
-              <a:rPr lang="en-US" smtClean="0"/>
+              <a:rPr lang="en-US"/>
               <a:t>Fifth level</a:t>
             </a:r>
-            <a:endParaRPr lang="en-US"/>
           </a:p>
         </p:txBody>
       </p:sp>
@@ -1608,7 +1600,7 @@
           <a:p>
             <a:fld id="{68F2F919-3134-40FC-81A8-CBA6E28A1B15}" type="datetimeFigureOut">
               <a:rPr lang="en-US" smtClean="0"/>
-              <a:t>10/29/2021</a:t>
+              <a:t>11/7/2021</a:t>
             </a:fld>
             <a:endParaRPr lang="en-US"/>
           </a:p>
@@ -1702,10 +1694,9 @@
           <a:lstStyle/>
           <a:p>
             <a:r>
-              <a:rPr lang="en-US" smtClean="0"/>
+              <a:rPr lang="en-US"/>
               <a:t>Click to edit Master title style</a:t>
             </a:r>
-            <a:endParaRPr lang="en-US"/>
           </a:p>
         </p:txBody>
       </p:sp>
@@ -1726,7 +1717,7 @@
           <a:p>
             <a:fld id="{68F2F919-3134-40FC-81A8-CBA6E28A1B15}" type="datetimeFigureOut">
               <a:rPr lang="en-US" smtClean="0"/>
-              <a:t>10/29/2021</a:t>
+              <a:t>11/7/2021</a:t>
             </a:fld>
             <a:endParaRPr lang="en-US"/>
           </a:p>
@@ -1821,7 +1812,7 @@
           <a:p>
             <a:fld id="{68F2F919-3134-40FC-81A8-CBA6E28A1B15}" type="datetimeFigureOut">
               <a:rPr lang="en-US" smtClean="0"/>
-              <a:t>10/29/2021</a:t>
+              <a:t>11/7/2021</a:t>
             </a:fld>
             <a:endParaRPr lang="en-US"/>
           </a:p>
@@ -1924,10 +1915,9 @@
           </a:lstStyle>
           <a:p>
             <a:r>
-              <a:rPr lang="en-US" smtClean="0"/>
+              <a:rPr lang="en-US"/>
               <a:t>Click to edit Master title style</a:t>
             </a:r>
-            <a:endParaRPr lang="en-US"/>
           </a:p>
         </p:txBody>
       </p:sp>
@@ -1981,38 +1971,37 @@
           <a:p>
             <a:pPr lvl="0"/>
             <a:r>
-              <a:rPr lang="en-US" smtClean="0"/>
+              <a:rPr lang="en-US"/>
               <a:t>Click to edit Master text styles</a:t>
             </a:r>
           </a:p>
           <a:p>
             <a:pPr lvl="1"/>
             <a:r>
-              <a:rPr lang="en-US" smtClean="0"/>
+              <a:rPr lang="en-US"/>
               <a:t>Second level</a:t>
             </a:r>
           </a:p>
           <a:p>
             <a:pPr lvl="2"/>
             <a:r>
-              <a:rPr lang="en-US" smtClean="0"/>
+              <a:rPr lang="en-US"/>
               <a:t>Third level</a:t>
             </a:r>
           </a:p>
           <a:p>
             <a:pPr lvl="3"/>
             <a:r>
-              <a:rPr lang="en-US" smtClean="0"/>
+              <a:rPr lang="en-US"/>
               <a:t>Fourth level</a:t>
             </a:r>
           </a:p>
           <a:p>
             <a:pPr lvl="4"/>
             <a:r>
-              <a:rPr lang="en-US" smtClean="0"/>
+              <a:rPr lang="en-US"/>
               <a:t>Fifth level</a:t>
             </a:r>
-            <a:endParaRPr lang="en-US"/>
           </a:p>
         </p:txBody>
       </p:sp>
@@ -2075,7 +2064,7 @@
           <a:p>
             <a:pPr lvl="0"/>
             <a:r>
-              <a:rPr lang="en-US" smtClean="0"/>
+              <a:rPr lang="en-US"/>
               <a:t>Click to edit Master text styles</a:t>
             </a:r>
           </a:p>
@@ -2098,7 +2087,7 @@
           <a:p>
             <a:fld id="{68F2F919-3134-40FC-81A8-CBA6E28A1B15}" type="datetimeFigureOut">
               <a:rPr lang="en-US" smtClean="0"/>
-              <a:t>10/29/2021</a:t>
+              <a:t>11/7/2021</a:t>
             </a:fld>
             <a:endParaRPr lang="en-US"/>
           </a:p>
@@ -2201,10 +2190,9 @@
           </a:lstStyle>
           <a:p>
             <a:r>
-              <a:rPr lang="en-US" smtClean="0"/>
+              <a:rPr lang="en-US"/>
               <a:t>Click to edit Master title style</a:t>
             </a:r>
-            <a:endParaRPr lang="en-US"/>
           </a:p>
         </p:txBody>
       </p:sp>
@@ -2328,7 +2316,7 @@
           <a:p>
             <a:pPr lvl="0"/>
             <a:r>
-              <a:rPr lang="en-US" smtClean="0"/>
+              <a:rPr lang="en-US"/>
               <a:t>Click to edit Master text styles</a:t>
             </a:r>
           </a:p>
@@ -2351,7 +2339,7 @@
           <a:p>
             <a:fld id="{68F2F919-3134-40FC-81A8-CBA6E28A1B15}" type="datetimeFigureOut">
               <a:rPr lang="en-US" smtClean="0"/>
-              <a:t>10/29/2021</a:t>
+              <a:t>11/7/2021</a:t>
             </a:fld>
             <a:endParaRPr lang="en-US"/>
           </a:p>
@@ -2460,10 +2448,9 @@
           <a:lstStyle/>
           <a:p>
             <a:r>
-              <a:rPr lang="en-US" smtClean="0"/>
+              <a:rPr lang="en-US"/>
               <a:t>Click to edit Master title style</a:t>
             </a:r>
-            <a:endParaRPr lang="en-US"/>
           </a:p>
         </p:txBody>
       </p:sp>
@@ -2494,38 +2481,37 @@
           <a:p>
             <a:pPr lvl="0"/>
             <a:r>
-              <a:rPr lang="en-US" smtClean="0"/>
+              <a:rPr lang="en-US"/>
               <a:t>Click to edit Master text styles</a:t>
             </a:r>
           </a:p>
           <a:p>
             <a:pPr lvl="1"/>
             <a:r>
-              <a:rPr lang="en-US" smtClean="0"/>
+              <a:rPr lang="en-US"/>
               <a:t>Second level</a:t>
             </a:r>
           </a:p>
           <a:p>
             <a:pPr lvl="2"/>
             <a:r>
-              <a:rPr lang="en-US" smtClean="0"/>
+              <a:rPr lang="en-US"/>
               <a:t>Third level</a:t>
             </a:r>
           </a:p>
           <a:p>
             <a:pPr lvl="3"/>
             <a:r>
-              <a:rPr lang="en-US" smtClean="0"/>
+              <a:rPr lang="en-US"/>
               <a:t>Fourth level</a:t>
             </a:r>
           </a:p>
           <a:p>
             <a:pPr lvl="4"/>
             <a:r>
-              <a:rPr lang="en-US" smtClean="0"/>
+              <a:rPr lang="en-US"/>
               <a:t>Fifth level</a:t>
             </a:r>
-            <a:endParaRPr lang="en-US"/>
           </a:p>
         </p:txBody>
       </p:sp>
@@ -2564,7 +2550,7 @@
           <a:p>
             <a:fld id="{68F2F919-3134-40FC-81A8-CBA6E28A1B15}" type="datetimeFigureOut">
               <a:rPr lang="en-US" smtClean="0"/>
-              <a:t>10/29/2021</a:t>
+              <a:t>11/7/2021</a:t>
             </a:fld>
             <a:endParaRPr lang="en-US"/>
           </a:p>
@@ -2992,7 +2978,7 @@
           <a:lstStyle/>
           <a:p>
             <a:r>
-              <a:rPr lang="en-US" sz="2000" dirty="0" smtClean="0">
+              <a:rPr lang="en-US" sz="2000" dirty="0">
                 <a:ln w="0"/>
                 <a:solidFill>
                   <a:schemeClr val="accent1"/>
@@ -3007,19 +2993,6 @@
               </a:rPr>
               <a:t>Screen</a:t>
             </a:r>
-            <a:endParaRPr lang="en-US" sz="2000" dirty="0">
-              <a:ln w="0"/>
-              <a:solidFill>
-                <a:schemeClr val="accent1"/>
-              </a:solidFill>
-              <a:effectLst>
-                <a:outerShdw blurRad="38100" dist="25400" dir="5400000" algn="ctr" rotWithShape="0">
-                  <a:srgbClr val="6E747A">
-                    <a:alpha val="43000"/>
-                  </a:srgbClr>
-                </a:outerShdw>
-              </a:effectLst>
-            </a:endParaRPr>
           </a:p>
         </p:txBody>
       </p:sp>
@@ -3046,13 +3019,13 @@
           <a:lstStyle/>
           <a:p>
             <a:r>
-              <a:rPr lang="en-US" dirty="0" smtClean="0"/>
+              <a:rPr lang="en-US" dirty="0"/>
               <a:t>V1.0:</a:t>
             </a:r>
           </a:p>
           <a:p>
             <a:r>
-              <a:rPr lang="en-US" dirty="0" smtClean="0">
+              <a:rPr lang="en-US" dirty="0">
                 <a:solidFill>
                   <a:schemeClr val="accent1">
                     <a:lumMod val="75000"/>
@@ -3062,111 +3035,111 @@
               <a:t>Home screen</a:t>
             </a:r>
             <a:r>
-              <a:rPr lang="en-US" dirty="0" smtClean="0"/>
+              <a:rPr lang="en-US" dirty="0"/>
               <a:t>: </a:t>
             </a:r>
             <a:r>
-              <a:rPr lang="en-US" dirty="0" err="1" smtClean="0"/>
+              <a:rPr lang="en-US" dirty="0" err="1"/>
               <a:t>giới</a:t>
             </a:r>
             <a:r>
-              <a:rPr lang="en-US" dirty="0" smtClean="0"/>
-              <a:t> </a:t>
-            </a:r>
-            <a:r>
-              <a:rPr lang="en-US" dirty="0" err="1" smtClean="0"/>
+              <a:rPr lang="en-US" dirty="0"/>
+              <a:t> </a:t>
+            </a:r>
+            <a:r>
+              <a:rPr lang="en-US" dirty="0" err="1"/>
               <a:t>thiệu</a:t>
             </a:r>
             <a:r>
-              <a:rPr lang="en-US" dirty="0" smtClean="0"/>
-              <a:t> </a:t>
-            </a:r>
-            <a:r>
-              <a:rPr lang="en-US" dirty="0" err="1" smtClean="0"/>
+              <a:rPr lang="en-US" dirty="0"/>
+              <a:t> </a:t>
+            </a:r>
+            <a:r>
+              <a:rPr lang="en-US" dirty="0" err="1"/>
               <a:t>dự</a:t>
             </a:r>
             <a:r>
-              <a:rPr lang="en-US" dirty="0" smtClean="0"/>
-              <a:t> </a:t>
-            </a:r>
-            <a:r>
-              <a:rPr lang="en-US" dirty="0" err="1" smtClean="0"/>
+              <a:rPr lang="en-US" dirty="0"/>
+              <a:t> </a:t>
+            </a:r>
+            <a:r>
+              <a:rPr lang="en-US" dirty="0" err="1"/>
               <a:t>án</a:t>
             </a:r>
             <a:r>
-              <a:rPr lang="en-US" dirty="0" smtClean="0"/>
+              <a:rPr lang="en-US" dirty="0"/>
               <a:t> (</a:t>
             </a:r>
             <a:r>
-              <a:rPr lang="en-US" dirty="0" err="1" smtClean="0"/>
+              <a:rPr lang="en-US" dirty="0" err="1"/>
               <a:t>sau</a:t>
             </a:r>
             <a:r>
-              <a:rPr lang="en-US" dirty="0" smtClean="0"/>
-              <a:t> </a:t>
-            </a:r>
-            <a:r>
-              <a:rPr lang="en-US" dirty="0" err="1" smtClean="0"/>
+              <a:rPr lang="en-US" dirty="0"/>
+              <a:t> </a:t>
+            </a:r>
+            <a:r>
+              <a:rPr lang="en-US" dirty="0" err="1"/>
               <a:t>này</a:t>
             </a:r>
             <a:r>
-              <a:rPr lang="en-US" dirty="0" smtClean="0"/>
-              <a:t> </a:t>
-            </a:r>
-            <a:r>
-              <a:rPr lang="en-US" dirty="0" err="1" smtClean="0"/>
+              <a:rPr lang="en-US" dirty="0"/>
+              <a:t> </a:t>
+            </a:r>
+            <a:r>
+              <a:rPr lang="en-US" dirty="0" err="1"/>
               <a:t>nhiều</a:t>
             </a:r>
             <a:r>
-              <a:rPr lang="en-US" dirty="0" smtClean="0"/>
+              <a:rPr lang="en-US" dirty="0"/>
               <a:t> feature </a:t>
             </a:r>
             <a:r>
-              <a:rPr lang="en-US" dirty="0" err="1" smtClean="0"/>
+              <a:rPr lang="en-US" dirty="0" err="1"/>
               <a:t>hơn</a:t>
             </a:r>
             <a:r>
-              <a:rPr lang="en-US" dirty="0" smtClean="0"/>
-              <a:t> </a:t>
-            </a:r>
-            <a:r>
-              <a:rPr lang="en-US" dirty="0" err="1" smtClean="0"/>
+              <a:rPr lang="en-US" dirty="0"/>
+              <a:t> </a:t>
+            </a:r>
+            <a:r>
+              <a:rPr lang="en-US" dirty="0" err="1"/>
               <a:t>sẽ</a:t>
             </a:r>
             <a:r>
-              <a:rPr lang="en-US" dirty="0" smtClean="0"/>
-              <a:t> </a:t>
-            </a:r>
-            <a:r>
-              <a:rPr lang="en-US" dirty="0" err="1" smtClean="0"/>
+              <a:rPr lang="en-US" dirty="0"/>
+              <a:t> </a:t>
+            </a:r>
+            <a:r>
+              <a:rPr lang="en-US" dirty="0" err="1"/>
               <a:t>chuyển</a:t>
             </a:r>
             <a:r>
-              <a:rPr lang="en-US" dirty="0" smtClean="0"/>
-              <a:t> </a:t>
-            </a:r>
-            <a:r>
-              <a:rPr lang="en-US" dirty="0" err="1" smtClean="0"/>
+              <a:rPr lang="en-US" dirty="0"/>
+              <a:t> </a:t>
+            </a:r>
+            <a:r>
+              <a:rPr lang="en-US" dirty="0" err="1"/>
               <a:t>nội</a:t>
             </a:r>
             <a:r>
-              <a:rPr lang="en-US" dirty="0" smtClean="0"/>
+              <a:rPr lang="en-US" dirty="0"/>
               <a:t> dung </a:t>
             </a:r>
             <a:r>
-              <a:rPr lang="en-US" dirty="0" err="1" smtClean="0"/>
+              <a:rPr lang="en-US" dirty="0" err="1"/>
               <a:t>này</a:t>
             </a:r>
             <a:r>
-              <a:rPr lang="en-US" dirty="0" smtClean="0"/>
-              <a:t> </a:t>
-            </a:r>
-            <a:r>
-              <a:rPr lang="en-US" dirty="0" err="1" smtClean="0"/>
+              <a:rPr lang="en-US" dirty="0"/>
+              <a:t> </a:t>
+            </a:r>
+            <a:r>
+              <a:rPr lang="en-US" dirty="0" err="1"/>
               <a:t>về</a:t>
             </a:r>
             <a:r>
-              <a:rPr lang="en-US" dirty="0" smtClean="0"/>
+              <a:rPr lang="en-US" dirty="0"/>
               <a:t> about)</a:t>
             </a:r>
           </a:p>
@@ -3175,7 +3148,7 @@
           </a:p>
           <a:p>
             <a:r>
-              <a:rPr lang="en-US" dirty="0" smtClean="0">
+              <a:rPr lang="en-US" dirty="0">
                 <a:solidFill>
                   <a:schemeClr val="accent1">
                     <a:lumMod val="75000"/>
@@ -3185,231 +3158,231 @@
               <a:t>Around-work screen</a:t>
             </a:r>
             <a:r>
-              <a:rPr lang="en-US" dirty="0" smtClean="0"/>
+              <a:rPr lang="en-US" dirty="0"/>
               <a:t>: map </a:t>
             </a:r>
             <a:r>
-              <a:rPr lang="en-US" dirty="0" err="1" smtClean="0"/>
+              <a:rPr lang="en-US" dirty="0" err="1"/>
               <a:t>cho</a:t>
             </a:r>
             <a:r>
-              <a:rPr lang="en-US" dirty="0" smtClean="0"/>
-              <a:t> </a:t>
-            </a:r>
-            <a:r>
-              <a:rPr lang="en-US" dirty="0" err="1" smtClean="0"/>
+              <a:rPr lang="en-US" dirty="0"/>
+              <a:t> </a:t>
+            </a:r>
+            <a:r>
+              <a:rPr lang="en-US" dirty="0" err="1"/>
               <a:t>tính</a:t>
             </a:r>
             <a:r>
-              <a:rPr lang="en-US" dirty="0" smtClean="0"/>
-              <a:t> </a:t>
-            </a:r>
-            <a:r>
-              <a:rPr lang="en-US" dirty="0" err="1" smtClean="0"/>
+              <a:rPr lang="en-US" dirty="0"/>
+              <a:t> </a:t>
+            </a:r>
+            <a:r>
+              <a:rPr lang="en-US" dirty="0" err="1"/>
               <a:t>năng</a:t>
             </a:r>
             <a:r>
-              <a:rPr lang="en-US" dirty="0" smtClean="0"/>
+              <a:rPr lang="en-US" dirty="0"/>
               <a:t>: </a:t>
             </a:r>
             <a:r>
-              <a:rPr lang="en-US" dirty="0" err="1" smtClean="0"/>
+              <a:rPr lang="en-US" dirty="0" err="1"/>
               <a:t>sau</a:t>
             </a:r>
             <a:r>
-              <a:rPr lang="en-US" dirty="0" smtClean="0"/>
-              <a:t> </a:t>
-            </a:r>
-            <a:r>
-              <a:rPr lang="en-US" dirty="0" err="1" smtClean="0"/>
+              <a:rPr lang="en-US" dirty="0"/>
+              <a:t> </a:t>
+            </a:r>
+            <a:r>
+              <a:rPr lang="en-US" dirty="0" err="1"/>
               <a:t>khi</a:t>
             </a:r>
             <a:r>
-              <a:rPr lang="en-US" dirty="0" smtClean="0"/>
+              <a:rPr lang="en-US" dirty="0"/>
               <a:t> click </a:t>
             </a:r>
             <a:r>
-              <a:rPr lang="en-US" dirty="0" err="1" smtClean="0"/>
+              <a:rPr lang="en-US" dirty="0" err="1"/>
               <a:t>vào</a:t>
             </a:r>
             <a:r>
-              <a:rPr lang="en-US" dirty="0" smtClean="0"/>
+              <a:rPr lang="en-US" dirty="0"/>
               <a:t> 1 </a:t>
             </a:r>
             <a:r>
-              <a:rPr lang="en-US" dirty="0" err="1" smtClean="0"/>
+              <a:rPr lang="en-US" dirty="0" err="1"/>
               <a:t>địa</a:t>
             </a:r>
             <a:r>
-              <a:rPr lang="en-US" dirty="0" smtClean="0"/>
-              <a:t> </a:t>
-            </a:r>
-            <a:r>
-              <a:rPr lang="en-US" dirty="0" err="1" smtClean="0"/>
+              <a:rPr lang="en-US" dirty="0"/>
+              <a:t> </a:t>
+            </a:r>
+            <a:r>
+              <a:rPr lang="en-US" dirty="0" err="1"/>
               <a:t>điểm</a:t>
             </a:r>
             <a:r>
-              <a:rPr lang="en-US" dirty="0" smtClean="0"/>
-              <a:t> </a:t>
-            </a:r>
-            <a:r>
-              <a:rPr lang="en-US" dirty="0" err="1" smtClean="0"/>
+              <a:rPr lang="en-US" dirty="0"/>
+              <a:t> </a:t>
+            </a:r>
+            <a:r>
+              <a:rPr lang="en-US" dirty="0" err="1"/>
               <a:t>thì</a:t>
             </a:r>
             <a:r>
-              <a:rPr lang="en-US" dirty="0" smtClean="0"/>
-              <a:t> </a:t>
-            </a:r>
-            <a:r>
-              <a:rPr lang="en-US" dirty="0" err="1" smtClean="0"/>
+              <a:rPr lang="en-US" dirty="0"/>
+              <a:t> </a:t>
+            </a:r>
+            <a:r>
+              <a:rPr lang="en-US" dirty="0" err="1"/>
               <a:t>hiển</a:t>
             </a:r>
             <a:r>
-              <a:rPr lang="en-US" dirty="0" smtClean="0"/>
-              <a:t> </a:t>
-            </a:r>
-            <a:r>
-              <a:rPr lang="en-US" dirty="0" err="1" smtClean="0"/>
+              <a:rPr lang="en-US" dirty="0"/>
+              <a:t> </a:t>
+            </a:r>
+            <a:r>
+              <a:rPr lang="en-US" dirty="0" err="1"/>
               <a:t>thị</a:t>
             </a:r>
             <a:r>
-              <a:rPr lang="en-US" dirty="0" smtClean="0"/>
-              <a:t> </a:t>
-            </a:r>
-            <a:r>
-              <a:rPr lang="en-US" dirty="0" err="1" smtClean="0"/>
+              <a:rPr lang="en-US" dirty="0"/>
+              <a:t> </a:t>
+            </a:r>
+            <a:r>
+              <a:rPr lang="en-US" dirty="0" err="1"/>
               <a:t>danh</a:t>
             </a:r>
             <a:r>
-              <a:rPr lang="en-US" dirty="0" smtClean="0"/>
-              <a:t> </a:t>
-            </a:r>
-            <a:r>
-              <a:rPr lang="en-US" dirty="0" err="1" smtClean="0"/>
+              <a:rPr lang="en-US" dirty="0"/>
+              <a:t> </a:t>
+            </a:r>
+            <a:r>
+              <a:rPr lang="en-US" dirty="0" err="1"/>
               <a:t>sách</a:t>
             </a:r>
             <a:r>
-              <a:rPr lang="en-US" dirty="0" smtClean="0"/>
-              <a:t> </a:t>
-            </a:r>
-            <a:r>
-              <a:rPr lang="en-US" dirty="0" err="1" smtClean="0"/>
+              <a:rPr lang="en-US" dirty="0"/>
+              <a:t> </a:t>
+            </a:r>
+            <a:r>
+              <a:rPr lang="en-US" dirty="0" err="1"/>
               <a:t>các</a:t>
             </a:r>
             <a:r>
-              <a:rPr lang="en-US" dirty="0" smtClean="0"/>
-              <a:t> </a:t>
-            </a:r>
-            <a:r>
-              <a:rPr lang="en-US" dirty="0" err="1" smtClean="0"/>
+              <a:rPr lang="en-US" dirty="0"/>
+              <a:t> </a:t>
+            </a:r>
+            <a:r>
+              <a:rPr lang="en-US" dirty="0" err="1"/>
               <a:t>công</a:t>
             </a:r>
             <a:r>
-              <a:rPr lang="en-US" dirty="0" smtClean="0"/>
+              <a:rPr lang="en-US" dirty="0"/>
               <a:t> ty </a:t>
             </a:r>
             <a:r>
-              <a:rPr lang="en-US" dirty="0" err="1" smtClean="0"/>
+              <a:rPr lang="en-US" dirty="0" err="1"/>
               <a:t>có</a:t>
             </a:r>
             <a:r>
-              <a:rPr lang="en-US" dirty="0" smtClean="0"/>
-              <a:t> </a:t>
-            </a:r>
-            <a:r>
-              <a:rPr lang="en-US" dirty="0" err="1" smtClean="0"/>
+              <a:rPr lang="en-US" dirty="0"/>
+              <a:t> </a:t>
+            </a:r>
+            <a:r>
+              <a:rPr lang="en-US" dirty="0" err="1"/>
               <a:t>tại</a:t>
             </a:r>
             <a:r>
-              <a:rPr lang="en-US" dirty="0" smtClean="0"/>
-              <a:t> </a:t>
-            </a:r>
-            <a:r>
-              <a:rPr lang="en-US" dirty="0" err="1" smtClean="0"/>
+              <a:rPr lang="en-US" dirty="0"/>
+              <a:t> </a:t>
+            </a:r>
+            <a:r>
+              <a:rPr lang="en-US" dirty="0" err="1"/>
               <a:t>địa</a:t>
             </a:r>
             <a:r>
-              <a:rPr lang="en-US" dirty="0" smtClean="0"/>
-              <a:t> </a:t>
-            </a:r>
-            <a:r>
-              <a:rPr lang="en-US" dirty="0" err="1" smtClean="0"/>
+              <a:rPr lang="en-US" dirty="0"/>
+              <a:t> </a:t>
+            </a:r>
+            <a:r>
+              <a:rPr lang="en-US" dirty="0" err="1"/>
               <a:t>điểm</a:t>
             </a:r>
             <a:r>
-              <a:rPr lang="en-US" dirty="0" smtClean="0"/>
-              <a:t> </a:t>
-            </a:r>
-            <a:r>
-              <a:rPr lang="en-US" dirty="0" err="1" smtClean="0"/>
+              <a:rPr lang="en-US" dirty="0"/>
+              <a:t> </a:t>
+            </a:r>
+            <a:r>
+              <a:rPr lang="en-US" dirty="0" err="1"/>
               <a:t>đó</a:t>
             </a:r>
             <a:r>
-              <a:rPr lang="en-US" dirty="0" smtClean="0"/>
+              <a:rPr lang="en-US" dirty="0"/>
               <a:t> (</a:t>
             </a:r>
             <a:r>
-              <a:rPr lang="en-US" dirty="0" err="1" smtClean="0"/>
+              <a:rPr lang="en-US" dirty="0" err="1"/>
               <a:t>các</a:t>
             </a:r>
             <a:r>
-              <a:rPr lang="en-US" dirty="0" smtClean="0"/>
-              <a:t> </a:t>
-            </a:r>
-            <a:r>
-              <a:rPr lang="en-US" dirty="0" err="1" smtClean="0"/>
+              <a:rPr lang="en-US" dirty="0"/>
+              <a:t> </a:t>
+            </a:r>
+            <a:r>
+              <a:rPr lang="en-US" dirty="0" err="1"/>
               <a:t>thông</a:t>
             </a:r>
             <a:r>
-              <a:rPr lang="en-US" dirty="0" smtClean="0"/>
+              <a:rPr lang="en-US" dirty="0"/>
               <a:t> tin chi </a:t>
             </a:r>
             <a:r>
-              <a:rPr lang="en-US" dirty="0" err="1" smtClean="0"/>
+              <a:rPr lang="en-US" dirty="0" err="1"/>
               <a:t>tiết</a:t>
             </a:r>
             <a:r>
-              <a:rPr lang="en-US" dirty="0" smtClean="0"/>
-              <a:t> </a:t>
-            </a:r>
-            <a:r>
-              <a:rPr lang="en-US" dirty="0" err="1" smtClean="0"/>
+              <a:rPr lang="en-US" dirty="0"/>
+              <a:t> </a:t>
+            </a:r>
+            <a:r>
+              <a:rPr lang="en-US" dirty="0" err="1"/>
               <a:t>hiển</a:t>
             </a:r>
             <a:r>
-              <a:rPr lang="en-US" dirty="0" smtClean="0"/>
-              <a:t> </a:t>
-            </a:r>
-            <a:r>
-              <a:rPr lang="en-US" dirty="0" err="1" smtClean="0"/>
+              <a:rPr lang="en-US" dirty="0"/>
+              <a:t> </a:t>
+            </a:r>
+            <a:r>
+              <a:rPr lang="en-US" dirty="0" err="1"/>
               <a:t>thị</a:t>
             </a:r>
             <a:r>
-              <a:rPr lang="en-US" dirty="0" smtClean="0"/>
-              <a:t> </a:t>
-            </a:r>
-            <a:r>
-              <a:rPr lang="en-US" dirty="0" err="1" smtClean="0"/>
+              <a:rPr lang="en-US" dirty="0"/>
+              <a:t> </a:t>
+            </a:r>
+            <a:r>
+              <a:rPr lang="en-US" dirty="0" err="1"/>
               <a:t>mô</a:t>
             </a:r>
             <a:r>
-              <a:rPr lang="en-US" dirty="0" smtClean="0"/>
-              <a:t> </a:t>
-            </a:r>
-            <a:r>
-              <a:rPr lang="en-US" dirty="0" err="1" smtClean="0"/>
+              <a:rPr lang="en-US" dirty="0"/>
+              <a:t> </a:t>
+            </a:r>
+            <a:r>
+              <a:rPr lang="en-US" dirty="0" err="1"/>
               <a:t>tả</a:t>
             </a:r>
             <a:r>
-              <a:rPr lang="en-US" dirty="0" smtClean="0"/>
-              <a:t> </a:t>
-            </a:r>
-            <a:r>
-              <a:rPr lang="en-US" dirty="0" err="1" smtClean="0"/>
+              <a:rPr lang="en-US" dirty="0"/>
+              <a:t> </a:t>
+            </a:r>
+            <a:r>
+              <a:rPr lang="en-US" dirty="0" err="1"/>
               <a:t>sau</a:t>
             </a:r>
             <a:r>
-              <a:rPr lang="en-US" dirty="0" smtClean="0"/>
+              <a:rPr lang="en-US" dirty="0"/>
               <a:t>).</a:t>
             </a:r>
           </a:p>
@@ -3418,13 +3391,13 @@
           </a:p>
           <a:p>
             <a:r>
-              <a:rPr lang="en-US" dirty="0" smtClean="0"/>
+              <a:rPr lang="en-US" dirty="0"/>
               <a:t>V1.1</a:t>
             </a:r>
           </a:p>
           <a:p>
             <a:r>
-              <a:rPr lang="en-US" dirty="0" smtClean="0">
+              <a:rPr lang="en-US" dirty="0">
                 <a:solidFill>
                   <a:schemeClr val="accent1">
                     <a:lumMod val="75000"/>
@@ -3434,141 +3407,141 @@
               <a:t>Around-work screen</a:t>
             </a:r>
             <a:r>
-              <a:rPr lang="en-US" dirty="0" smtClean="0"/>
+              <a:rPr lang="en-US" dirty="0"/>
               <a:t>: map </a:t>
             </a:r>
             <a:r>
-              <a:rPr lang="en-US" dirty="0" err="1" smtClean="0"/>
+              <a:rPr lang="en-US" dirty="0" err="1"/>
               <a:t>thêm</a:t>
             </a:r>
             <a:r>
-              <a:rPr lang="en-US" dirty="0" smtClean="0"/>
-              <a:t> </a:t>
-            </a:r>
-            <a:r>
-              <a:rPr lang="en-US" dirty="0" err="1" smtClean="0"/>
+              <a:rPr lang="en-US" dirty="0"/>
+              <a:t> </a:t>
+            </a:r>
+            <a:r>
+              <a:rPr lang="en-US" dirty="0" err="1"/>
               <a:t>tính</a:t>
             </a:r>
             <a:r>
-              <a:rPr lang="en-US" dirty="0" smtClean="0"/>
-              <a:t> </a:t>
-            </a:r>
-            <a:r>
-              <a:rPr lang="en-US" dirty="0" err="1" smtClean="0"/>
+              <a:rPr lang="en-US" dirty="0"/>
+              <a:t> </a:t>
+            </a:r>
+            <a:r>
+              <a:rPr lang="en-US" dirty="0" err="1"/>
               <a:t>năng</a:t>
             </a:r>
             <a:r>
-              <a:rPr lang="en-US" dirty="0" smtClean="0"/>
-              <a:t> </a:t>
-            </a:r>
-            <a:r>
-              <a:rPr lang="en-US" dirty="0" err="1" smtClean="0"/>
+              <a:rPr lang="en-US" dirty="0"/>
+              <a:t> </a:t>
+            </a:r>
+            <a:r>
+              <a:rPr lang="en-US" dirty="0" err="1"/>
               <a:t>người</a:t>
             </a:r>
             <a:r>
-              <a:rPr lang="en-US" dirty="0" smtClean="0"/>
-              <a:t> </a:t>
-            </a:r>
-            <a:r>
-              <a:rPr lang="en-US" dirty="0" err="1" smtClean="0"/>
+              <a:rPr lang="en-US" dirty="0"/>
+              <a:t> </a:t>
+            </a:r>
+            <a:r>
+              <a:rPr lang="en-US" dirty="0" err="1"/>
               <a:t>dùng</a:t>
             </a:r>
             <a:r>
-              <a:rPr lang="en-US" dirty="0" smtClean="0"/>
-              <a:t> </a:t>
-            </a:r>
-            <a:r>
-              <a:rPr lang="en-US" dirty="0" err="1" smtClean="0"/>
+              <a:rPr lang="en-US" dirty="0"/>
+              <a:t> </a:t>
+            </a:r>
+            <a:r>
+              <a:rPr lang="en-US" dirty="0" err="1"/>
               <a:t>có</a:t>
             </a:r>
             <a:r>
-              <a:rPr lang="en-US" dirty="0" smtClean="0"/>
-              <a:t> </a:t>
-            </a:r>
-            <a:r>
-              <a:rPr lang="en-US" dirty="0" err="1" smtClean="0"/>
+              <a:rPr lang="en-US" dirty="0"/>
+              <a:t> </a:t>
+            </a:r>
+            <a:r>
+              <a:rPr lang="en-US" dirty="0" err="1"/>
               <a:t>thể</a:t>
             </a:r>
             <a:r>
-              <a:rPr lang="en-US" dirty="0" smtClean="0"/>
-              <a:t> </a:t>
-            </a:r>
-            <a:r>
-              <a:rPr lang="en-US" dirty="0" err="1" smtClean="0"/>
+              <a:rPr lang="en-US" dirty="0"/>
+              <a:t> </a:t>
+            </a:r>
+            <a:r>
+              <a:rPr lang="en-US" dirty="0" err="1"/>
               <a:t>cung</a:t>
             </a:r>
             <a:r>
-              <a:rPr lang="en-US" dirty="0" smtClean="0"/>
-              <a:t> </a:t>
-            </a:r>
-            <a:r>
-              <a:rPr lang="en-US" dirty="0" err="1" smtClean="0"/>
+              <a:rPr lang="en-US" dirty="0"/>
+              <a:t> </a:t>
+            </a:r>
+            <a:r>
+              <a:rPr lang="en-US" dirty="0" err="1"/>
               <a:t>cấp</a:t>
             </a:r>
             <a:r>
-              <a:rPr lang="en-US" dirty="0" smtClean="0"/>
-              <a:t> </a:t>
-            </a:r>
-            <a:r>
-              <a:rPr lang="en-US" dirty="0" err="1" smtClean="0"/>
+              <a:rPr lang="en-US" dirty="0"/>
+              <a:t> </a:t>
+            </a:r>
+            <a:r>
+              <a:rPr lang="en-US" dirty="0" err="1"/>
               <a:t>thêm</a:t>
             </a:r>
             <a:r>
-              <a:rPr lang="en-US" dirty="0" smtClean="0"/>
-              <a:t> </a:t>
-            </a:r>
-            <a:r>
-              <a:rPr lang="en-US" dirty="0" err="1" smtClean="0"/>
+              <a:rPr lang="en-US" dirty="0"/>
+              <a:t> </a:t>
+            </a:r>
+            <a:r>
+              <a:rPr lang="en-US" dirty="0" err="1"/>
               <a:t>thông</a:t>
             </a:r>
             <a:r>
-              <a:rPr lang="en-US" dirty="0" smtClean="0"/>
+              <a:rPr lang="en-US" dirty="0"/>
               <a:t> tin </a:t>
             </a:r>
             <a:r>
-              <a:rPr lang="en-US" dirty="0" err="1" smtClean="0"/>
+              <a:rPr lang="en-US" dirty="0" err="1"/>
               <a:t>về</a:t>
             </a:r>
             <a:r>
-              <a:rPr lang="en-US" dirty="0" smtClean="0"/>
-              <a:t> </a:t>
-            </a:r>
-            <a:r>
-              <a:rPr lang="en-US" dirty="0" err="1" smtClean="0"/>
+              <a:rPr lang="en-US" dirty="0"/>
+              <a:t> </a:t>
+            </a:r>
+            <a:r>
+              <a:rPr lang="en-US" dirty="0" err="1"/>
               <a:t>công</a:t>
             </a:r>
             <a:r>
-              <a:rPr lang="en-US" dirty="0" smtClean="0"/>
+              <a:rPr lang="en-US" dirty="0"/>
               <a:t> ty </a:t>
             </a:r>
             <a:r>
-              <a:rPr lang="en-US" dirty="0" err="1" smtClean="0"/>
+              <a:rPr lang="en-US" dirty="0" err="1"/>
               <a:t>cho</a:t>
             </a:r>
             <a:r>
-              <a:rPr lang="en-US" dirty="0" smtClean="0"/>
+              <a:rPr lang="en-US" dirty="0"/>
               <a:t> 1 </a:t>
             </a:r>
             <a:r>
-              <a:rPr lang="en-US" dirty="0" err="1" smtClean="0"/>
+              <a:rPr lang="en-US" dirty="0" err="1"/>
               <a:t>địa</a:t>
             </a:r>
             <a:r>
-              <a:rPr lang="en-US" dirty="0" smtClean="0"/>
-              <a:t> </a:t>
-            </a:r>
-            <a:r>
-              <a:rPr lang="en-US" dirty="0" err="1" smtClean="0"/>
+              <a:rPr lang="en-US" dirty="0"/>
+              <a:t> </a:t>
+            </a:r>
+            <a:r>
+              <a:rPr lang="en-US" dirty="0" err="1"/>
               <a:t>điểm</a:t>
             </a:r>
-            <a:endParaRPr lang="en-US" dirty="0" smtClean="0"/>
-          </a:p>
-          <a:p>
-            <a:endParaRPr lang="en-US" dirty="0" smtClean="0"/>
-          </a:p>
-          <a:p>
-            <a:r>
-              <a:rPr lang="en-US" dirty="0" smtClean="0">
+            <a:endParaRPr lang="en-US" dirty="0"/>
+          </a:p>
+          <a:p>
+            <a:endParaRPr lang="en-US" dirty="0"/>
+          </a:p>
+          <a:p>
+            <a:r>
+              <a:rPr lang="en-US" dirty="0">
                 <a:solidFill>
                   <a:schemeClr val="accent1">
                     <a:lumMod val="75000"/>
@@ -3578,202 +3551,201 @@
               <a:t>Management part: verify suggest info screen</a:t>
             </a:r>
             <a:r>
-              <a:rPr lang="en-US" dirty="0" smtClean="0"/>
+              <a:rPr lang="en-US" dirty="0"/>
               <a:t>: admin </a:t>
             </a:r>
             <a:r>
-              <a:rPr lang="en-US" dirty="0" err="1" smtClean="0"/>
+              <a:rPr lang="en-US" dirty="0" err="1"/>
               <a:t>có</a:t>
             </a:r>
             <a:r>
-              <a:rPr lang="en-US" dirty="0" smtClean="0"/>
-              <a:t> </a:t>
-            </a:r>
-            <a:r>
-              <a:rPr lang="en-US" dirty="0" err="1" smtClean="0"/>
+              <a:rPr lang="en-US" dirty="0"/>
+              <a:t> </a:t>
+            </a:r>
+            <a:r>
+              <a:rPr lang="en-US" dirty="0" err="1"/>
               <a:t>thể</a:t>
             </a:r>
             <a:r>
-              <a:rPr lang="en-US" dirty="0" smtClean="0"/>
-              <a:t> </a:t>
-            </a:r>
-            <a:r>
-              <a:rPr lang="en-US" dirty="0" err="1" smtClean="0"/>
+              <a:rPr lang="en-US" dirty="0"/>
+              <a:t> </a:t>
+            </a:r>
+            <a:r>
+              <a:rPr lang="en-US" dirty="0" err="1"/>
               <a:t>xác</a:t>
             </a:r>
             <a:r>
-              <a:rPr lang="en-US" dirty="0" smtClean="0"/>
-              <a:t> </a:t>
-            </a:r>
-            <a:r>
-              <a:rPr lang="en-US" dirty="0" err="1" smtClean="0"/>
+              <a:rPr lang="en-US" dirty="0"/>
+              <a:t> </a:t>
+            </a:r>
+            <a:r>
+              <a:rPr lang="en-US" dirty="0" err="1"/>
               <a:t>thực</a:t>
             </a:r>
             <a:r>
-              <a:rPr lang="en-US" dirty="0" smtClean="0"/>
+              <a:rPr lang="en-US" dirty="0"/>
               <a:t> 1 </a:t>
             </a:r>
             <a:r>
-              <a:rPr lang="en-US" dirty="0" err="1" smtClean="0"/>
+              <a:rPr lang="en-US" dirty="0" err="1"/>
               <a:t>đại</a:t>
             </a:r>
             <a:r>
-              <a:rPr lang="en-US" dirty="0" smtClean="0"/>
-              <a:t> </a:t>
-            </a:r>
-            <a:r>
-              <a:rPr lang="en-US" dirty="0" err="1" smtClean="0"/>
+              <a:rPr lang="en-US" dirty="0"/>
+              <a:t> </a:t>
+            </a:r>
+            <a:r>
+              <a:rPr lang="en-US" dirty="0" err="1"/>
               <a:t>điểm</a:t>
             </a:r>
             <a:r>
-              <a:rPr lang="en-US" dirty="0" smtClean="0"/>
-              <a:t> </a:t>
-            </a:r>
-            <a:r>
-              <a:rPr lang="en-US" dirty="0" err="1" smtClean="0"/>
+              <a:rPr lang="en-US" dirty="0"/>
+              <a:t> </a:t>
+            </a:r>
+            <a:r>
+              <a:rPr lang="en-US" dirty="0" err="1"/>
               <a:t>mới</a:t>
             </a:r>
             <a:r>
-              <a:rPr lang="en-US" dirty="0" smtClean="0"/>
-              <a:t> </a:t>
-            </a:r>
-            <a:r>
-              <a:rPr lang="en-US" dirty="0" err="1" smtClean="0"/>
+              <a:rPr lang="en-US" dirty="0"/>
+              <a:t> </a:t>
+            </a:r>
+            <a:r>
+              <a:rPr lang="en-US" dirty="0" err="1"/>
               <a:t>mà</a:t>
             </a:r>
             <a:r>
-              <a:rPr lang="en-US" dirty="0" smtClean="0"/>
-              <a:t> </a:t>
-            </a:r>
-            <a:r>
-              <a:rPr lang="en-US" dirty="0" err="1" smtClean="0"/>
+              <a:rPr lang="en-US" dirty="0"/>
+              <a:t> </a:t>
+            </a:r>
+            <a:r>
+              <a:rPr lang="en-US" dirty="0" err="1"/>
               <a:t>người</a:t>
             </a:r>
             <a:r>
-              <a:rPr lang="en-US" dirty="0" smtClean="0"/>
-              <a:t> </a:t>
-            </a:r>
-            <a:r>
-              <a:rPr lang="en-US" dirty="0" err="1" smtClean="0"/>
+              <a:rPr lang="en-US" dirty="0"/>
+              <a:t> </a:t>
+            </a:r>
+            <a:r>
+              <a:rPr lang="en-US" dirty="0" err="1"/>
               <a:t>dùng</a:t>
             </a:r>
             <a:r>
-              <a:rPr lang="en-US" dirty="0" smtClean="0"/>
-              <a:t> </a:t>
-            </a:r>
-            <a:r>
-              <a:rPr lang="en-US" dirty="0" err="1" smtClean="0"/>
+              <a:rPr lang="en-US" dirty="0"/>
+              <a:t> </a:t>
+            </a:r>
+            <a:r>
+              <a:rPr lang="en-US" dirty="0" err="1"/>
               <a:t>đã</a:t>
             </a:r>
             <a:r>
-              <a:rPr lang="en-US" dirty="0" smtClean="0"/>
+              <a:rPr lang="en-US" dirty="0"/>
               <a:t> add </a:t>
             </a:r>
             <a:r>
-              <a:rPr lang="en-US" dirty="0" err="1" smtClean="0"/>
+              <a:rPr lang="en-US" dirty="0" err="1"/>
               <a:t>thêm</a:t>
             </a:r>
             <a:r>
-              <a:rPr lang="en-US" dirty="0" smtClean="0"/>
+              <a:rPr lang="en-US" dirty="0"/>
               <a:t>. Sau </a:t>
             </a:r>
             <a:r>
-              <a:rPr lang="en-US" dirty="0" err="1" smtClean="0"/>
+              <a:rPr lang="en-US" dirty="0" err="1"/>
               <a:t>khi</a:t>
             </a:r>
             <a:r>
-              <a:rPr lang="en-US" dirty="0" smtClean="0"/>
-              <a:t> </a:t>
-            </a:r>
-            <a:r>
-              <a:rPr lang="en-US" dirty="0" err="1" smtClean="0"/>
+              <a:rPr lang="en-US" dirty="0"/>
+              <a:t> </a:t>
+            </a:r>
+            <a:r>
+              <a:rPr lang="en-US" dirty="0" err="1"/>
               <a:t>xác</a:t>
             </a:r>
             <a:r>
-              <a:rPr lang="en-US" dirty="0" smtClean="0"/>
-              <a:t> </a:t>
-            </a:r>
-            <a:r>
-              <a:rPr lang="en-US" dirty="0" err="1" smtClean="0"/>
+              <a:rPr lang="en-US" dirty="0"/>
+              <a:t> </a:t>
+            </a:r>
+            <a:r>
+              <a:rPr lang="en-US" dirty="0" err="1"/>
               <a:t>thực</a:t>
             </a:r>
             <a:r>
-              <a:rPr lang="en-US" dirty="0" smtClean="0"/>
+              <a:rPr lang="en-US" dirty="0"/>
               <a:t> data </a:t>
             </a:r>
             <a:r>
-              <a:rPr lang="en-US" dirty="0" err="1" smtClean="0"/>
+              <a:rPr lang="en-US" dirty="0" err="1"/>
               <a:t>này</a:t>
             </a:r>
             <a:r>
-              <a:rPr lang="en-US" dirty="0" smtClean="0"/>
-              <a:t> </a:t>
-            </a:r>
-            <a:r>
-              <a:rPr lang="en-US" dirty="0" err="1" smtClean="0"/>
+              <a:rPr lang="en-US" dirty="0"/>
+              <a:t> </a:t>
+            </a:r>
+            <a:r>
+              <a:rPr lang="en-US" dirty="0" err="1"/>
               <a:t>được</a:t>
             </a:r>
             <a:r>
-              <a:rPr lang="en-US" dirty="0" smtClean="0"/>
-              <a:t> </a:t>
-            </a:r>
-            <a:r>
-              <a:rPr lang="en-US" dirty="0" err="1" smtClean="0"/>
+              <a:rPr lang="en-US" dirty="0"/>
+              <a:t> </a:t>
+            </a:r>
+            <a:r>
+              <a:rPr lang="en-US" dirty="0" err="1"/>
               <a:t>sử</a:t>
             </a:r>
             <a:r>
-              <a:rPr lang="en-US" dirty="0" smtClean="0"/>
-              <a:t> </a:t>
-            </a:r>
-            <a:r>
-              <a:rPr lang="en-US" dirty="0" err="1" smtClean="0"/>
+              <a:rPr lang="en-US" dirty="0"/>
+              <a:t> </a:t>
+            </a:r>
+            <a:r>
+              <a:rPr lang="en-US" dirty="0" err="1"/>
               <a:t>dụng</a:t>
             </a:r>
             <a:r>
-              <a:rPr lang="en-US" dirty="0" smtClean="0"/>
-              <a:t> </a:t>
-            </a:r>
-            <a:r>
-              <a:rPr lang="en-US" dirty="0" err="1" smtClean="0"/>
+              <a:rPr lang="en-US" dirty="0"/>
+              <a:t> </a:t>
+            </a:r>
+            <a:r>
+              <a:rPr lang="en-US" dirty="0" err="1"/>
               <a:t>giống</a:t>
             </a:r>
             <a:r>
-              <a:rPr lang="en-US" dirty="0" smtClean="0"/>
-              <a:t> </a:t>
-            </a:r>
-            <a:r>
-              <a:rPr lang="en-US" dirty="0" err="1" smtClean="0"/>
+              <a:rPr lang="en-US" dirty="0"/>
+              <a:t> </a:t>
+            </a:r>
+            <a:r>
+              <a:rPr lang="en-US" dirty="0" err="1"/>
               <a:t>như</a:t>
             </a:r>
             <a:r>
-              <a:rPr lang="en-US" dirty="0" smtClean="0"/>
+              <a:rPr lang="en-US" dirty="0"/>
               <a:t> data get </a:t>
             </a:r>
             <a:r>
-              <a:rPr lang="en-US" dirty="0" err="1" smtClean="0"/>
+              <a:rPr lang="en-US" dirty="0" err="1"/>
               <a:t>từ</a:t>
             </a:r>
             <a:r>
-              <a:rPr lang="en-US" dirty="0" smtClean="0"/>
+              <a:rPr lang="en-US" dirty="0"/>
               <a:t> gg </a:t>
             </a:r>
             <a:r>
-              <a:rPr lang="en-US" dirty="0" err="1" smtClean="0"/>
+              <a:rPr lang="en-US" dirty="0" err="1"/>
               <a:t>api</a:t>
             </a:r>
             <a:r>
-              <a:rPr lang="en-US" dirty="0" smtClean="0"/>
-              <a:t> </a:t>
-            </a:r>
-            <a:r>
-              <a:rPr lang="en-US" dirty="0" err="1" smtClean="0"/>
+              <a:rPr lang="en-US" dirty="0"/>
+              <a:t> </a:t>
+            </a:r>
+            <a:r>
+              <a:rPr lang="en-US" dirty="0" err="1"/>
               <a:t>về</a:t>
             </a:r>
             <a:r>
-              <a:rPr lang="en-US" dirty="0" smtClean="0"/>
+              <a:rPr lang="en-US" dirty="0"/>
               <a:t>.</a:t>
             </a:r>
-            <a:endParaRPr lang="en-US" dirty="0"/>
           </a:p>
         </p:txBody>
       </p:sp>
@@ -3830,7 +3802,7 @@
           <a:lstStyle/>
           <a:p>
             <a:r>
-              <a:rPr lang="en-US" sz="2000" dirty="0" smtClean="0">
+              <a:rPr lang="en-US" sz="2000" dirty="0">
                 <a:ln w="0"/>
                 <a:solidFill>
                   <a:schemeClr val="accent1"/>
@@ -3845,19 +3817,6 @@
               </a:rPr>
               <a:t>Screen</a:t>
             </a:r>
-            <a:endParaRPr lang="en-US" sz="2000" dirty="0">
-              <a:ln w="0"/>
-              <a:solidFill>
-                <a:schemeClr val="accent1"/>
-              </a:solidFill>
-              <a:effectLst>
-                <a:outerShdw blurRad="38100" dist="25400" dir="5400000" algn="ctr" rotWithShape="0">
-                  <a:srgbClr val="6E747A">
-                    <a:alpha val="43000"/>
-                  </a:srgbClr>
-                </a:outerShdw>
-              </a:effectLst>
-            </a:endParaRPr>
           </a:p>
         </p:txBody>
       </p:sp>
@@ -3908,46 +3867,45 @@
           <a:lstStyle/>
           <a:p>
             <a:r>
-              <a:rPr lang="en-US" dirty="0" err="1" smtClean="0"/>
+              <a:rPr lang="en-US" dirty="0" err="1"/>
               <a:t>Thông</a:t>
             </a:r>
             <a:r>
-              <a:rPr lang="en-US" dirty="0" smtClean="0"/>
+              <a:rPr lang="en-US" dirty="0"/>
               <a:t> tin </a:t>
             </a:r>
             <a:r>
-              <a:rPr lang="en-US" dirty="0" err="1" smtClean="0"/>
+              <a:rPr lang="en-US" dirty="0" err="1"/>
               <a:t>công</a:t>
             </a:r>
             <a:r>
-              <a:rPr lang="en-US" dirty="0" smtClean="0"/>
+              <a:rPr lang="en-US" dirty="0"/>
               <a:t> ty </a:t>
             </a:r>
             <a:r>
-              <a:rPr lang="en-US" dirty="0" err="1" smtClean="0"/>
+              <a:rPr lang="en-US" dirty="0" err="1"/>
               <a:t>và</a:t>
             </a:r>
             <a:r>
-              <a:rPr lang="en-US" dirty="0" smtClean="0"/>
+              <a:rPr lang="en-US" dirty="0"/>
               <a:t> add new </a:t>
             </a:r>
             <a:r>
-              <a:rPr lang="en-US" dirty="0" err="1" smtClean="0"/>
+              <a:rPr lang="en-US" dirty="0" err="1"/>
               <a:t>công</a:t>
             </a:r>
             <a:r>
-              <a:rPr lang="en-US" dirty="0" smtClean="0"/>
+              <a:rPr lang="en-US" dirty="0"/>
               <a:t> ty .</a:t>
             </a:r>
             <a:r>
-              <a:rPr lang="en-US" dirty="0" err="1" smtClean="0"/>
+              <a:rPr lang="en-US" dirty="0" err="1"/>
               <a:t>etc</a:t>
             </a:r>
             <a:r>
-              <a:rPr lang="en-US" dirty="0" smtClean="0"/>
+              <a:rPr lang="en-US" dirty="0"/>
               <a:t>…</a:t>
             </a:r>
-            <a:endParaRPr lang="en-US" dirty="0"/>
           </a:p>
         </p:txBody>
       </p:sp>
@@ -4004,7 +3962,7 @@
           <a:lstStyle/>
           <a:p>
             <a:r>
-              <a:rPr lang="en-US" sz="2000" dirty="0" smtClean="0">
+              <a:rPr lang="en-US" sz="2000" dirty="0">
                 <a:ln w="0"/>
                 <a:solidFill>
                   <a:schemeClr val="accent1"/>
@@ -4019,19 +3977,6 @@
               </a:rPr>
               <a:t>Feature</a:t>
             </a:r>
-            <a:endParaRPr lang="en-US" sz="2000" dirty="0">
-              <a:ln w="0"/>
-              <a:solidFill>
-                <a:schemeClr val="accent1"/>
-              </a:solidFill>
-              <a:effectLst>
-                <a:outerShdw blurRad="38100" dist="25400" dir="5400000" algn="ctr" rotWithShape="0">
-                  <a:srgbClr val="6E747A">
-                    <a:alpha val="43000"/>
-                  </a:srgbClr>
-                </a:outerShdw>
-              </a:effectLst>
-            </a:endParaRPr>
           </a:p>
         </p:txBody>
       </p:sp>
@@ -4044,7 +3989,7 @@
         <p:spPr>
           <a:xfrm>
             <a:off x="2952206" y="1489166"/>
-            <a:ext cx="6975565" cy="3139321"/>
+            <a:ext cx="6975565" cy="3693319"/>
           </a:xfrm>
           <a:prstGeom prst="rect">
             <a:avLst/>
@@ -4058,13 +4003,13 @@
           <a:lstStyle/>
           <a:p>
             <a:r>
-              <a:rPr lang="en-US" dirty="0" smtClean="0"/>
+              <a:rPr lang="en-US" dirty="0"/>
               <a:t>V1.0:</a:t>
             </a:r>
           </a:p>
           <a:p>
             <a:r>
-              <a:rPr lang="en-US" dirty="0" smtClean="0">
+              <a:rPr lang="en-US" dirty="0">
                 <a:solidFill>
                   <a:schemeClr val="accent1">
                     <a:lumMod val="75000"/>
@@ -4074,46 +4019,45 @@
               <a:t>Home screen</a:t>
             </a:r>
             <a:r>
-              <a:rPr lang="en-US" dirty="0" smtClean="0"/>
+              <a:rPr lang="en-US" dirty="0"/>
               <a:t>: </a:t>
             </a:r>
             <a:r>
-              <a:rPr lang="en-US" dirty="0" err="1" smtClean="0"/>
+              <a:rPr lang="en-US" dirty="0" err="1"/>
               <a:t>giới</a:t>
             </a:r>
             <a:r>
-              <a:rPr lang="en-US" dirty="0" smtClean="0"/>
-              <a:t> </a:t>
-            </a:r>
-            <a:r>
-              <a:rPr lang="en-US" dirty="0" err="1" smtClean="0"/>
+              <a:rPr lang="en-US" dirty="0"/>
+              <a:t> </a:t>
+            </a:r>
+            <a:r>
+              <a:rPr lang="en-US" dirty="0" err="1"/>
               <a:t>thiệu</a:t>
             </a:r>
             <a:r>
-              <a:rPr lang="en-US" dirty="0" smtClean="0"/>
-              <a:t> </a:t>
-            </a:r>
-            <a:r>
-              <a:rPr lang="en-US" dirty="0" err="1" smtClean="0"/>
+              <a:rPr lang="en-US" dirty="0"/>
+              <a:t> </a:t>
+            </a:r>
+            <a:r>
+              <a:rPr lang="en-US" dirty="0" err="1"/>
               <a:t>dự</a:t>
             </a:r>
             <a:r>
-              <a:rPr lang="en-US" dirty="0" smtClean="0"/>
-              <a:t> </a:t>
-            </a:r>
-            <a:r>
-              <a:rPr lang="en-US" dirty="0" err="1" smtClean="0"/>
+              <a:rPr lang="en-US" dirty="0"/>
+              <a:t> </a:t>
+            </a:r>
+            <a:r>
+              <a:rPr lang="en-US" dirty="0" err="1"/>
               <a:t>án</a:t>
             </a:r>
             <a:r>
-              <a:rPr lang="en-US" dirty="0" smtClean="0"/>
+              <a:rPr lang="en-US" dirty="0"/>
               <a:t> – static page</a:t>
             </a:r>
-            <a:endParaRPr lang="en-US" dirty="0"/>
-          </a:p>
-          <a:p>
-            <a:r>
-              <a:rPr lang="en-US" dirty="0" smtClean="0">
+          </a:p>
+          <a:p>
+            <a:r>
+              <a:rPr lang="en-US" dirty="0">
                 <a:solidFill>
                   <a:schemeClr val="accent1">
                     <a:lumMod val="75000"/>
@@ -4123,338 +4067,337 @@
               <a:t>Around-work screen</a:t>
             </a:r>
             <a:r>
-              <a:rPr lang="en-US" dirty="0" smtClean="0"/>
+              <a:rPr lang="en-US" dirty="0"/>
               <a:t>: </a:t>
             </a:r>
           </a:p>
           <a:p>
             <a:r>
               <a:rPr lang="en-US" dirty="0"/>
-              <a:t> </a:t>
-            </a:r>
-            <a:r>
-              <a:rPr lang="en-US" dirty="0" smtClean="0"/>
-              <a:t>*Client</a:t>
-            </a:r>
-          </a:p>
-          <a:p>
-            <a:r>
-              <a:rPr lang="en-US" dirty="0"/>
-              <a:t> </a:t>
-            </a:r>
-            <a:r>
-              <a:rPr lang="en-US" dirty="0" smtClean="0"/>
-              <a:t>- </a:t>
-            </a:r>
-            <a:r>
-              <a:rPr lang="en-US" dirty="0" err="1" smtClean="0"/>
+              <a:t> *Client</a:t>
+            </a:r>
+          </a:p>
+          <a:p>
+            <a:r>
+              <a:rPr lang="en-US" dirty="0"/>
+              <a:t> - </a:t>
+            </a:r>
+            <a:r>
+              <a:rPr lang="en-US" dirty="0" err="1"/>
               <a:t>Lựa</a:t>
             </a:r>
             <a:r>
-              <a:rPr lang="en-US" dirty="0" smtClean="0"/>
-              <a:t> </a:t>
-            </a:r>
-            <a:r>
-              <a:rPr lang="en-US" dirty="0" err="1" smtClean="0"/>
+              <a:rPr lang="en-US" dirty="0"/>
+              <a:t> </a:t>
+            </a:r>
+            <a:r>
+              <a:rPr lang="en-US" dirty="0" err="1"/>
               <a:t>chọn</a:t>
             </a:r>
             <a:r>
-              <a:rPr lang="en-US" dirty="0" smtClean="0"/>
+              <a:rPr lang="en-US" dirty="0"/>
               <a:t> 1 </a:t>
             </a:r>
             <a:r>
-              <a:rPr lang="en-US" dirty="0" err="1" smtClean="0"/>
+              <a:rPr lang="en-US" dirty="0" err="1"/>
               <a:t>địa</a:t>
             </a:r>
             <a:r>
-              <a:rPr lang="en-US" dirty="0" smtClean="0"/>
-              <a:t> </a:t>
-            </a:r>
-            <a:r>
-              <a:rPr lang="en-US" dirty="0" err="1" smtClean="0"/>
+              <a:rPr lang="en-US" dirty="0"/>
+              <a:t> </a:t>
+            </a:r>
+            <a:r>
+              <a:rPr lang="en-US" dirty="0" err="1"/>
               <a:t>điểm</a:t>
             </a:r>
             <a:r>
-              <a:rPr lang="en-US" dirty="0" smtClean="0"/>
+              <a:rPr lang="en-US" dirty="0"/>
               <a:t>, auto zoom in building level </a:t>
             </a:r>
             <a:r>
-              <a:rPr lang="en-US" dirty="0" err="1" smtClean="0"/>
+              <a:rPr lang="en-US" dirty="0" err="1"/>
               <a:t>và</a:t>
             </a:r>
             <a:r>
-              <a:rPr lang="en-US" dirty="0" smtClean="0"/>
-              <a:t> </a:t>
-            </a:r>
-            <a:r>
-              <a:rPr lang="en-US" dirty="0" err="1" smtClean="0"/>
+              <a:rPr lang="en-US" dirty="0"/>
+              <a:t> </a:t>
+            </a:r>
+            <a:r>
+              <a:rPr lang="en-US" dirty="0" err="1"/>
               <a:t>lấy</a:t>
             </a:r>
             <a:r>
-              <a:rPr lang="en-US" dirty="0" smtClean="0"/>
-              <a:t> </a:t>
-            </a:r>
-            <a:r>
-              <a:rPr lang="en-US" dirty="0" err="1" smtClean="0"/>
+              <a:rPr lang="en-US" dirty="0"/>
+              <a:t> </a:t>
+            </a:r>
+            <a:r>
+              <a:rPr lang="en-US" dirty="0" err="1"/>
               <a:t>lat</a:t>
             </a:r>
             <a:r>
-              <a:rPr lang="en-US" dirty="0" smtClean="0"/>
+              <a:rPr lang="en-US" dirty="0"/>
               <a:t> –long</a:t>
             </a:r>
           </a:p>
           <a:p>
             <a:r>
               <a:rPr lang="en-US" dirty="0"/>
-              <a:t> </a:t>
-            </a:r>
-            <a:r>
-              <a:rPr lang="en-US" dirty="0" smtClean="0"/>
-              <a:t>- </a:t>
-            </a:r>
-            <a:r>
-              <a:rPr lang="en-US" dirty="0" err="1" smtClean="0"/>
+              <a:t> - </a:t>
+            </a:r>
+            <a:r>
+              <a:rPr lang="en-US" dirty="0" err="1"/>
               <a:t>Gửi</a:t>
             </a:r>
             <a:r>
-              <a:rPr lang="en-US" dirty="0" smtClean="0"/>
+              <a:rPr lang="en-US" dirty="0"/>
               <a:t> request </a:t>
             </a:r>
             <a:r>
-              <a:rPr lang="en-US" dirty="0" err="1" smtClean="0"/>
+              <a:rPr lang="en-US" dirty="0" err="1"/>
               <a:t>cùng</a:t>
             </a:r>
             <a:r>
-              <a:rPr lang="en-US" dirty="0" smtClean="0"/>
-              <a:t> </a:t>
-            </a:r>
-            <a:r>
-              <a:rPr lang="en-US" dirty="0" err="1" smtClean="0"/>
+              <a:rPr lang="en-US" dirty="0"/>
+              <a:t> </a:t>
+            </a:r>
+            <a:r>
+              <a:rPr lang="en-US" dirty="0" err="1"/>
               <a:t>lat</a:t>
             </a:r>
             <a:r>
-              <a:rPr lang="en-US" dirty="0" smtClean="0"/>
+              <a:rPr lang="en-US" dirty="0"/>
               <a:t>-long </a:t>
             </a:r>
             <a:r>
-              <a:rPr lang="en-US" dirty="0" err="1" smtClean="0"/>
+              <a:rPr lang="en-US" dirty="0" err="1"/>
               <a:t>để</a:t>
             </a:r>
             <a:r>
-              <a:rPr lang="en-US" dirty="0" smtClean="0"/>
+              <a:rPr lang="en-US" dirty="0"/>
               <a:t> get list companies</a:t>
             </a:r>
           </a:p>
           <a:p>
             <a:r>
               <a:rPr lang="en-US" dirty="0"/>
-              <a:t> </a:t>
-            </a:r>
-            <a:r>
-              <a:rPr lang="en-US" dirty="0" smtClean="0"/>
-              <a:t>- Show </a:t>
-            </a:r>
-            <a:r>
-              <a:rPr lang="en-US" dirty="0" err="1" smtClean="0"/>
+              <a:t> - Show </a:t>
+            </a:r>
+            <a:r>
+              <a:rPr lang="en-US" dirty="0" err="1"/>
               <a:t>thông</a:t>
             </a:r>
             <a:r>
-              <a:rPr lang="en-US" dirty="0" smtClean="0"/>
+              <a:rPr lang="en-US" dirty="0"/>
               <a:t> tin </a:t>
             </a:r>
             <a:r>
-              <a:rPr lang="en-US" dirty="0" err="1" smtClean="0"/>
+              <a:rPr lang="en-US" dirty="0" err="1"/>
               <a:t>từ</a:t>
             </a:r>
             <a:r>
-              <a:rPr lang="en-US" dirty="0" smtClean="0"/>
+              <a:rPr lang="en-US" dirty="0"/>
               <a:t> response of server</a:t>
             </a:r>
           </a:p>
           <a:p>
             <a:r>
-              <a:rPr lang="en-US" dirty="0" smtClean="0"/>
+              <a:rPr lang="en-US" dirty="0"/>
               <a:t>  *Server</a:t>
             </a:r>
           </a:p>
           <a:p>
             <a:r>
               <a:rPr lang="en-US" dirty="0"/>
-              <a:t> </a:t>
-            </a:r>
-            <a:r>
-              <a:rPr lang="en-US" dirty="0" smtClean="0"/>
-              <a:t>- </a:t>
-            </a:r>
-            <a:r>
-              <a:rPr lang="en-US" dirty="0" err="1" smtClean="0"/>
-              <a:t>Khi</a:t>
-            </a:r>
-            <a:r>
-              <a:rPr lang="en-US" dirty="0" smtClean="0"/>
-              <a:t> </a:t>
-            </a:r>
-            <a:r>
-              <a:rPr lang="en-US" dirty="0" err="1" smtClean="0"/>
+              <a:t> - Khi </a:t>
+            </a:r>
+            <a:r>
+              <a:rPr lang="en-US" dirty="0" err="1"/>
               <a:t>có</a:t>
             </a:r>
             <a:r>
-              <a:rPr lang="en-US" dirty="0" smtClean="0"/>
-              <a:t> </a:t>
-            </a:r>
-            <a:r>
-              <a:rPr lang="en-US" dirty="0" err="1" smtClean="0"/>
+              <a:rPr lang="en-US" dirty="0"/>
+              <a:t> </a:t>
+            </a:r>
+            <a:r>
+              <a:rPr lang="en-US" dirty="0" err="1"/>
               <a:t>lat</a:t>
             </a:r>
             <a:r>
-              <a:rPr lang="en-US" dirty="0" smtClean="0"/>
+              <a:rPr lang="en-US" dirty="0"/>
               <a:t>-long, </a:t>
             </a:r>
             <a:r>
-              <a:rPr lang="en-US" dirty="0" err="1" smtClean="0"/>
+              <a:rPr lang="en-US" dirty="0" err="1"/>
               <a:t>gửi</a:t>
             </a:r>
             <a:r>
-              <a:rPr lang="en-US" dirty="0" smtClean="0"/>
+              <a:rPr lang="en-US" dirty="0"/>
               <a:t> gg </a:t>
             </a:r>
             <a:r>
-              <a:rPr lang="en-US" dirty="0" err="1" smtClean="0"/>
+              <a:rPr lang="en-US" dirty="0" err="1"/>
               <a:t>api</a:t>
             </a:r>
             <a:r>
-              <a:rPr lang="en-US" dirty="0" smtClean="0"/>
-              <a:t> </a:t>
-            </a:r>
-            <a:r>
-              <a:rPr lang="en-US" dirty="0" err="1" smtClean="0"/>
+              <a:rPr lang="en-US" dirty="0"/>
+              <a:t> </a:t>
+            </a:r>
+            <a:r>
+              <a:rPr lang="en-US" dirty="0" err="1"/>
               <a:t>lấy</a:t>
             </a:r>
             <a:r>
-              <a:rPr lang="en-US" dirty="0" smtClean="0"/>
+              <a:rPr lang="en-US" dirty="0"/>
               <a:t> data, save DB </a:t>
             </a:r>
             <a:r>
-              <a:rPr lang="en-US" dirty="0" err="1" smtClean="0"/>
+              <a:rPr lang="en-US" dirty="0" err="1"/>
               <a:t>và</a:t>
             </a:r>
             <a:r>
-              <a:rPr lang="en-US" dirty="0" smtClean="0"/>
+              <a:rPr lang="en-US" dirty="0"/>
               <a:t> response </a:t>
             </a:r>
             <a:r>
-              <a:rPr lang="en-US" dirty="0" err="1" smtClean="0"/>
+              <a:rPr lang="en-US" dirty="0" err="1"/>
               <a:t>cho</a:t>
             </a:r>
             <a:r>
-              <a:rPr lang="en-US" dirty="0" smtClean="0"/>
+              <a:rPr lang="en-US" dirty="0"/>
               <a:t> client (</a:t>
             </a:r>
             <a:r>
-              <a:rPr lang="en-US" dirty="0" err="1" smtClean="0"/>
+              <a:rPr lang="en-US" dirty="0" err="1"/>
               <a:t>tính</a:t>
             </a:r>
             <a:r>
-              <a:rPr lang="en-US" dirty="0" smtClean="0"/>
-              <a:t> </a:t>
-            </a:r>
-            <a:r>
-              <a:rPr lang="en-US" dirty="0" err="1" smtClean="0"/>
+              <a:rPr lang="en-US" dirty="0"/>
+              <a:t> </a:t>
+            </a:r>
+            <a:r>
+              <a:rPr lang="en-US" dirty="0" err="1"/>
               <a:t>năng</a:t>
             </a:r>
             <a:r>
-              <a:rPr lang="en-US" dirty="0" smtClean="0"/>
-              <a:t> </a:t>
-            </a:r>
-            <a:r>
-              <a:rPr lang="en-US" dirty="0" err="1" smtClean="0"/>
+              <a:rPr lang="en-US" dirty="0"/>
+              <a:t> </a:t>
+            </a:r>
+            <a:r>
+              <a:rPr lang="en-US" dirty="0" err="1"/>
               <a:t>này</a:t>
             </a:r>
             <a:r>
-              <a:rPr lang="en-US" dirty="0" smtClean="0"/>
-              <a:t> </a:t>
-            </a:r>
-            <a:r>
-              <a:rPr lang="en-US" dirty="0" err="1" smtClean="0"/>
+              <a:rPr lang="en-US" dirty="0"/>
+              <a:t> </a:t>
+            </a:r>
+            <a:r>
+              <a:rPr lang="en-US" dirty="0" err="1"/>
               <a:t>sẽ</a:t>
             </a:r>
             <a:r>
-              <a:rPr lang="en-US" dirty="0" smtClean="0"/>
-              <a:t> </a:t>
-            </a:r>
-            <a:r>
-              <a:rPr lang="en-US" dirty="0" err="1" smtClean="0"/>
+              <a:rPr lang="en-US" dirty="0"/>
+              <a:t> </a:t>
+            </a:r>
+            <a:r>
+              <a:rPr lang="en-US" dirty="0" err="1"/>
               <a:t>được</a:t>
             </a:r>
             <a:r>
-              <a:rPr lang="en-US" dirty="0" smtClean="0"/>
+              <a:rPr lang="en-US" dirty="0"/>
               <a:t> update </a:t>
             </a:r>
             <a:r>
-              <a:rPr lang="en-US" dirty="0" err="1" smtClean="0"/>
+              <a:rPr lang="en-US" dirty="0" err="1"/>
               <a:t>thành</a:t>
             </a:r>
             <a:r>
-              <a:rPr lang="en-US" dirty="0" smtClean="0"/>
-              <a:t> </a:t>
-            </a:r>
-            <a:r>
-              <a:rPr lang="en-US" dirty="0" err="1" smtClean="0"/>
+              <a:rPr lang="en-US" dirty="0"/>
+              <a:t> </a:t>
+            </a:r>
+            <a:r>
+              <a:rPr lang="en-US" dirty="0" err="1"/>
               <a:t>định</a:t>
             </a:r>
             <a:r>
-              <a:rPr lang="en-US" dirty="0" smtClean="0"/>
-              <a:t> </a:t>
-            </a:r>
-            <a:r>
-              <a:rPr lang="en-US" dirty="0" err="1" smtClean="0"/>
+              <a:rPr lang="en-US" dirty="0"/>
+              <a:t> </a:t>
+            </a:r>
+            <a:r>
+              <a:rPr lang="en-US" dirty="0" err="1"/>
               <a:t>kỳ</a:t>
             </a:r>
             <a:r>
-              <a:rPr lang="en-US" dirty="0" smtClean="0"/>
+              <a:rPr lang="en-US" dirty="0"/>
               <a:t> get data </a:t>
             </a:r>
             <a:r>
-              <a:rPr lang="en-US" dirty="0" err="1" smtClean="0"/>
+              <a:rPr lang="en-US" dirty="0" err="1"/>
               <a:t>mới</a:t>
             </a:r>
             <a:r>
-              <a:rPr lang="en-US" dirty="0" smtClean="0"/>
-              <a:t> </a:t>
-            </a:r>
-            <a:r>
-              <a:rPr lang="en-US" dirty="0" err="1" smtClean="0"/>
+              <a:rPr lang="en-US" dirty="0"/>
+              <a:t> </a:t>
+            </a:r>
+            <a:r>
+              <a:rPr lang="en-US" dirty="0" err="1"/>
               <a:t>từ</a:t>
             </a:r>
             <a:r>
-              <a:rPr lang="en-US" dirty="0" smtClean="0"/>
+              <a:rPr lang="en-US" dirty="0"/>
               <a:t> google </a:t>
             </a:r>
             <a:r>
-              <a:rPr lang="en-US" dirty="0" err="1" smtClean="0"/>
+              <a:rPr lang="en-US" dirty="0" err="1"/>
               <a:t>và</a:t>
             </a:r>
             <a:r>
-              <a:rPr lang="en-US" dirty="0" smtClean="0"/>
+              <a:rPr lang="en-US" dirty="0"/>
               <a:t> update </a:t>
             </a:r>
             <a:r>
-              <a:rPr lang="en-US" dirty="0" err="1" smtClean="0"/>
+              <a:rPr lang="en-US" dirty="0" err="1"/>
               <a:t>trước</a:t>
             </a:r>
             <a:r>
-              <a:rPr lang="en-US" dirty="0" smtClean="0"/>
-              <a:t> </a:t>
-            </a:r>
-            <a:r>
-              <a:rPr lang="en-US" dirty="0" err="1" smtClean="0"/>
+              <a:rPr lang="en-US" dirty="0"/>
+              <a:t> </a:t>
+            </a:r>
+            <a:r>
+              <a:rPr lang="en-US" dirty="0" err="1"/>
               <a:t>và</a:t>
             </a:r>
             <a:r>
-              <a:rPr lang="en-US" dirty="0" smtClean="0"/>
+              <a:rPr lang="en-US" dirty="0"/>
               <a:t> DB)</a:t>
             </a:r>
-            <a:endParaRPr lang="en-US" dirty="0"/>
+          </a:p>
+          <a:p>
+            <a:pPr marL="285750" indent="-285750">
+              <a:buFontTx/>
+              <a:buChar char="-"/>
+            </a:pPr>
+            <a:r>
+              <a:rPr lang="en-US" dirty="0">
+                <a:solidFill>
+                  <a:srgbClr val="FF0000"/>
+                </a:solidFill>
+              </a:rPr>
+              <a:t>CRUD company, manage company list</a:t>
+            </a:r>
+          </a:p>
+          <a:p>
+            <a:pPr marL="285750" indent="-285750">
+              <a:buFontTx/>
+              <a:buChar char="-"/>
+            </a:pPr>
+            <a:r>
+              <a:rPr lang="en-US" dirty="0">
+                <a:solidFill>
+                  <a:srgbClr val="FF0000"/>
+                </a:solidFill>
+              </a:rPr>
+              <a:t>Manage user</a:t>
+            </a:r>
           </a:p>
         </p:txBody>
       </p:sp>
@@ -4511,7 +4454,7 @@
           <a:lstStyle/>
           <a:p>
             <a:r>
-              <a:rPr lang="en-US" sz="2000" dirty="0" smtClean="0">
+              <a:rPr lang="en-US" sz="2000" dirty="0">
                 <a:ln w="0"/>
                 <a:solidFill>
                   <a:schemeClr val="accent1"/>
@@ -4526,19 +4469,6 @@
               </a:rPr>
               <a:t>Feature</a:t>
             </a:r>
-            <a:endParaRPr lang="en-US" sz="2000" dirty="0">
-              <a:ln w="0"/>
-              <a:solidFill>
-                <a:schemeClr val="accent1"/>
-              </a:solidFill>
-              <a:effectLst>
-                <a:outerShdw blurRad="38100" dist="25400" dir="5400000" algn="ctr" rotWithShape="0">
-                  <a:srgbClr val="6E747A">
-                    <a:alpha val="43000"/>
-                  </a:srgbClr>
-                </a:outerShdw>
-              </a:effectLst>
-            </a:endParaRPr>
           </a:p>
         </p:txBody>
       </p:sp>
@@ -4551,7 +4481,7 @@
         <p:spPr>
           <a:xfrm>
             <a:off x="2751909" y="844732"/>
-            <a:ext cx="6975565" cy="3693319"/>
+            <a:ext cx="6975565" cy="5078313"/>
           </a:xfrm>
           <a:prstGeom prst="rect">
             <a:avLst/>
@@ -4565,13 +4495,13 @@
           <a:lstStyle/>
           <a:p>
             <a:r>
-              <a:rPr lang="en-US" dirty="0" smtClean="0"/>
+              <a:rPr lang="en-US" dirty="0"/>
               <a:t>V1.1</a:t>
             </a:r>
           </a:p>
           <a:p>
             <a:r>
-              <a:rPr lang="en-US" dirty="0" smtClean="0">
+              <a:rPr lang="en-US" dirty="0">
                 <a:solidFill>
                   <a:schemeClr val="accent1">
                     <a:lumMod val="75000"/>
@@ -4581,251 +4511,1049 @@
               <a:t>Around-work screen</a:t>
             </a:r>
             <a:r>
-              <a:rPr lang="en-US" dirty="0" smtClean="0"/>
+              <a:rPr lang="en-US" dirty="0"/>
               <a:t>:</a:t>
             </a:r>
             <a:br>
-              <a:rPr lang="en-US" dirty="0" smtClean="0"/>
+              <a:rPr lang="en-US" dirty="0"/>
             </a:br>
             <a:r>
-              <a:rPr lang="en-US" dirty="0" smtClean="0"/>
+              <a:rPr lang="en-US" dirty="0"/>
               <a:t> *Client:</a:t>
             </a:r>
             <a:br>
-              <a:rPr lang="en-US" dirty="0" smtClean="0"/>
+              <a:rPr lang="en-US" dirty="0"/>
             </a:br>
             <a:r>
-              <a:rPr lang="en-US" dirty="0" smtClean="0"/>
+              <a:rPr lang="en-US" dirty="0"/>
               <a:t> - </a:t>
             </a:r>
             <a:r>
-              <a:rPr lang="en-US" dirty="0" err="1" smtClean="0"/>
+              <a:rPr lang="en-US" dirty="0" err="1"/>
               <a:t>có</a:t>
             </a:r>
             <a:r>
-              <a:rPr lang="en-US" dirty="0" smtClean="0"/>
+              <a:rPr lang="en-US" dirty="0"/>
               <a:t> button </a:t>
             </a:r>
             <a:r>
-              <a:rPr lang="en-US" dirty="0" err="1" smtClean="0"/>
+              <a:rPr lang="en-US" dirty="0" err="1"/>
               <a:t>cho</a:t>
             </a:r>
             <a:r>
-              <a:rPr lang="en-US" dirty="0" smtClean="0"/>
-              <a:t> </a:t>
-            </a:r>
-            <a:r>
-              <a:rPr lang="en-US" dirty="0" err="1" smtClean="0"/>
+              <a:rPr lang="en-US" dirty="0"/>
+              <a:t> </a:t>
+            </a:r>
+            <a:r>
+              <a:rPr lang="en-US" dirty="0" err="1"/>
               <a:t>phép</a:t>
             </a:r>
             <a:r>
-              <a:rPr lang="en-US" dirty="0" smtClean="0"/>
+              <a:rPr lang="en-US" dirty="0"/>
               <a:t> add </a:t>
             </a:r>
             <a:r>
-              <a:rPr lang="en-US" dirty="0" err="1" smtClean="0"/>
+              <a:rPr lang="en-US" dirty="0" err="1"/>
               <a:t>thông</a:t>
             </a:r>
             <a:r>
-              <a:rPr lang="en-US" dirty="0" smtClean="0"/>
+              <a:rPr lang="en-US" dirty="0"/>
               <a:t> tin </a:t>
             </a:r>
             <a:r>
-              <a:rPr lang="en-US" dirty="0" err="1" smtClean="0"/>
+              <a:rPr lang="en-US" dirty="0" err="1"/>
               <a:t>cho</a:t>
             </a:r>
             <a:r>
-              <a:rPr lang="en-US" dirty="0" smtClean="0"/>
-              <a:t> </a:t>
-            </a:r>
-            <a:r>
-              <a:rPr lang="en-US" dirty="0" err="1" smtClean="0"/>
+              <a:rPr lang="en-US" dirty="0"/>
+              <a:t> </a:t>
+            </a:r>
+            <a:r>
+              <a:rPr lang="en-US" dirty="0" err="1"/>
               <a:t>địa</a:t>
             </a:r>
             <a:r>
-              <a:rPr lang="en-US" dirty="0" smtClean="0"/>
-              <a:t> </a:t>
-            </a:r>
-            <a:r>
-              <a:rPr lang="en-US" dirty="0" err="1" smtClean="0"/>
+              <a:rPr lang="en-US" dirty="0"/>
+              <a:t> </a:t>
+            </a:r>
+            <a:r>
+              <a:rPr lang="en-US" dirty="0" err="1"/>
               <a:t>điểm</a:t>
             </a:r>
-            <a:endParaRPr lang="en-US" dirty="0" smtClean="0"/>
-          </a:p>
-          <a:p>
-            <a:r>
-              <a:rPr lang="en-US" dirty="0"/>
-              <a:t> </a:t>
-            </a:r>
-            <a:r>
-              <a:rPr lang="en-US" dirty="0" smtClean="0"/>
-              <a:t>- Click button </a:t>
-            </a:r>
-            <a:r>
-              <a:rPr lang="en-US" dirty="0" err="1" smtClean="0"/>
+            <a:endParaRPr lang="en-US" dirty="0"/>
+          </a:p>
+          <a:p>
+            <a:r>
+              <a:rPr lang="en-US" dirty="0"/>
+              <a:t> - Click button </a:t>
+            </a:r>
+            <a:r>
+              <a:rPr lang="en-US" dirty="0" err="1"/>
               <a:t>mở</a:t>
             </a:r>
             <a:r>
-              <a:rPr lang="en-US" dirty="0" smtClean="0"/>
-              <a:t> </a:t>
-            </a:r>
-            <a:r>
-              <a:rPr lang="en-US" dirty="0" err="1" smtClean="0"/>
+              <a:rPr lang="en-US" dirty="0"/>
+              <a:t> </a:t>
+            </a:r>
+            <a:r>
+              <a:rPr lang="en-US" dirty="0" err="1"/>
               <a:t>ra</a:t>
             </a:r>
             <a:r>
-              <a:rPr lang="en-US" dirty="0" smtClean="0"/>
+              <a:rPr lang="en-US" dirty="0"/>
               <a:t> dialog </a:t>
             </a:r>
             <a:r>
-              <a:rPr lang="en-US" dirty="0" err="1" smtClean="0"/>
+              <a:rPr lang="en-US" dirty="0" err="1"/>
               <a:t>cho</a:t>
             </a:r>
             <a:r>
-              <a:rPr lang="en-US" dirty="0" smtClean="0"/>
+              <a:rPr lang="en-US" dirty="0"/>
               <a:t> input data </a:t>
             </a:r>
             <a:r>
-              <a:rPr lang="en-US" dirty="0" err="1" smtClean="0"/>
+              <a:rPr lang="en-US" dirty="0" err="1"/>
               <a:t>và</a:t>
             </a:r>
             <a:r>
-              <a:rPr lang="en-US" dirty="0" smtClean="0"/>
+              <a:rPr lang="en-US" dirty="0"/>
               <a:t> update info to server</a:t>
             </a:r>
           </a:p>
           <a:p>
             <a:r>
               <a:rPr lang="en-US" dirty="0"/>
-              <a:t> </a:t>
-            </a:r>
-            <a:r>
-              <a:rPr lang="en-US" dirty="0" smtClean="0"/>
-              <a:t>- Data </a:t>
-            </a:r>
-            <a:r>
-              <a:rPr lang="en-US" dirty="0" err="1" smtClean="0"/>
+              <a:t> - Data </a:t>
+            </a:r>
+            <a:r>
+              <a:rPr lang="en-US" dirty="0" err="1"/>
               <a:t>từ</a:t>
             </a:r>
             <a:r>
-              <a:rPr lang="en-US" dirty="0" smtClean="0"/>
+              <a:rPr lang="en-US" dirty="0"/>
               <a:t> server </a:t>
             </a:r>
             <a:r>
-              <a:rPr lang="en-US" dirty="0" err="1" smtClean="0"/>
+              <a:rPr lang="en-US" dirty="0" err="1"/>
               <a:t>về</a:t>
             </a:r>
             <a:r>
-              <a:rPr lang="en-US" dirty="0" smtClean="0"/>
-              <a:t> </a:t>
-            </a:r>
-            <a:r>
-              <a:rPr lang="en-US" dirty="0" err="1" smtClean="0"/>
+              <a:rPr lang="en-US" dirty="0"/>
+              <a:t> </a:t>
+            </a:r>
+            <a:r>
+              <a:rPr lang="en-US" dirty="0" err="1"/>
               <a:t>có</a:t>
             </a:r>
             <a:r>
-              <a:rPr lang="en-US" dirty="0" smtClean="0"/>
-              <a:t> </a:t>
-            </a:r>
-            <a:r>
-              <a:rPr lang="en-US" dirty="0" err="1" smtClean="0"/>
+              <a:rPr lang="en-US" dirty="0"/>
+              <a:t> </a:t>
+            </a:r>
+            <a:r>
+              <a:rPr lang="en-US" dirty="0" err="1"/>
               <a:t>trường</a:t>
             </a:r>
             <a:r>
-              <a:rPr lang="en-US" dirty="0" smtClean="0"/>
-              <a:t> </a:t>
-            </a:r>
-            <a:r>
-              <a:rPr lang="en-US" dirty="0" err="1" smtClean="0"/>
+              <a:rPr lang="en-US" dirty="0"/>
+              <a:t> </a:t>
+            </a:r>
+            <a:r>
+              <a:rPr lang="en-US" dirty="0" err="1"/>
               <a:t>hiển</a:t>
             </a:r>
             <a:r>
-              <a:rPr lang="en-US" dirty="0" smtClean="0"/>
-              <a:t> </a:t>
-            </a:r>
-            <a:r>
-              <a:rPr lang="en-US" dirty="0" err="1" smtClean="0"/>
+              <a:rPr lang="en-US" dirty="0"/>
+              <a:t> </a:t>
+            </a:r>
+            <a:r>
+              <a:rPr lang="en-US" dirty="0" err="1"/>
               <a:t>thị</a:t>
             </a:r>
             <a:r>
-              <a:rPr lang="en-US" dirty="0" smtClean="0"/>
-              <a:t> </a:t>
-            </a:r>
-            <a:r>
-              <a:rPr lang="en-US" dirty="0" err="1" smtClean="0"/>
+              <a:rPr lang="en-US" dirty="0"/>
+              <a:t> </a:t>
+            </a:r>
+            <a:r>
+              <a:rPr lang="en-US" dirty="0" err="1"/>
               <a:t>nguồn</a:t>
             </a:r>
             <a:r>
-              <a:rPr lang="en-US" dirty="0" smtClean="0"/>
+              <a:rPr lang="en-US" dirty="0"/>
               <a:t> data </a:t>
             </a:r>
             <a:r>
-              <a:rPr lang="en-US" dirty="0" err="1" smtClean="0"/>
+              <a:rPr lang="en-US" dirty="0" err="1"/>
               <a:t>được</a:t>
             </a:r>
             <a:r>
-              <a:rPr lang="en-US" dirty="0" smtClean="0"/>
-              <a:t> </a:t>
-            </a:r>
-            <a:r>
-              <a:rPr lang="en-US" dirty="0" err="1" smtClean="0"/>
+              <a:rPr lang="en-US" dirty="0"/>
+              <a:t> </a:t>
+            </a:r>
+            <a:r>
+              <a:rPr lang="en-US" dirty="0" err="1"/>
               <a:t>cung</a:t>
             </a:r>
             <a:r>
-              <a:rPr lang="en-US" dirty="0" smtClean="0"/>
-              <a:t> </a:t>
-            </a:r>
-            <a:r>
-              <a:rPr lang="en-US" dirty="0" err="1" smtClean="0"/>
+              <a:rPr lang="en-US" dirty="0"/>
+              <a:t> </a:t>
+            </a:r>
+            <a:r>
+              <a:rPr lang="en-US" dirty="0" err="1"/>
               <a:t>cấp</a:t>
             </a:r>
             <a:r>
-              <a:rPr lang="en-US" dirty="0" smtClean="0"/>
+              <a:rPr lang="en-US" dirty="0"/>
               <a:t> (gg map, user- not verified, user- verified,…)</a:t>
             </a:r>
           </a:p>
           <a:p>
             <a:r>
-              <a:rPr lang="en-US" dirty="0"/>
-              <a:t> </a:t>
-            </a:r>
-            <a:r>
-              <a:rPr lang="en-US" dirty="0" smtClean="0"/>
-              <a:t>*Server:</a:t>
-            </a:r>
-          </a:p>
-          <a:p>
-            <a:r>
-              <a:rPr lang="en-US" dirty="0"/>
-              <a:t> </a:t>
-            </a:r>
-            <a:r>
-              <a:rPr lang="en-US" dirty="0" smtClean="0"/>
-              <a:t> - </a:t>
-            </a:r>
-            <a:r>
-              <a:rPr lang="en-US" dirty="0" err="1" smtClean="0"/>
+              <a:rPr lang="en-US" dirty="0">
+                <a:solidFill>
+                  <a:srgbClr val="FF0000"/>
+                </a:solidFill>
+              </a:rPr>
+              <a:t>- </a:t>
+            </a:r>
+            <a:r>
+              <a:rPr lang="en-US" dirty="0" err="1">
+                <a:solidFill>
+                  <a:srgbClr val="FF0000"/>
+                </a:solidFill>
+              </a:rPr>
+              <a:t>Tìm</a:t>
+            </a:r>
+            <a:r>
+              <a:rPr lang="en-US" dirty="0">
+                <a:solidFill>
+                  <a:srgbClr val="FF0000"/>
+                </a:solidFill>
+              </a:rPr>
+              <a:t> </a:t>
+            </a:r>
+            <a:r>
+              <a:rPr lang="en-US" dirty="0" err="1">
+                <a:solidFill>
+                  <a:srgbClr val="FF0000"/>
+                </a:solidFill>
+              </a:rPr>
+              <a:t>kiếm</a:t>
+            </a:r>
+            <a:r>
+              <a:rPr lang="en-US" dirty="0">
+                <a:solidFill>
+                  <a:srgbClr val="FF0000"/>
+                </a:solidFill>
+              </a:rPr>
+              <a:t> </a:t>
+            </a:r>
+            <a:r>
+              <a:rPr lang="en-US" dirty="0" err="1">
+                <a:solidFill>
+                  <a:srgbClr val="FF0000"/>
+                </a:solidFill>
+              </a:rPr>
+              <a:t>cty</a:t>
+            </a:r>
+            <a:r>
+              <a:rPr lang="en-US" dirty="0">
+                <a:solidFill>
+                  <a:srgbClr val="FF0000"/>
+                </a:solidFill>
+              </a:rPr>
+              <a:t> </a:t>
+            </a:r>
+            <a:r>
+              <a:rPr lang="en-US" dirty="0" err="1">
+                <a:solidFill>
+                  <a:srgbClr val="FF0000"/>
+                </a:solidFill>
+              </a:rPr>
+              <a:t>theo</a:t>
+            </a:r>
+            <a:r>
+              <a:rPr lang="en-US" dirty="0">
+                <a:solidFill>
+                  <a:srgbClr val="FF0000"/>
+                </a:solidFill>
+              </a:rPr>
+              <a:t> </a:t>
+            </a:r>
+            <a:r>
+              <a:rPr lang="en-US" dirty="0" err="1">
+                <a:solidFill>
+                  <a:srgbClr val="FF0000"/>
+                </a:solidFill>
+              </a:rPr>
+              <a:t>bán</a:t>
+            </a:r>
+            <a:r>
+              <a:rPr lang="en-US" dirty="0">
+                <a:solidFill>
+                  <a:srgbClr val="FF0000"/>
+                </a:solidFill>
+              </a:rPr>
+              <a:t> </a:t>
+            </a:r>
+            <a:r>
+              <a:rPr lang="en-US" dirty="0" err="1">
+                <a:solidFill>
+                  <a:srgbClr val="FF0000"/>
+                </a:solidFill>
+              </a:rPr>
+              <a:t>kính</a:t>
+            </a:r>
+            <a:r>
+              <a:rPr lang="en-US" dirty="0">
+                <a:solidFill>
+                  <a:srgbClr val="FF0000"/>
+                </a:solidFill>
+              </a:rPr>
+              <a:t> xxx km </a:t>
+            </a:r>
+            <a:r>
+              <a:rPr lang="en-US" dirty="0" err="1">
+                <a:solidFill>
+                  <a:srgbClr val="FF0000"/>
+                </a:solidFill>
+              </a:rPr>
+              <a:t>từ</a:t>
+            </a:r>
+            <a:r>
+              <a:rPr lang="en-US" dirty="0">
+                <a:solidFill>
+                  <a:srgbClr val="FF0000"/>
+                </a:solidFill>
+              </a:rPr>
+              <a:t> </a:t>
+            </a:r>
+            <a:r>
+              <a:rPr lang="en-US" dirty="0" err="1">
+                <a:solidFill>
+                  <a:srgbClr val="FF0000"/>
+                </a:solidFill>
+              </a:rPr>
+              <a:t>vị</a:t>
+            </a:r>
+            <a:r>
+              <a:rPr lang="en-US" dirty="0">
+                <a:solidFill>
+                  <a:srgbClr val="FF0000"/>
+                </a:solidFill>
+              </a:rPr>
+              <a:t> </a:t>
+            </a:r>
+            <a:r>
+              <a:rPr lang="en-US" dirty="0" err="1">
+                <a:solidFill>
+                  <a:srgbClr val="FF0000"/>
+                </a:solidFill>
+              </a:rPr>
+              <a:t>trí</a:t>
+            </a:r>
+            <a:r>
+              <a:rPr lang="en-US" dirty="0">
+                <a:solidFill>
+                  <a:srgbClr val="FF0000"/>
+                </a:solidFill>
+              </a:rPr>
+              <a:t> ng </a:t>
+            </a:r>
+            <a:r>
+              <a:rPr lang="en-US" dirty="0" err="1">
+                <a:solidFill>
+                  <a:srgbClr val="FF0000"/>
+                </a:solidFill>
+              </a:rPr>
+              <a:t>dùng</a:t>
+            </a:r>
+            <a:r>
+              <a:rPr lang="en-US" dirty="0">
+                <a:solidFill>
+                  <a:srgbClr val="FF0000"/>
+                </a:solidFill>
+              </a:rPr>
+              <a:t>, </a:t>
+            </a:r>
+            <a:r>
+              <a:rPr lang="en-US" dirty="0" err="1">
+                <a:solidFill>
+                  <a:srgbClr val="FF0000"/>
+                </a:solidFill>
+              </a:rPr>
+              <a:t>hiển</a:t>
+            </a:r>
+            <a:r>
+              <a:rPr lang="en-US" dirty="0">
+                <a:solidFill>
+                  <a:srgbClr val="FF0000"/>
+                </a:solidFill>
+              </a:rPr>
+              <a:t> </a:t>
+            </a:r>
+            <a:r>
+              <a:rPr lang="en-US" dirty="0" err="1">
+                <a:solidFill>
+                  <a:srgbClr val="FF0000"/>
+                </a:solidFill>
+              </a:rPr>
+              <a:t>thị</a:t>
+            </a:r>
+            <a:r>
+              <a:rPr lang="en-US" dirty="0">
+                <a:solidFill>
+                  <a:srgbClr val="FF0000"/>
+                </a:solidFill>
+              </a:rPr>
+              <a:t> </a:t>
+            </a:r>
+            <a:r>
+              <a:rPr lang="en-US" dirty="0" err="1">
+                <a:solidFill>
+                  <a:srgbClr val="FF0000"/>
+                </a:solidFill>
+              </a:rPr>
+              <a:t>dưới</a:t>
+            </a:r>
+            <a:r>
+              <a:rPr lang="en-US" dirty="0">
+                <a:solidFill>
+                  <a:srgbClr val="FF0000"/>
+                </a:solidFill>
+              </a:rPr>
+              <a:t> </a:t>
+            </a:r>
+            <a:r>
+              <a:rPr lang="en-US" dirty="0" err="1">
+                <a:solidFill>
+                  <a:srgbClr val="FF0000"/>
+                </a:solidFill>
+              </a:rPr>
+              <a:t>dạng</a:t>
+            </a:r>
+            <a:r>
+              <a:rPr lang="en-US" dirty="0">
+                <a:solidFill>
+                  <a:srgbClr val="FF0000"/>
+                </a:solidFill>
+              </a:rPr>
+              <a:t> </a:t>
+            </a:r>
+            <a:r>
+              <a:rPr lang="en-US" dirty="0" err="1">
+                <a:solidFill>
+                  <a:srgbClr val="FF0000"/>
+                </a:solidFill>
+              </a:rPr>
+              <a:t>danh</a:t>
+            </a:r>
+            <a:r>
+              <a:rPr lang="en-US" dirty="0">
+                <a:solidFill>
+                  <a:srgbClr val="FF0000"/>
+                </a:solidFill>
+              </a:rPr>
+              <a:t> </a:t>
+            </a:r>
+            <a:r>
+              <a:rPr lang="en-US" dirty="0" err="1">
+                <a:solidFill>
+                  <a:srgbClr val="FF0000"/>
+                </a:solidFill>
+              </a:rPr>
+              <a:t>sách</a:t>
+            </a:r>
+            <a:r>
+              <a:rPr lang="en-US" dirty="0">
+                <a:solidFill>
+                  <a:srgbClr val="FF0000"/>
+                </a:solidFill>
+              </a:rPr>
+              <a:t> </a:t>
+            </a:r>
+            <a:r>
+              <a:rPr lang="en-US" dirty="0" err="1">
+                <a:solidFill>
+                  <a:srgbClr val="FF0000"/>
+                </a:solidFill>
+              </a:rPr>
+              <a:t>bên</a:t>
+            </a:r>
+            <a:r>
+              <a:rPr lang="en-US" dirty="0">
+                <a:solidFill>
+                  <a:srgbClr val="FF0000"/>
+                </a:solidFill>
+              </a:rPr>
+              <a:t> </a:t>
+            </a:r>
+            <a:r>
+              <a:rPr lang="en-US" dirty="0" err="1">
+                <a:solidFill>
+                  <a:srgbClr val="FF0000"/>
+                </a:solidFill>
+              </a:rPr>
+              <a:t>cạnh</a:t>
+            </a:r>
+            <a:r>
+              <a:rPr lang="en-US" dirty="0">
+                <a:solidFill>
+                  <a:srgbClr val="FF0000"/>
+                </a:solidFill>
+              </a:rPr>
+              <a:t> </a:t>
+            </a:r>
+            <a:r>
+              <a:rPr lang="en-US" dirty="0" err="1">
+                <a:solidFill>
+                  <a:srgbClr val="FF0000"/>
+                </a:solidFill>
+              </a:rPr>
+              <a:t>bản</a:t>
+            </a:r>
+            <a:r>
+              <a:rPr lang="en-US" dirty="0">
+                <a:solidFill>
+                  <a:srgbClr val="FF0000"/>
+                </a:solidFill>
+              </a:rPr>
+              <a:t> </a:t>
+            </a:r>
+            <a:r>
+              <a:rPr lang="en-US" dirty="0" err="1">
+                <a:solidFill>
+                  <a:srgbClr val="FF0000"/>
+                </a:solidFill>
+              </a:rPr>
+              <a:t>đồ</a:t>
+            </a:r>
+            <a:r>
+              <a:rPr lang="en-US" dirty="0">
+                <a:solidFill>
+                  <a:srgbClr val="FF0000"/>
+                </a:solidFill>
+              </a:rPr>
+              <a:t> </a:t>
+            </a:r>
+            <a:r>
+              <a:rPr lang="en-US" dirty="0" err="1">
+                <a:solidFill>
+                  <a:srgbClr val="FF0000"/>
+                </a:solidFill>
+              </a:rPr>
+              <a:t>để</a:t>
+            </a:r>
+            <a:r>
+              <a:rPr lang="en-US" dirty="0">
+                <a:solidFill>
+                  <a:srgbClr val="FF0000"/>
+                </a:solidFill>
+              </a:rPr>
+              <a:t> </a:t>
+            </a:r>
+            <a:r>
+              <a:rPr lang="en-US" dirty="0" err="1">
+                <a:solidFill>
+                  <a:srgbClr val="FF0000"/>
+                </a:solidFill>
+              </a:rPr>
+              <a:t>theo</a:t>
+            </a:r>
+            <a:r>
+              <a:rPr lang="en-US" dirty="0">
+                <a:solidFill>
+                  <a:srgbClr val="FF0000"/>
+                </a:solidFill>
+              </a:rPr>
+              <a:t> </a:t>
+            </a:r>
+            <a:r>
+              <a:rPr lang="en-US" dirty="0" err="1">
+                <a:solidFill>
+                  <a:srgbClr val="FF0000"/>
+                </a:solidFill>
+              </a:rPr>
+              <a:t>dễ</a:t>
+            </a:r>
+            <a:r>
+              <a:rPr lang="en-US" dirty="0">
+                <a:solidFill>
+                  <a:srgbClr val="FF0000"/>
+                </a:solidFill>
+              </a:rPr>
+              <a:t> </a:t>
+            </a:r>
+            <a:r>
+              <a:rPr lang="en-US" dirty="0" err="1">
+                <a:solidFill>
+                  <a:srgbClr val="FF0000"/>
+                </a:solidFill>
+              </a:rPr>
+              <a:t>thao</a:t>
+            </a:r>
+            <a:r>
+              <a:rPr lang="en-US" dirty="0">
+                <a:solidFill>
+                  <a:srgbClr val="FF0000"/>
+                </a:solidFill>
+              </a:rPr>
+              <a:t> </a:t>
+            </a:r>
+            <a:r>
+              <a:rPr lang="en-US" dirty="0" err="1">
+                <a:solidFill>
+                  <a:srgbClr val="FF0000"/>
+                </a:solidFill>
+              </a:rPr>
+              <a:t>tác</a:t>
+            </a:r>
+            <a:r>
+              <a:rPr lang="en-US" dirty="0">
+                <a:solidFill>
+                  <a:srgbClr val="FF0000"/>
+                </a:solidFill>
+              </a:rPr>
+              <a:t>, </a:t>
+            </a:r>
+            <a:r>
+              <a:rPr lang="en-US" dirty="0" err="1">
+                <a:solidFill>
+                  <a:srgbClr val="FF0000"/>
+                </a:solidFill>
+              </a:rPr>
+              <a:t>chọn</a:t>
+            </a:r>
+            <a:r>
+              <a:rPr lang="en-US" dirty="0">
+                <a:solidFill>
+                  <a:srgbClr val="FF0000"/>
+                </a:solidFill>
+              </a:rPr>
+              <a:t> </a:t>
+            </a:r>
+            <a:r>
+              <a:rPr lang="en-US" dirty="0" err="1">
+                <a:solidFill>
+                  <a:srgbClr val="FF0000"/>
+                </a:solidFill>
+              </a:rPr>
+              <a:t>cty</a:t>
+            </a:r>
+            <a:r>
+              <a:rPr lang="en-US" dirty="0">
+                <a:solidFill>
+                  <a:srgbClr val="FF0000"/>
+                </a:solidFill>
+              </a:rPr>
+              <a:t> ở </a:t>
+            </a:r>
+            <a:r>
+              <a:rPr lang="en-US" dirty="0" err="1">
+                <a:solidFill>
+                  <a:srgbClr val="FF0000"/>
+                </a:solidFill>
+              </a:rPr>
+              <a:t>danh</a:t>
+            </a:r>
+            <a:r>
+              <a:rPr lang="en-US" dirty="0">
+                <a:solidFill>
+                  <a:srgbClr val="FF0000"/>
+                </a:solidFill>
+              </a:rPr>
+              <a:t> </a:t>
+            </a:r>
+            <a:r>
+              <a:rPr lang="en-US" dirty="0" err="1">
+                <a:solidFill>
+                  <a:srgbClr val="FF0000"/>
+                </a:solidFill>
+              </a:rPr>
+              <a:t>sách</a:t>
+            </a:r>
+            <a:r>
+              <a:rPr lang="en-US" dirty="0">
+                <a:solidFill>
+                  <a:srgbClr val="FF0000"/>
+                </a:solidFill>
+              </a:rPr>
+              <a:t>, map move </a:t>
+            </a:r>
+            <a:r>
+              <a:rPr lang="en-US" dirty="0" err="1">
+                <a:solidFill>
+                  <a:srgbClr val="FF0000"/>
+                </a:solidFill>
+              </a:rPr>
+              <a:t>tới</a:t>
+            </a:r>
+            <a:r>
+              <a:rPr lang="en-US" dirty="0">
+                <a:solidFill>
+                  <a:srgbClr val="FF0000"/>
+                </a:solidFill>
+              </a:rPr>
+              <a:t> </a:t>
+            </a:r>
+            <a:r>
+              <a:rPr lang="en-US" dirty="0" err="1">
+                <a:solidFill>
+                  <a:srgbClr val="FF0000"/>
+                </a:solidFill>
+              </a:rPr>
+              <a:t>vị</a:t>
+            </a:r>
+            <a:r>
+              <a:rPr lang="en-US" dirty="0">
+                <a:solidFill>
+                  <a:srgbClr val="FF0000"/>
+                </a:solidFill>
+              </a:rPr>
+              <a:t> </a:t>
+            </a:r>
+            <a:r>
+              <a:rPr lang="en-US" dirty="0" err="1">
+                <a:solidFill>
+                  <a:srgbClr val="FF0000"/>
+                </a:solidFill>
+              </a:rPr>
+              <a:t>trí</a:t>
+            </a:r>
+            <a:r>
+              <a:rPr lang="en-US" dirty="0">
+                <a:solidFill>
+                  <a:srgbClr val="FF0000"/>
+                </a:solidFill>
+              </a:rPr>
+              <a:t>, </a:t>
+            </a:r>
+            <a:r>
+              <a:rPr lang="en-US" dirty="0" err="1">
+                <a:solidFill>
+                  <a:srgbClr val="FF0000"/>
+                </a:solidFill>
+              </a:rPr>
+              <a:t>thể</a:t>
+            </a:r>
+            <a:r>
+              <a:rPr lang="en-US" dirty="0">
+                <a:solidFill>
+                  <a:srgbClr val="FF0000"/>
+                </a:solidFill>
+              </a:rPr>
+              <a:t> </a:t>
+            </a:r>
+            <a:r>
+              <a:rPr lang="en-US" dirty="0" err="1">
+                <a:solidFill>
+                  <a:srgbClr val="FF0000"/>
+                </a:solidFill>
+              </a:rPr>
+              <a:t>hiện</a:t>
+            </a:r>
+            <a:r>
+              <a:rPr lang="en-US" dirty="0">
+                <a:solidFill>
+                  <a:srgbClr val="FF0000"/>
+                </a:solidFill>
+              </a:rPr>
+              <a:t> </a:t>
+            </a:r>
+            <a:r>
+              <a:rPr lang="en-US" dirty="0" err="1">
+                <a:solidFill>
+                  <a:srgbClr val="FF0000"/>
+                </a:solidFill>
+              </a:rPr>
+              <a:t>cách</a:t>
+            </a:r>
+            <a:r>
+              <a:rPr lang="en-US" dirty="0">
+                <a:solidFill>
+                  <a:srgbClr val="FF0000"/>
+                </a:solidFill>
+              </a:rPr>
+              <a:t> </a:t>
+            </a:r>
+            <a:r>
+              <a:rPr lang="en-US" dirty="0" err="1">
+                <a:solidFill>
+                  <a:srgbClr val="FF0000"/>
+                </a:solidFill>
+              </a:rPr>
+              <a:t>nhà</a:t>
+            </a:r>
+            <a:r>
+              <a:rPr lang="en-US" dirty="0">
+                <a:solidFill>
+                  <a:srgbClr val="FF0000"/>
+                </a:solidFill>
+              </a:rPr>
+              <a:t> bao </a:t>
+            </a:r>
+            <a:r>
+              <a:rPr lang="en-US" dirty="0" err="1">
+                <a:solidFill>
+                  <a:srgbClr val="FF0000"/>
+                </a:solidFill>
+              </a:rPr>
+              <a:t>nhiêu</a:t>
+            </a:r>
+            <a:r>
+              <a:rPr lang="en-US" dirty="0">
+                <a:solidFill>
+                  <a:srgbClr val="FF0000"/>
+                </a:solidFill>
+              </a:rPr>
+              <a:t> km,…</a:t>
+            </a:r>
+          </a:p>
+          <a:p>
+            <a:endParaRPr lang="en-US" dirty="0"/>
+          </a:p>
+          <a:p>
+            <a:r>
+              <a:rPr lang="en-US" dirty="0"/>
+              <a:t> *Server:</a:t>
+            </a:r>
+          </a:p>
+          <a:p>
+            <a:r>
+              <a:rPr lang="en-US" dirty="0"/>
+              <a:t>  - </a:t>
+            </a:r>
+            <a:r>
+              <a:rPr lang="en-US" dirty="0" err="1"/>
               <a:t>nhận</a:t>
             </a:r>
             <a:r>
-              <a:rPr lang="en-US" dirty="0" smtClean="0"/>
+              <a:rPr lang="en-US" dirty="0"/>
               <a:t> data </a:t>
             </a:r>
             <a:r>
-              <a:rPr lang="en-US" dirty="0" err="1" smtClean="0"/>
+              <a:rPr lang="en-US" dirty="0" err="1"/>
               <a:t>từ</a:t>
             </a:r>
             <a:r>
-              <a:rPr lang="en-US" dirty="0" smtClean="0"/>
+              <a:rPr lang="en-US" dirty="0"/>
               <a:t> client, save to DB, mark data not verify</a:t>
             </a:r>
           </a:p>
           <a:p>
-            <a:endParaRPr lang="en-US" dirty="0" smtClean="0"/>
-          </a:p>
-          <a:p>
-            <a:r>
-              <a:rPr lang="en-US" dirty="0" smtClean="0">
+            <a:r>
+              <a:rPr lang="en-US" dirty="0"/>
+              <a:t>  - </a:t>
+            </a:r>
+            <a:r>
+              <a:rPr lang="en-US" dirty="0" err="1">
+                <a:solidFill>
+                  <a:srgbClr val="FF0000"/>
+                </a:solidFill>
+              </a:rPr>
+              <a:t>api</a:t>
+            </a:r>
+            <a:r>
+              <a:rPr lang="en-US" dirty="0">
+                <a:solidFill>
+                  <a:srgbClr val="FF0000"/>
+                </a:solidFill>
+              </a:rPr>
+              <a:t> </a:t>
+            </a:r>
+            <a:r>
+              <a:rPr lang="en-US" dirty="0" err="1">
+                <a:solidFill>
+                  <a:srgbClr val="FF0000"/>
+                </a:solidFill>
+              </a:rPr>
+              <a:t>k.nối</a:t>
+            </a:r>
+            <a:r>
+              <a:rPr lang="en-US" dirty="0">
+                <a:solidFill>
+                  <a:srgbClr val="FF0000"/>
+                </a:solidFill>
+              </a:rPr>
+              <a:t> </a:t>
+            </a:r>
+            <a:r>
+              <a:rPr lang="en-US" dirty="0" err="1">
+                <a:solidFill>
+                  <a:srgbClr val="FF0000"/>
+                </a:solidFill>
+              </a:rPr>
+              <a:t>tới</a:t>
+            </a:r>
+            <a:r>
+              <a:rPr lang="en-US" dirty="0">
+                <a:solidFill>
+                  <a:srgbClr val="FF0000"/>
+                </a:solidFill>
+              </a:rPr>
+              <a:t> gg map </a:t>
+            </a:r>
+            <a:r>
+              <a:rPr lang="en-US" dirty="0" err="1">
+                <a:solidFill>
+                  <a:srgbClr val="FF0000"/>
+                </a:solidFill>
+              </a:rPr>
+              <a:t>api</a:t>
+            </a:r>
+            <a:r>
+              <a:rPr lang="en-US" dirty="0">
+                <a:solidFill>
+                  <a:srgbClr val="FF0000"/>
+                </a:solidFill>
+              </a:rPr>
+              <a:t> </a:t>
+            </a:r>
+            <a:r>
+              <a:rPr lang="en-US" dirty="0" err="1">
+                <a:solidFill>
+                  <a:srgbClr val="FF0000"/>
+                </a:solidFill>
+              </a:rPr>
+              <a:t>kết</a:t>
+            </a:r>
+            <a:r>
+              <a:rPr lang="en-US" dirty="0">
+                <a:solidFill>
+                  <a:srgbClr val="FF0000"/>
+                </a:solidFill>
+              </a:rPr>
+              <a:t> </a:t>
+            </a:r>
+            <a:r>
+              <a:rPr lang="en-US" dirty="0" err="1">
+                <a:solidFill>
+                  <a:srgbClr val="FF0000"/>
+                </a:solidFill>
+              </a:rPr>
+              <a:t>hợp</a:t>
+            </a:r>
+            <a:r>
+              <a:rPr lang="en-US" dirty="0">
+                <a:solidFill>
+                  <a:srgbClr val="FF0000"/>
+                </a:solidFill>
+              </a:rPr>
+              <a:t> logic </a:t>
+            </a:r>
+            <a:r>
+              <a:rPr lang="en-US" dirty="0" err="1">
+                <a:solidFill>
+                  <a:srgbClr val="FF0000"/>
+                </a:solidFill>
+              </a:rPr>
+              <a:t>lọc</a:t>
+            </a:r>
+            <a:r>
+              <a:rPr lang="en-US" dirty="0">
+                <a:solidFill>
+                  <a:srgbClr val="FF0000"/>
+                </a:solidFill>
+              </a:rPr>
+              <a:t> </a:t>
+            </a:r>
+            <a:r>
+              <a:rPr lang="en-US" dirty="0" err="1">
+                <a:solidFill>
+                  <a:srgbClr val="FF0000"/>
+                </a:solidFill>
+              </a:rPr>
+              <a:t>công</a:t>
+            </a:r>
+            <a:r>
+              <a:rPr lang="en-US" dirty="0">
+                <a:solidFill>
+                  <a:srgbClr val="FF0000"/>
+                </a:solidFill>
+              </a:rPr>
+              <a:t> ty </a:t>
+            </a:r>
+            <a:r>
+              <a:rPr lang="en-US" dirty="0" err="1">
+                <a:solidFill>
+                  <a:srgbClr val="FF0000"/>
+                </a:solidFill>
+              </a:rPr>
+              <a:t>theo</a:t>
+            </a:r>
+            <a:r>
+              <a:rPr lang="en-US" dirty="0">
+                <a:solidFill>
+                  <a:srgbClr val="FF0000"/>
+                </a:solidFill>
+              </a:rPr>
+              <a:t> </a:t>
+            </a:r>
+            <a:r>
+              <a:rPr lang="en-US" dirty="0" err="1">
+                <a:solidFill>
+                  <a:srgbClr val="FF0000"/>
+                </a:solidFill>
+              </a:rPr>
+              <a:t>lĩnh</a:t>
+            </a:r>
+            <a:r>
+              <a:rPr lang="en-US" dirty="0">
+                <a:solidFill>
+                  <a:srgbClr val="FF0000"/>
+                </a:solidFill>
+              </a:rPr>
+              <a:t> </a:t>
+            </a:r>
+            <a:r>
+              <a:rPr lang="en-US" dirty="0" err="1">
+                <a:solidFill>
+                  <a:srgbClr val="FF0000"/>
+                </a:solidFill>
+              </a:rPr>
+              <a:t>vực</a:t>
+            </a:r>
+            <a:r>
+              <a:rPr lang="en-US" dirty="0">
+                <a:solidFill>
+                  <a:srgbClr val="FF0000"/>
+                </a:solidFill>
+              </a:rPr>
+              <a:t>, </a:t>
+            </a:r>
+            <a:r>
+              <a:rPr lang="en-US" dirty="0" err="1">
+                <a:solidFill>
+                  <a:srgbClr val="FF0000"/>
+                </a:solidFill>
+              </a:rPr>
+              <a:t>vị</a:t>
+            </a:r>
+            <a:r>
+              <a:rPr lang="en-US" dirty="0">
+                <a:solidFill>
+                  <a:srgbClr val="FF0000"/>
+                </a:solidFill>
+              </a:rPr>
+              <a:t> </a:t>
+            </a:r>
+            <a:r>
+              <a:rPr lang="en-US" dirty="0" err="1">
+                <a:solidFill>
+                  <a:srgbClr val="FF0000"/>
+                </a:solidFill>
+              </a:rPr>
+              <a:t>trí</a:t>
+            </a:r>
+            <a:r>
+              <a:rPr lang="en-US" dirty="0">
+                <a:solidFill>
+                  <a:srgbClr val="FF0000"/>
+                </a:solidFill>
+              </a:rPr>
+              <a:t> </a:t>
+            </a:r>
+            <a:r>
+              <a:rPr lang="en-US" dirty="0">
                 <a:solidFill>
                   <a:schemeClr val="accent1">
                     <a:lumMod val="75000"/>
@@ -4835,70 +5563,152 @@
               <a:t>Management part</a:t>
             </a:r>
             <a:r>
-              <a:rPr lang="en-US" dirty="0" smtClean="0"/>
+              <a:rPr lang="en-US" dirty="0"/>
               <a:t>:</a:t>
             </a:r>
           </a:p>
           <a:p>
             <a:r>
               <a:rPr lang="en-US" dirty="0"/>
-              <a:t> </a:t>
-            </a:r>
-            <a:r>
-              <a:rPr lang="en-US" dirty="0" smtClean="0"/>
-              <a:t>*Client: UI + get data </a:t>
-            </a:r>
-            <a:r>
-              <a:rPr lang="en-US" dirty="0" err="1" smtClean="0"/>
+              <a:t> *Client: UI + get data </a:t>
+            </a:r>
+            <a:r>
+              <a:rPr lang="en-US" dirty="0" err="1"/>
               <a:t>chưa</a:t>
             </a:r>
             <a:r>
-              <a:rPr lang="en-US" dirty="0" smtClean="0"/>
+              <a:rPr lang="en-US" dirty="0"/>
               <a:t> verified </a:t>
             </a:r>
             <a:r>
-              <a:rPr lang="en-US" dirty="0" err="1" smtClean="0"/>
+              <a:rPr lang="en-US" dirty="0" err="1"/>
               <a:t>về</a:t>
             </a:r>
             <a:r>
-              <a:rPr lang="en-US" dirty="0" smtClean="0"/>
+              <a:rPr lang="en-US" dirty="0"/>
               <a:t>, </a:t>
             </a:r>
             <a:r>
-              <a:rPr lang="en-US" dirty="0" err="1" smtClean="0"/>
+              <a:rPr lang="en-US" dirty="0" err="1"/>
               <a:t>cho</a:t>
             </a:r>
             <a:r>
-              <a:rPr lang="en-US" dirty="0" smtClean="0"/>
-              <a:t> </a:t>
-            </a:r>
-            <a:r>
-              <a:rPr lang="en-US" dirty="0" err="1" smtClean="0"/>
+              <a:rPr lang="en-US" dirty="0"/>
+              <a:t> </a:t>
+            </a:r>
+            <a:r>
+              <a:rPr lang="en-US" dirty="0" err="1"/>
               <a:t>phép</a:t>
             </a:r>
             <a:r>
-              <a:rPr lang="en-US" dirty="0" smtClean="0"/>
+              <a:rPr lang="en-US" dirty="0"/>
               <a:t> click verified</a:t>
             </a:r>
           </a:p>
           <a:p>
             <a:r>
               <a:rPr lang="en-US" dirty="0"/>
-              <a:t> </a:t>
-            </a:r>
-            <a:r>
-              <a:rPr lang="en-US" dirty="0" smtClean="0"/>
-              <a:t>*Server: send un-verified data </a:t>
-            </a:r>
-            <a:r>
-              <a:rPr lang="en-US" dirty="0" err="1" smtClean="0"/>
+              <a:t> *Server: send un-verified data </a:t>
+            </a:r>
+            <a:r>
+              <a:rPr lang="en-US" dirty="0" err="1"/>
               <a:t>cho</a:t>
             </a:r>
             <a:r>
-              <a:rPr lang="en-US" dirty="0" smtClean="0"/>
+              <a:rPr lang="en-US" dirty="0"/>
               <a:t> client, update verified status</a:t>
             </a:r>
-            <a:endParaRPr lang="en-US" dirty="0"/>
+          </a:p>
+          <a:p>
+            <a:r>
+              <a:rPr lang="en-US" dirty="0"/>
+              <a:t>                 </a:t>
+            </a:r>
+            <a:r>
+              <a:rPr lang="en-US" dirty="0">
+                <a:solidFill>
+                  <a:srgbClr val="FF0000"/>
+                </a:solidFill>
+              </a:rPr>
+              <a:t>category </a:t>
+            </a:r>
+            <a:r>
+              <a:rPr lang="en-US" dirty="0" err="1">
+                <a:solidFill>
+                  <a:srgbClr val="FF0000"/>
+                </a:solidFill>
+              </a:rPr>
+              <a:t>về</a:t>
+            </a:r>
+            <a:r>
+              <a:rPr lang="en-US" dirty="0">
+                <a:solidFill>
+                  <a:srgbClr val="FF0000"/>
+                </a:solidFill>
+              </a:rPr>
+              <a:t> </a:t>
+            </a:r>
+            <a:r>
+              <a:rPr lang="en-US" dirty="0" err="1">
+                <a:solidFill>
+                  <a:srgbClr val="FF0000"/>
+                </a:solidFill>
+              </a:rPr>
+              <a:t>ngành</a:t>
+            </a:r>
+            <a:r>
+              <a:rPr lang="en-US" dirty="0">
+                <a:solidFill>
+                  <a:srgbClr val="FF0000"/>
+                </a:solidFill>
+              </a:rPr>
+              <a:t> </a:t>
+            </a:r>
+            <a:r>
+              <a:rPr lang="en-US" dirty="0" err="1">
+                <a:solidFill>
+                  <a:srgbClr val="FF0000"/>
+                </a:solidFill>
+              </a:rPr>
+              <a:t>nghề</a:t>
+            </a:r>
+            <a:r>
+              <a:rPr lang="en-US" dirty="0">
+                <a:solidFill>
+                  <a:srgbClr val="FF0000"/>
+                </a:solidFill>
+              </a:rPr>
+              <a:t>, </a:t>
+            </a:r>
+            <a:r>
+              <a:rPr lang="en-US" dirty="0" err="1">
+                <a:solidFill>
+                  <a:srgbClr val="FF0000"/>
+                </a:solidFill>
+              </a:rPr>
+              <a:t>lĩnh</a:t>
+            </a:r>
+            <a:r>
+              <a:rPr lang="en-US" dirty="0">
+                <a:solidFill>
+                  <a:srgbClr val="FF0000"/>
+                </a:solidFill>
+              </a:rPr>
+              <a:t> </a:t>
+            </a:r>
+            <a:r>
+              <a:rPr lang="en-US" dirty="0" err="1">
+                <a:solidFill>
+                  <a:srgbClr val="FF0000"/>
+                </a:solidFill>
+              </a:rPr>
+              <a:t>vực</a:t>
+            </a:r>
+            <a:endParaRPr lang="en-US" dirty="0">
+              <a:solidFill>
+                <a:srgbClr val="FF0000"/>
+              </a:solidFill>
+            </a:endParaRPr>
           </a:p>
         </p:txBody>
       </p:sp>
@@ -4955,7 +5765,7 @@
           <a:lstStyle/>
           <a:p>
             <a:r>
-              <a:rPr lang="en-US" sz="2000" dirty="0" smtClean="0">
+              <a:rPr lang="en-US" sz="2000" dirty="0">
                 <a:ln w="0"/>
                 <a:solidFill>
                   <a:schemeClr val="accent1"/>
@@ -4968,21 +5778,8 @@
                   </a:outerShdw>
                 </a:effectLst>
               </a:rPr>
-              <a:t>DB target</a:t>
-            </a:r>
-            <a:endParaRPr lang="en-US" sz="2000" dirty="0">
-              <a:ln w="0"/>
-              <a:solidFill>
-                <a:schemeClr val="accent1"/>
-              </a:solidFill>
-              <a:effectLst>
-                <a:outerShdw blurRad="38100" dist="25400" dir="5400000" algn="ctr" rotWithShape="0">
-                  <a:srgbClr val="6E747A">
-                    <a:alpha val="43000"/>
-                  </a:srgbClr>
-                </a:outerShdw>
-              </a:effectLst>
-            </a:endParaRPr>
+              <a:t>Feature</a:t>
+            </a:r>
           </a:p>
         </p:txBody>
       </p:sp>
@@ -4994,8 +5791,8 @@
         </p:nvSpPr>
         <p:spPr>
           <a:xfrm>
-            <a:off x="2760618" y="1524001"/>
-            <a:ext cx="6975565" cy="3416320"/>
+            <a:off x="2751909" y="844732"/>
+            <a:ext cx="6975565" cy="4247317"/>
           </a:xfrm>
           <a:prstGeom prst="rect">
             <a:avLst/>
@@ -5009,213 +5806,838 @@
           <a:lstStyle/>
           <a:p>
             <a:r>
-              <a:rPr lang="en-US" dirty="0" smtClean="0">
-                <a:solidFill>
-                  <a:schemeClr val="accent1">
-                    <a:lumMod val="75000"/>
-                  </a:schemeClr>
-                </a:solidFill>
-              </a:rPr>
-              <a:t>Company-table</a:t>
-            </a:r>
-            <a:r>
-              <a:rPr lang="en-US" dirty="0" smtClean="0"/>
+              <a:rPr lang="en-US" dirty="0">
+                <a:solidFill>
+                  <a:srgbClr val="FF0000"/>
+                </a:solidFill>
+              </a:rPr>
+              <a:t>V1.2</a:t>
+            </a:r>
+          </a:p>
+          <a:p>
+            <a:r>
+              <a:rPr lang="en-US" dirty="0">
+                <a:solidFill>
+                  <a:srgbClr val="FF0000"/>
+                </a:solidFill>
+              </a:rPr>
+              <a:t>Around-work screen:</a:t>
+            </a:r>
+            <a:br>
+              <a:rPr lang="en-US" dirty="0">
+                <a:solidFill>
+                  <a:srgbClr val="FF0000"/>
+                </a:solidFill>
+              </a:rPr>
+            </a:br>
+            <a:r>
+              <a:rPr lang="en-US" dirty="0">
+                <a:solidFill>
+                  <a:srgbClr val="FF0000"/>
+                </a:solidFill>
+              </a:rPr>
+              <a:t> *Client:</a:t>
+            </a:r>
+            <a:br>
+              <a:rPr lang="en-US" dirty="0">
+                <a:solidFill>
+                  <a:srgbClr val="FF0000"/>
+                </a:solidFill>
+              </a:rPr>
+            </a:br>
+            <a:r>
+              <a:rPr lang="en-US" dirty="0">
+                <a:solidFill>
+                  <a:srgbClr val="FF0000"/>
+                </a:solidFill>
+              </a:rPr>
+              <a:t> Add them 1 </a:t>
+            </a:r>
+            <a:r>
+              <a:rPr lang="en-US" dirty="0" err="1">
+                <a:solidFill>
+                  <a:srgbClr val="FF0000"/>
+                </a:solidFill>
+              </a:rPr>
+              <a:t>số</a:t>
+            </a:r>
+            <a:r>
+              <a:rPr lang="en-US" dirty="0">
+                <a:solidFill>
+                  <a:srgbClr val="FF0000"/>
+                </a:solidFill>
+              </a:rPr>
+              <a:t> </a:t>
+            </a:r>
+            <a:r>
+              <a:rPr lang="en-US" dirty="0" err="1">
+                <a:solidFill>
+                  <a:srgbClr val="FF0000"/>
+                </a:solidFill>
+              </a:rPr>
+              <a:t>chức</a:t>
+            </a:r>
+            <a:r>
+              <a:rPr lang="en-US" dirty="0">
+                <a:solidFill>
+                  <a:srgbClr val="FF0000"/>
+                </a:solidFill>
+              </a:rPr>
+              <a:t> </a:t>
+            </a:r>
+            <a:r>
+              <a:rPr lang="en-US" dirty="0" err="1">
+                <a:solidFill>
+                  <a:srgbClr val="FF0000"/>
+                </a:solidFill>
+              </a:rPr>
+              <a:t>năng</a:t>
+            </a:r>
+            <a:r>
+              <a:rPr lang="en-US" dirty="0">
+                <a:solidFill>
+                  <a:srgbClr val="FF0000"/>
+                </a:solidFill>
+              </a:rPr>
+              <a:t> </a:t>
+            </a:r>
+            <a:r>
+              <a:rPr lang="en-US" dirty="0" err="1">
+                <a:solidFill>
+                  <a:srgbClr val="FF0000"/>
+                </a:solidFill>
+              </a:rPr>
+              <a:t>cho</a:t>
+            </a:r>
+            <a:r>
+              <a:rPr lang="en-US" dirty="0">
+                <a:solidFill>
+                  <a:srgbClr val="FF0000"/>
+                </a:solidFill>
+              </a:rPr>
+              <a:t> </a:t>
+            </a:r>
+            <a:r>
+              <a:rPr lang="en-US" dirty="0" err="1">
+                <a:solidFill>
+                  <a:srgbClr val="FF0000"/>
+                </a:solidFill>
+              </a:rPr>
+              <a:t>tìm</a:t>
+            </a:r>
+            <a:r>
+              <a:rPr lang="en-US" dirty="0">
+                <a:solidFill>
+                  <a:srgbClr val="FF0000"/>
+                </a:solidFill>
+              </a:rPr>
+              <a:t> </a:t>
+            </a:r>
+            <a:r>
+              <a:rPr lang="en-US" dirty="0" err="1">
+                <a:solidFill>
+                  <a:srgbClr val="FF0000"/>
+                </a:solidFill>
+              </a:rPr>
+              <a:t>kiếm</a:t>
+            </a:r>
+            <a:r>
+              <a:rPr lang="en-US" dirty="0">
+                <a:solidFill>
+                  <a:srgbClr val="FF0000"/>
+                </a:solidFill>
+              </a:rPr>
               <a:t>:</a:t>
             </a:r>
-          </a:p>
-          <a:p>
-            <a:r>
-              <a:rPr lang="en-US" dirty="0" smtClean="0"/>
-              <a:t>+ base info </a:t>
-            </a:r>
-            <a:r>
-              <a:rPr lang="en-US" dirty="0" err="1" smtClean="0"/>
-              <a:t>dựa</a:t>
-            </a:r>
-            <a:r>
-              <a:rPr lang="en-US" dirty="0" smtClean="0"/>
-              <a:t> </a:t>
-            </a:r>
-            <a:r>
-              <a:rPr lang="en-US" dirty="0" err="1" smtClean="0"/>
-              <a:t>trên</a:t>
-            </a:r>
-            <a:r>
-              <a:rPr lang="en-US" dirty="0" smtClean="0"/>
-              <a:t> response </a:t>
-            </a:r>
-            <a:r>
-              <a:rPr lang="en-US" dirty="0" err="1" smtClean="0"/>
-              <a:t>của</a:t>
-            </a:r>
-            <a:r>
-              <a:rPr lang="en-US" dirty="0" smtClean="0"/>
-              <a:t> gg </a:t>
-            </a:r>
-            <a:r>
-              <a:rPr lang="en-US" dirty="0" err="1" smtClean="0"/>
-              <a:t>api</a:t>
-            </a:r>
-            <a:endParaRPr lang="en-US" dirty="0" smtClean="0"/>
-          </a:p>
-          <a:p>
-            <a:r>
-              <a:rPr lang="en-US" dirty="0" smtClean="0"/>
-              <a:t>+ verified field</a:t>
-            </a:r>
-          </a:p>
-          <a:p>
-            <a:r>
-              <a:rPr lang="en-US" dirty="0" smtClean="0"/>
-              <a:t>+ field </a:t>
-            </a:r>
-            <a:r>
-              <a:rPr lang="en-US" dirty="0" err="1" smtClean="0"/>
-              <a:t>chứa</a:t>
-            </a:r>
-            <a:r>
-              <a:rPr lang="en-US" dirty="0" smtClean="0"/>
-              <a:t> </a:t>
-            </a:r>
-            <a:r>
-              <a:rPr lang="en-US" dirty="0" err="1" smtClean="0"/>
-              <a:t>các</a:t>
-            </a:r>
-            <a:r>
-              <a:rPr lang="en-US" dirty="0" smtClean="0"/>
-              <a:t> tag </a:t>
-            </a:r>
-            <a:r>
-              <a:rPr lang="en-US" dirty="0" err="1" smtClean="0"/>
-              <a:t>lĩnh</a:t>
-            </a:r>
-            <a:r>
-              <a:rPr lang="en-US" dirty="0" smtClean="0"/>
-              <a:t> </a:t>
-            </a:r>
-            <a:r>
-              <a:rPr lang="en-US" dirty="0" err="1" smtClean="0"/>
-              <a:t>vực</a:t>
-            </a:r>
-            <a:r>
-              <a:rPr lang="en-US" dirty="0" smtClean="0"/>
-              <a:t> </a:t>
-            </a:r>
-            <a:r>
-              <a:rPr lang="en-US" dirty="0" err="1" smtClean="0"/>
-              <a:t>của</a:t>
-            </a:r>
-            <a:r>
-              <a:rPr lang="en-US" dirty="0" smtClean="0"/>
-              <a:t> </a:t>
-            </a:r>
-            <a:r>
-              <a:rPr lang="en-US" dirty="0" err="1" smtClean="0"/>
-              <a:t>công</a:t>
-            </a:r>
-            <a:r>
-              <a:rPr lang="en-US" dirty="0" smtClean="0"/>
-              <a:t> ty</a:t>
-            </a:r>
-          </a:p>
-          <a:p>
-            <a:endParaRPr lang="en-US" dirty="0"/>
-          </a:p>
-          <a:p>
-            <a:r>
-              <a:rPr lang="en-US" dirty="0" smtClean="0">
-                <a:solidFill>
-                  <a:schemeClr val="accent1">
-                    <a:lumMod val="75000"/>
-                  </a:schemeClr>
-                </a:solidFill>
-              </a:rPr>
-              <a:t>Personal-info-table: </a:t>
-            </a:r>
-          </a:p>
-          <a:p>
-            <a:r>
-              <a:rPr lang="en-US" dirty="0"/>
+            <a:br>
+              <a:rPr lang="en-US" dirty="0">
+                <a:solidFill>
+                  <a:srgbClr val="FF0000"/>
+                </a:solidFill>
+              </a:rPr>
+            </a:br>
+            <a:r>
+              <a:rPr lang="en-US" dirty="0">
+                <a:solidFill>
+                  <a:srgbClr val="FF0000"/>
+                </a:solidFill>
+              </a:rPr>
               <a:t>+ </a:t>
             </a:r>
             <a:r>
-              <a:rPr lang="en-US" dirty="0" err="1"/>
-              <a:t>Họ</a:t>
-            </a:r>
-            <a:r>
-              <a:rPr lang="en-US" dirty="0"/>
-              <a:t> </a:t>
-            </a:r>
-            <a:r>
-              <a:rPr lang="en-US" dirty="0" err="1"/>
-              <a:t>tên</a:t>
-            </a:r>
-            <a:endParaRPr lang="en-US" dirty="0"/>
-          </a:p>
-          <a:p>
-            <a:r>
-              <a:rPr lang="en-US" dirty="0"/>
+              <a:rPr lang="en-US" dirty="0" err="1">
+                <a:solidFill>
+                  <a:srgbClr val="FF0000"/>
+                </a:solidFill>
+              </a:rPr>
+              <a:t>có</a:t>
+            </a:r>
+            <a:r>
+              <a:rPr lang="en-US" dirty="0">
+                <a:solidFill>
+                  <a:srgbClr val="FF0000"/>
+                </a:solidFill>
+              </a:rPr>
+              <a:t> </a:t>
+            </a:r>
+            <a:r>
+              <a:rPr lang="en-US" dirty="0" err="1">
+                <a:solidFill>
+                  <a:srgbClr val="FF0000"/>
+                </a:solidFill>
+              </a:rPr>
+              <a:t>bãi</a:t>
+            </a:r>
+            <a:r>
+              <a:rPr lang="en-US" dirty="0">
+                <a:solidFill>
+                  <a:srgbClr val="FF0000"/>
+                </a:solidFill>
+              </a:rPr>
+              <a:t> </a:t>
+            </a:r>
+            <a:r>
+              <a:rPr lang="en-US" dirty="0" err="1">
+                <a:solidFill>
+                  <a:srgbClr val="FF0000"/>
+                </a:solidFill>
+              </a:rPr>
+              <a:t>đỗ</a:t>
+            </a:r>
+            <a:r>
+              <a:rPr lang="en-US" dirty="0">
+                <a:solidFill>
+                  <a:srgbClr val="FF0000"/>
+                </a:solidFill>
+              </a:rPr>
+              <a:t> </a:t>
+            </a:r>
+            <a:r>
+              <a:rPr lang="en-US" dirty="0" err="1">
+                <a:solidFill>
+                  <a:srgbClr val="FF0000"/>
+                </a:solidFill>
+              </a:rPr>
+              <a:t>xe</a:t>
+            </a:r>
+            <a:r>
+              <a:rPr lang="en-US" dirty="0">
+                <a:solidFill>
+                  <a:srgbClr val="FF0000"/>
+                </a:solidFill>
+              </a:rPr>
+              <a:t> ô </a:t>
+            </a:r>
+            <a:r>
+              <a:rPr lang="en-US" dirty="0" err="1">
+                <a:solidFill>
+                  <a:srgbClr val="FF0000"/>
+                </a:solidFill>
+              </a:rPr>
+              <a:t>tô</a:t>
+            </a:r>
+            <a:endParaRPr lang="en-US" dirty="0">
+              <a:solidFill>
+                <a:srgbClr val="FF0000"/>
+              </a:solidFill>
+            </a:endParaRPr>
+          </a:p>
+          <a:p>
+            <a:r>
+              <a:rPr lang="en-US" dirty="0">
+                <a:solidFill>
+                  <a:srgbClr val="FF0000"/>
+                </a:solidFill>
+              </a:rPr>
               <a:t>+ </a:t>
             </a:r>
             <a:r>
-              <a:rPr lang="en-US" dirty="0" err="1"/>
-              <a:t>Sđt</a:t>
-            </a:r>
-            <a:endParaRPr lang="en-US" dirty="0"/>
-          </a:p>
-          <a:p>
-            <a:r>
-              <a:rPr lang="en-US" dirty="0"/>
-              <a:t>+ mail (opt)</a:t>
-            </a:r>
-          </a:p>
-          <a:p>
-            <a:r>
-              <a:rPr lang="en-US" dirty="0"/>
+              <a:rPr lang="en-US" dirty="0" err="1">
+                <a:solidFill>
+                  <a:srgbClr val="FF0000"/>
+                </a:solidFill>
+              </a:rPr>
+              <a:t>gần</a:t>
+            </a:r>
+            <a:r>
+              <a:rPr lang="en-US" dirty="0">
+                <a:solidFill>
+                  <a:srgbClr val="FF0000"/>
+                </a:solidFill>
+              </a:rPr>
+              <a:t> ga </a:t>
+            </a:r>
+            <a:r>
+              <a:rPr lang="en-US" dirty="0" err="1">
+                <a:solidFill>
+                  <a:srgbClr val="FF0000"/>
+                </a:solidFill>
+              </a:rPr>
+              <a:t>tàu</a:t>
+            </a:r>
+            <a:r>
+              <a:rPr lang="en-US" dirty="0">
+                <a:solidFill>
+                  <a:srgbClr val="FF0000"/>
+                </a:solidFill>
+              </a:rPr>
+              <a:t> </a:t>
+            </a:r>
+            <a:r>
+              <a:rPr lang="en-US" dirty="0" err="1">
+                <a:solidFill>
+                  <a:srgbClr val="FF0000"/>
+                </a:solidFill>
+              </a:rPr>
+              <a:t>cao</a:t>
+            </a:r>
+            <a:r>
+              <a:rPr lang="en-US" dirty="0">
+                <a:solidFill>
+                  <a:srgbClr val="FF0000"/>
+                </a:solidFill>
+              </a:rPr>
+              <a:t> </a:t>
+            </a:r>
+            <a:r>
+              <a:rPr lang="en-US" dirty="0" err="1">
+                <a:solidFill>
+                  <a:srgbClr val="FF0000"/>
+                </a:solidFill>
+              </a:rPr>
+              <a:t>tốc</a:t>
+            </a:r>
+            <a:endParaRPr lang="en-US" dirty="0">
+              <a:solidFill>
+                <a:srgbClr val="FF0000"/>
+              </a:solidFill>
+            </a:endParaRPr>
+          </a:p>
+          <a:p>
+            <a:r>
+              <a:rPr lang="en-US" dirty="0">
+                <a:solidFill>
+                  <a:srgbClr val="FF0000"/>
+                </a:solidFill>
+              </a:rPr>
               <a:t>+ </a:t>
             </a:r>
             <a:r>
-              <a:rPr lang="en-US" dirty="0" err="1"/>
-              <a:t>nghề</a:t>
-            </a:r>
-            <a:r>
-              <a:rPr lang="en-US" dirty="0"/>
-              <a:t> </a:t>
-            </a:r>
-            <a:r>
-              <a:rPr lang="en-US" dirty="0" err="1"/>
-              <a:t>nghiệp</a:t>
-            </a:r>
-            <a:endParaRPr lang="en-US" dirty="0"/>
-          </a:p>
-          <a:p>
-            <a:r>
-              <a:rPr lang="en-US" dirty="0"/>
+              <a:rPr lang="en-US" dirty="0" err="1">
+                <a:solidFill>
+                  <a:srgbClr val="FF0000"/>
+                </a:solidFill>
+              </a:rPr>
+              <a:t>gần</a:t>
+            </a:r>
+            <a:r>
+              <a:rPr lang="en-US" dirty="0">
+                <a:solidFill>
+                  <a:srgbClr val="FF0000"/>
+                </a:solidFill>
+              </a:rPr>
+              <a:t> </a:t>
+            </a:r>
+            <a:r>
+              <a:rPr lang="en-US" dirty="0" err="1">
+                <a:solidFill>
+                  <a:srgbClr val="FF0000"/>
+                </a:solidFill>
+              </a:rPr>
+              <a:t>điểm</a:t>
+            </a:r>
+            <a:r>
+              <a:rPr lang="en-US" dirty="0">
+                <a:solidFill>
+                  <a:srgbClr val="FF0000"/>
+                </a:solidFill>
+              </a:rPr>
+              <a:t> </a:t>
+            </a:r>
+            <a:r>
+              <a:rPr lang="en-US" dirty="0" err="1">
+                <a:solidFill>
+                  <a:srgbClr val="FF0000"/>
+                </a:solidFill>
+              </a:rPr>
+              <a:t>xe</a:t>
+            </a:r>
+            <a:r>
+              <a:rPr lang="en-US" dirty="0">
+                <a:solidFill>
+                  <a:srgbClr val="FF0000"/>
+                </a:solidFill>
+              </a:rPr>
+              <a:t> bus</a:t>
+            </a:r>
+          </a:p>
+          <a:p>
+            <a:r>
+              <a:rPr lang="en-US" dirty="0">
+                <a:solidFill>
+                  <a:srgbClr val="FF0000"/>
+                </a:solidFill>
+              </a:rPr>
               <a:t>+ </a:t>
             </a:r>
             <a:r>
-              <a:rPr lang="en-US" dirty="0" err="1"/>
-              <a:t>địa</a:t>
-            </a:r>
-            <a:r>
-              <a:rPr lang="en-US" dirty="0"/>
-              <a:t> </a:t>
-            </a:r>
-            <a:r>
-              <a:rPr lang="en-US" dirty="0" err="1"/>
-              <a:t>chỉ</a:t>
-            </a:r>
-            <a:endParaRPr lang="en-US" dirty="0"/>
-          </a:p>
-          <a:p>
-            <a:endParaRPr lang="en-US" dirty="0"/>
+              <a:rPr lang="en-US" dirty="0" err="1">
+                <a:solidFill>
+                  <a:srgbClr val="FF0000"/>
+                </a:solidFill>
+              </a:rPr>
+              <a:t>gần</a:t>
+            </a:r>
+            <a:r>
+              <a:rPr lang="en-US" dirty="0">
+                <a:solidFill>
+                  <a:srgbClr val="FF0000"/>
+                </a:solidFill>
+              </a:rPr>
+              <a:t> </a:t>
+            </a:r>
+            <a:r>
+              <a:rPr lang="en-US" dirty="0" err="1">
+                <a:solidFill>
+                  <a:srgbClr val="FF0000"/>
+                </a:solidFill>
+              </a:rPr>
+              <a:t>siêu</a:t>
+            </a:r>
+            <a:r>
+              <a:rPr lang="en-US" dirty="0">
+                <a:solidFill>
+                  <a:srgbClr val="FF0000"/>
+                </a:solidFill>
+              </a:rPr>
+              <a:t> </a:t>
+            </a:r>
+            <a:r>
+              <a:rPr lang="en-US" dirty="0" err="1">
+                <a:solidFill>
+                  <a:srgbClr val="FF0000"/>
+                </a:solidFill>
+              </a:rPr>
+              <a:t>thị</a:t>
+            </a:r>
+            <a:r>
+              <a:rPr lang="en-US" dirty="0">
+                <a:solidFill>
+                  <a:srgbClr val="FF0000"/>
+                </a:solidFill>
+              </a:rPr>
+              <a:t>/</a:t>
+            </a:r>
+            <a:r>
+              <a:rPr lang="en-US" dirty="0" err="1">
+                <a:solidFill>
+                  <a:srgbClr val="FF0000"/>
+                </a:solidFill>
+              </a:rPr>
+              <a:t>chợ</a:t>
+            </a:r>
+            <a:endParaRPr lang="en-US" dirty="0">
+              <a:solidFill>
+                <a:srgbClr val="FF0000"/>
+              </a:solidFill>
+            </a:endParaRPr>
+          </a:p>
+          <a:p>
+            <a:endParaRPr lang="en-US" dirty="0">
+              <a:solidFill>
+                <a:srgbClr val="FF0000"/>
+              </a:solidFill>
+            </a:endParaRPr>
+          </a:p>
+          <a:p>
+            <a:r>
+              <a:rPr lang="en-US" dirty="0">
+                <a:solidFill>
+                  <a:srgbClr val="FF0000"/>
+                </a:solidFill>
+              </a:rPr>
+              <a:t> *Server:</a:t>
+            </a:r>
+          </a:p>
+          <a:p>
+            <a:r>
+              <a:rPr lang="en-US" dirty="0">
+                <a:solidFill>
+                  <a:srgbClr val="FF0000"/>
+                </a:solidFill>
+              </a:rPr>
+              <a:t>+ them </a:t>
+            </a:r>
+            <a:r>
+              <a:rPr lang="en-US" dirty="0" err="1">
+                <a:solidFill>
+                  <a:srgbClr val="FF0000"/>
+                </a:solidFill>
+              </a:rPr>
+              <a:t>thuộc</a:t>
+            </a:r>
+            <a:r>
+              <a:rPr lang="en-US" dirty="0">
+                <a:solidFill>
+                  <a:srgbClr val="FF0000"/>
+                </a:solidFill>
+              </a:rPr>
+              <a:t> </a:t>
+            </a:r>
+            <a:r>
+              <a:rPr lang="en-US" dirty="0" err="1">
+                <a:solidFill>
+                  <a:srgbClr val="FF0000"/>
+                </a:solidFill>
+              </a:rPr>
+              <a:t>tính</a:t>
+            </a:r>
+            <a:r>
+              <a:rPr lang="en-US" dirty="0">
+                <a:solidFill>
+                  <a:srgbClr val="FF0000"/>
+                </a:solidFill>
+              </a:rPr>
+              <a:t> </a:t>
+            </a:r>
+            <a:r>
+              <a:rPr lang="en-US" dirty="0" err="1">
+                <a:solidFill>
+                  <a:srgbClr val="FF0000"/>
+                </a:solidFill>
+              </a:rPr>
+              <a:t>cho</a:t>
+            </a:r>
+            <a:r>
+              <a:rPr lang="en-US" dirty="0">
+                <a:solidFill>
+                  <a:srgbClr val="FF0000"/>
+                </a:solidFill>
+              </a:rPr>
+              <a:t> company table: </a:t>
+            </a:r>
+            <a:r>
+              <a:rPr lang="en-US" dirty="0" err="1">
+                <a:solidFill>
+                  <a:srgbClr val="FF0000"/>
+                </a:solidFill>
+              </a:rPr>
+              <a:t>đánh</a:t>
+            </a:r>
+            <a:r>
+              <a:rPr lang="en-US" dirty="0">
+                <a:solidFill>
+                  <a:srgbClr val="FF0000"/>
+                </a:solidFill>
+              </a:rPr>
+              <a:t> </a:t>
+            </a:r>
+            <a:r>
+              <a:rPr lang="en-US" dirty="0" err="1">
+                <a:solidFill>
+                  <a:srgbClr val="FF0000"/>
+                </a:solidFill>
+              </a:rPr>
+              <a:t>dấu</a:t>
+            </a:r>
+            <a:r>
+              <a:rPr lang="en-US" dirty="0">
+                <a:solidFill>
+                  <a:srgbClr val="FF0000"/>
+                </a:solidFill>
+              </a:rPr>
+              <a:t> </a:t>
+            </a:r>
+            <a:r>
+              <a:rPr lang="en-US" dirty="0" err="1">
+                <a:solidFill>
+                  <a:srgbClr val="FF0000"/>
+                </a:solidFill>
+              </a:rPr>
+              <a:t>gần</a:t>
+            </a:r>
+            <a:r>
+              <a:rPr lang="en-US" dirty="0">
+                <a:solidFill>
+                  <a:srgbClr val="FF0000"/>
+                </a:solidFill>
+              </a:rPr>
+              <a:t> ga </a:t>
+            </a:r>
+            <a:r>
+              <a:rPr lang="en-US" dirty="0" err="1">
+                <a:solidFill>
+                  <a:srgbClr val="FF0000"/>
+                </a:solidFill>
+              </a:rPr>
+              <a:t>tàu</a:t>
+            </a:r>
+            <a:r>
+              <a:rPr lang="en-US" dirty="0">
+                <a:solidFill>
+                  <a:srgbClr val="FF0000"/>
+                </a:solidFill>
+              </a:rPr>
+              <a:t>, </a:t>
+            </a:r>
+            <a:r>
+              <a:rPr lang="en-US" dirty="0" err="1">
+                <a:solidFill>
+                  <a:srgbClr val="FF0000"/>
+                </a:solidFill>
+              </a:rPr>
+              <a:t>có</a:t>
+            </a:r>
+            <a:r>
+              <a:rPr lang="en-US" dirty="0">
+                <a:solidFill>
+                  <a:srgbClr val="FF0000"/>
+                </a:solidFill>
+              </a:rPr>
+              <a:t> </a:t>
+            </a:r>
+            <a:r>
+              <a:rPr lang="en-US" dirty="0" err="1">
+                <a:solidFill>
+                  <a:srgbClr val="FF0000"/>
+                </a:solidFill>
+              </a:rPr>
+              <a:t>bãi</a:t>
+            </a:r>
+            <a:r>
+              <a:rPr lang="en-US" dirty="0">
+                <a:solidFill>
+                  <a:srgbClr val="FF0000"/>
+                </a:solidFill>
+              </a:rPr>
+              <a:t> </a:t>
+            </a:r>
+            <a:r>
+              <a:rPr lang="en-US" dirty="0" err="1">
+                <a:solidFill>
+                  <a:srgbClr val="FF0000"/>
+                </a:solidFill>
+              </a:rPr>
+              <a:t>đỗ</a:t>
+            </a:r>
+            <a:r>
+              <a:rPr lang="en-US" dirty="0">
+                <a:solidFill>
+                  <a:srgbClr val="FF0000"/>
+                </a:solidFill>
+              </a:rPr>
+              <a:t> ô </a:t>
+            </a:r>
+            <a:r>
+              <a:rPr lang="en-US" dirty="0" err="1">
+                <a:solidFill>
+                  <a:srgbClr val="FF0000"/>
+                </a:solidFill>
+              </a:rPr>
+              <a:t>tô</a:t>
+            </a:r>
+            <a:r>
+              <a:rPr lang="en-US" dirty="0">
+                <a:solidFill>
+                  <a:srgbClr val="FF0000"/>
+                </a:solidFill>
+              </a:rPr>
+              <a:t>, </a:t>
+            </a:r>
+            <a:r>
+              <a:rPr lang="en-US" dirty="0" err="1">
+                <a:solidFill>
+                  <a:srgbClr val="FF0000"/>
+                </a:solidFill>
+              </a:rPr>
+              <a:t>danh</a:t>
+            </a:r>
+            <a:r>
+              <a:rPr lang="en-US" dirty="0">
+                <a:solidFill>
+                  <a:srgbClr val="FF0000"/>
+                </a:solidFill>
+              </a:rPr>
+              <a:t> </a:t>
+            </a:r>
+            <a:r>
+              <a:rPr lang="en-US" dirty="0" err="1">
+                <a:solidFill>
+                  <a:srgbClr val="FF0000"/>
+                </a:solidFill>
+              </a:rPr>
+              <a:t>sách</a:t>
+            </a:r>
+            <a:r>
+              <a:rPr lang="en-US" dirty="0">
+                <a:solidFill>
+                  <a:srgbClr val="FF0000"/>
+                </a:solidFill>
+              </a:rPr>
+              <a:t> </a:t>
+            </a:r>
+            <a:r>
+              <a:rPr lang="en-US" dirty="0" err="1">
+                <a:solidFill>
+                  <a:srgbClr val="FF0000"/>
+                </a:solidFill>
+              </a:rPr>
+              <a:t>điểm</a:t>
+            </a:r>
+            <a:r>
+              <a:rPr lang="en-US" dirty="0">
+                <a:solidFill>
+                  <a:srgbClr val="FF0000"/>
+                </a:solidFill>
+              </a:rPr>
+              <a:t> bus </a:t>
+            </a:r>
+            <a:r>
+              <a:rPr lang="en-US" dirty="0" err="1">
+                <a:solidFill>
+                  <a:srgbClr val="FF0000"/>
+                </a:solidFill>
+              </a:rPr>
+              <a:t>gần</a:t>
+            </a:r>
+            <a:r>
+              <a:rPr lang="en-US" dirty="0">
+                <a:solidFill>
+                  <a:srgbClr val="FF0000"/>
+                </a:solidFill>
+              </a:rPr>
+              <a:t>,…</a:t>
+            </a:r>
+          </a:p>
+          <a:p>
+            <a:endParaRPr lang="en-US" dirty="0">
+              <a:solidFill>
+                <a:srgbClr val="FF0000"/>
+              </a:solidFill>
+            </a:endParaRPr>
+          </a:p>
+          <a:p>
+            <a:r>
+              <a:rPr lang="en-US" dirty="0">
+                <a:solidFill>
+                  <a:srgbClr val="FF0000"/>
+                </a:solidFill>
+              </a:rPr>
+              <a:t>Management part:</a:t>
+            </a:r>
+          </a:p>
+          <a:p>
+            <a:r>
+              <a:rPr lang="en-US" dirty="0">
+                <a:solidFill>
+                  <a:srgbClr val="FF0000"/>
+                </a:solidFill>
+              </a:rPr>
+              <a:t>*Server: </a:t>
+            </a:r>
+            <a:r>
+              <a:rPr lang="en-US" dirty="0" err="1">
+                <a:solidFill>
+                  <a:srgbClr val="FF0000"/>
+                </a:solidFill>
+              </a:rPr>
+              <a:t>Cải</a:t>
+            </a:r>
+            <a:r>
+              <a:rPr lang="en-US" dirty="0">
+                <a:solidFill>
+                  <a:srgbClr val="FF0000"/>
+                </a:solidFill>
+              </a:rPr>
+              <a:t> </a:t>
+            </a:r>
+            <a:r>
+              <a:rPr lang="en-US" dirty="0" err="1">
+                <a:solidFill>
+                  <a:srgbClr val="FF0000"/>
+                </a:solidFill>
+              </a:rPr>
+              <a:t>tiến</a:t>
+            </a:r>
+            <a:r>
+              <a:rPr lang="en-US" dirty="0">
+                <a:solidFill>
+                  <a:srgbClr val="FF0000"/>
+                </a:solidFill>
+              </a:rPr>
+              <a:t> company management, </a:t>
+            </a:r>
+            <a:r>
+              <a:rPr lang="en-US" dirty="0" err="1">
+                <a:solidFill>
+                  <a:srgbClr val="FF0000"/>
+                </a:solidFill>
+              </a:rPr>
+              <a:t>thuật</a:t>
+            </a:r>
+            <a:r>
+              <a:rPr lang="en-US" dirty="0">
+                <a:solidFill>
+                  <a:srgbClr val="FF0000"/>
+                </a:solidFill>
+              </a:rPr>
+              <a:t> </a:t>
+            </a:r>
+            <a:r>
+              <a:rPr lang="en-US" dirty="0" err="1">
+                <a:solidFill>
+                  <a:srgbClr val="FF0000"/>
+                </a:solidFill>
+              </a:rPr>
+              <a:t>toán</a:t>
+            </a:r>
+            <a:r>
+              <a:rPr lang="en-US" dirty="0">
+                <a:solidFill>
+                  <a:srgbClr val="FF0000"/>
+                </a:solidFill>
+              </a:rPr>
+              <a:t> </a:t>
+            </a:r>
+            <a:r>
+              <a:rPr lang="en-US" dirty="0" err="1">
+                <a:solidFill>
+                  <a:srgbClr val="FF0000"/>
+                </a:solidFill>
+              </a:rPr>
+              <a:t>tìm</a:t>
+            </a:r>
+            <a:r>
+              <a:rPr lang="en-US" dirty="0">
+                <a:solidFill>
+                  <a:srgbClr val="FF0000"/>
+                </a:solidFill>
+              </a:rPr>
+              <a:t> </a:t>
+            </a:r>
+            <a:r>
+              <a:rPr lang="en-US" dirty="0" err="1">
+                <a:solidFill>
+                  <a:srgbClr val="FF0000"/>
+                </a:solidFill>
+              </a:rPr>
+              <a:t>kiếm</a:t>
+            </a:r>
+            <a:r>
+              <a:rPr lang="en-US" dirty="0">
+                <a:solidFill>
+                  <a:srgbClr val="FF0000"/>
+                </a:solidFill>
+              </a:rPr>
+              <a:t>,…</a:t>
+            </a:r>
           </a:p>
         </p:txBody>
       </p:sp>
     </p:spTree>
     <p:extLst>
       <p:ext uri="{BB962C8B-B14F-4D97-AF65-F5344CB8AC3E}">
-        <p14:creationId xmlns:p14="http://schemas.microsoft.com/office/powerpoint/2010/main" val="717465015"/>
+        <p14:creationId xmlns:p14="http://schemas.microsoft.com/office/powerpoint/2010/main" val="3519349429"/>
       </p:ext>
     </p:extLst>
   </p:cSld>
@@ -5265,7 +6687,7 @@
           <a:lstStyle/>
           <a:p>
             <a:r>
-              <a:rPr lang="en-US" sz="2000" dirty="0" smtClean="0">
+              <a:rPr lang="en-US" sz="2000" dirty="0">
                 <a:ln w="0"/>
                 <a:solidFill>
                   <a:schemeClr val="accent1"/>
@@ -5278,21 +6700,1679 @@
                   </a:outerShdw>
                 </a:effectLst>
               </a:rPr>
+              <a:t>Feature</a:t>
+            </a:r>
+          </a:p>
+        </p:txBody>
+      </p:sp>
+      <p:sp>
+        <p:nvSpPr>
+          <p:cNvPr id="5" name="TextBox 4"/>
+          <p:cNvSpPr txBox="1"/>
+          <p:nvPr/>
+        </p:nvSpPr>
+        <p:spPr>
+          <a:xfrm>
+            <a:off x="2751909" y="844732"/>
+            <a:ext cx="6975565" cy="4247317"/>
+          </a:xfrm>
+          <a:prstGeom prst="rect">
+            <a:avLst/>
+          </a:prstGeom>
+          <a:noFill/>
+        </p:spPr>
+        <p:txBody>
+          <a:bodyPr wrap="square" rtlCol="0">
+            <a:spAutoFit/>
+          </a:bodyPr>
+          <a:lstStyle/>
+          <a:p>
+            <a:r>
+              <a:rPr lang="en-US" dirty="0">
+                <a:solidFill>
+                  <a:srgbClr val="FF0000"/>
+                </a:solidFill>
+              </a:rPr>
+              <a:t>V1.3</a:t>
+            </a:r>
+          </a:p>
+          <a:p>
+            <a:r>
+              <a:rPr lang="en-US" dirty="0">
+                <a:solidFill>
+                  <a:srgbClr val="FF0000"/>
+                </a:solidFill>
+              </a:rPr>
+              <a:t>Around-work screen:</a:t>
+            </a:r>
+            <a:br>
+              <a:rPr lang="en-US" dirty="0">
+                <a:solidFill>
+                  <a:srgbClr val="FF0000"/>
+                </a:solidFill>
+              </a:rPr>
+            </a:br>
+            <a:r>
+              <a:rPr lang="en-US" dirty="0">
+                <a:solidFill>
+                  <a:srgbClr val="FF0000"/>
+                </a:solidFill>
+              </a:rPr>
+              <a:t> *Client:</a:t>
+            </a:r>
+            <a:br>
+              <a:rPr lang="en-US" dirty="0">
+                <a:solidFill>
+                  <a:srgbClr val="FF0000"/>
+                </a:solidFill>
+              </a:rPr>
+            </a:br>
+            <a:r>
+              <a:rPr lang="en-US" dirty="0">
+                <a:solidFill>
+                  <a:srgbClr val="FF0000"/>
+                </a:solidFill>
+              </a:rPr>
+              <a:t>   </a:t>
+            </a:r>
+            <a:r>
+              <a:rPr lang="en-US" dirty="0" err="1">
+                <a:solidFill>
+                  <a:srgbClr val="FF0000"/>
+                </a:solidFill>
+              </a:rPr>
+              <a:t>Lưu</a:t>
+            </a:r>
+            <a:r>
+              <a:rPr lang="en-US" dirty="0">
+                <a:solidFill>
+                  <a:srgbClr val="FF0000"/>
+                </a:solidFill>
+              </a:rPr>
+              <a:t> </a:t>
+            </a:r>
+            <a:r>
+              <a:rPr lang="en-US" dirty="0" err="1">
+                <a:solidFill>
+                  <a:srgbClr val="FF0000"/>
+                </a:solidFill>
+              </a:rPr>
+              <a:t>thông</a:t>
+            </a:r>
+            <a:r>
+              <a:rPr lang="en-US" dirty="0">
+                <a:solidFill>
+                  <a:srgbClr val="FF0000"/>
+                </a:solidFill>
+              </a:rPr>
+              <a:t> tin </a:t>
+            </a:r>
+            <a:r>
+              <a:rPr lang="en-US" dirty="0" err="1">
+                <a:solidFill>
+                  <a:srgbClr val="FF0000"/>
+                </a:solidFill>
+              </a:rPr>
+              <a:t>tìm</a:t>
+            </a:r>
+            <a:r>
+              <a:rPr lang="en-US" dirty="0">
+                <a:solidFill>
+                  <a:srgbClr val="FF0000"/>
+                </a:solidFill>
+              </a:rPr>
+              <a:t> </a:t>
+            </a:r>
+            <a:r>
+              <a:rPr lang="en-US" dirty="0" err="1">
+                <a:solidFill>
+                  <a:srgbClr val="FF0000"/>
+                </a:solidFill>
+              </a:rPr>
+              <a:t>kiếm</a:t>
+            </a:r>
+            <a:r>
+              <a:rPr lang="en-US" dirty="0">
+                <a:solidFill>
+                  <a:srgbClr val="FF0000"/>
+                </a:solidFill>
+              </a:rPr>
+              <a:t> </a:t>
+            </a:r>
+            <a:r>
+              <a:rPr lang="en-US" dirty="0" err="1">
+                <a:solidFill>
+                  <a:srgbClr val="FF0000"/>
+                </a:solidFill>
+              </a:rPr>
+              <a:t>của</a:t>
+            </a:r>
+            <a:r>
+              <a:rPr lang="en-US" dirty="0">
+                <a:solidFill>
+                  <a:srgbClr val="FF0000"/>
+                </a:solidFill>
+              </a:rPr>
+              <a:t> </a:t>
+            </a:r>
+            <a:r>
+              <a:rPr lang="en-US" dirty="0" err="1">
+                <a:solidFill>
+                  <a:srgbClr val="FF0000"/>
+                </a:solidFill>
+              </a:rPr>
+              <a:t>người</a:t>
+            </a:r>
+            <a:r>
+              <a:rPr lang="en-US" dirty="0">
+                <a:solidFill>
+                  <a:srgbClr val="FF0000"/>
+                </a:solidFill>
+              </a:rPr>
+              <a:t> </a:t>
+            </a:r>
+            <a:r>
+              <a:rPr lang="en-US" dirty="0" err="1">
+                <a:solidFill>
+                  <a:srgbClr val="FF0000"/>
+                </a:solidFill>
+              </a:rPr>
+              <a:t>dùng</a:t>
+            </a:r>
+            <a:r>
+              <a:rPr lang="en-US" dirty="0">
+                <a:solidFill>
+                  <a:srgbClr val="FF0000"/>
+                </a:solidFill>
+              </a:rPr>
+              <a:t>, </a:t>
+            </a:r>
+            <a:r>
+              <a:rPr lang="en-US" dirty="0" err="1">
+                <a:solidFill>
+                  <a:srgbClr val="FF0000"/>
+                </a:solidFill>
+              </a:rPr>
+              <a:t>lịch</a:t>
+            </a:r>
+            <a:r>
+              <a:rPr lang="en-US" dirty="0">
+                <a:solidFill>
+                  <a:srgbClr val="FF0000"/>
+                </a:solidFill>
+              </a:rPr>
+              <a:t> </a:t>
+            </a:r>
+            <a:r>
+              <a:rPr lang="en-US" dirty="0" err="1">
+                <a:solidFill>
+                  <a:srgbClr val="FF0000"/>
+                </a:solidFill>
+              </a:rPr>
+              <a:t>sử</a:t>
+            </a:r>
+            <a:r>
+              <a:rPr lang="en-US" dirty="0">
+                <a:solidFill>
+                  <a:srgbClr val="FF0000"/>
+                </a:solidFill>
+              </a:rPr>
+              <a:t> </a:t>
+            </a:r>
+            <a:r>
+              <a:rPr lang="en-US" dirty="0" err="1">
+                <a:solidFill>
+                  <a:srgbClr val="FF0000"/>
+                </a:solidFill>
+              </a:rPr>
+              <a:t>tìm</a:t>
+            </a:r>
+            <a:r>
+              <a:rPr lang="en-US" dirty="0">
+                <a:solidFill>
+                  <a:srgbClr val="FF0000"/>
+                </a:solidFill>
+              </a:rPr>
+              <a:t> </a:t>
+            </a:r>
+            <a:r>
+              <a:rPr lang="en-US" dirty="0" err="1">
+                <a:solidFill>
+                  <a:srgbClr val="FF0000"/>
+                </a:solidFill>
+              </a:rPr>
+              <a:t>kiếm</a:t>
+            </a:r>
+            <a:endParaRPr lang="en-US" dirty="0">
+              <a:solidFill>
+                <a:srgbClr val="FF0000"/>
+              </a:solidFill>
+            </a:endParaRPr>
+          </a:p>
+          <a:p>
+            <a:r>
+              <a:rPr lang="en-US" dirty="0">
+                <a:solidFill>
+                  <a:srgbClr val="FF0000"/>
+                </a:solidFill>
+              </a:rPr>
+              <a:t>=&gt; </a:t>
+            </a:r>
+            <a:r>
+              <a:rPr lang="en-US" dirty="0" err="1">
+                <a:solidFill>
+                  <a:srgbClr val="FF0000"/>
+                </a:solidFill>
+              </a:rPr>
+              <a:t>Mục</a:t>
+            </a:r>
+            <a:r>
+              <a:rPr lang="en-US" dirty="0">
+                <a:solidFill>
+                  <a:srgbClr val="FF0000"/>
+                </a:solidFill>
+              </a:rPr>
+              <a:t> </a:t>
+            </a:r>
+            <a:r>
+              <a:rPr lang="en-US" dirty="0" err="1">
+                <a:solidFill>
+                  <a:srgbClr val="FF0000"/>
+                </a:solidFill>
+              </a:rPr>
+              <a:t>tiêu</a:t>
+            </a:r>
+            <a:r>
+              <a:rPr lang="en-US" dirty="0">
+                <a:solidFill>
+                  <a:srgbClr val="FF0000"/>
+                </a:solidFill>
+              </a:rPr>
+              <a:t> </a:t>
+            </a:r>
+            <a:r>
+              <a:rPr lang="en-US" dirty="0" err="1">
+                <a:solidFill>
+                  <a:srgbClr val="FF0000"/>
+                </a:solidFill>
+              </a:rPr>
+              <a:t>thu</a:t>
+            </a:r>
+            <a:r>
+              <a:rPr lang="en-US" dirty="0">
+                <a:solidFill>
+                  <a:srgbClr val="FF0000"/>
+                </a:solidFill>
+              </a:rPr>
+              <a:t> </a:t>
+            </a:r>
+            <a:r>
+              <a:rPr lang="en-US" dirty="0" err="1">
+                <a:solidFill>
+                  <a:srgbClr val="FF0000"/>
+                </a:solidFill>
+              </a:rPr>
+              <a:t>thập</a:t>
+            </a:r>
+            <a:r>
+              <a:rPr lang="en-US" dirty="0">
+                <a:solidFill>
+                  <a:srgbClr val="FF0000"/>
+                </a:solidFill>
+              </a:rPr>
+              <a:t> </a:t>
+            </a:r>
+            <a:r>
+              <a:rPr lang="en-US" dirty="0" err="1">
+                <a:solidFill>
+                  <a:srgbClr val="FF0000"/>
+                </a:solidFill>
+              </a:rPr>
+              <a:t>dữ</a:t>
+            </a:r>
+            <a:r>
+              <a:rPr lang="en-US" dirty="0">
+                <a:solidFill>
+                  <a:srgbClr val="FF0000"/>
+                </a:solidFill>
+              </a:rPr>
+              <a:t> </a:t>
+            </a:r>
+            <a:r>
+              <a:rPr lang="en-US" dirty="0" err="1">
+                <a:solidFill>
+                  <a:srgbClr val="FF0000"/>
+                </a:solidFill>
+              </a:rPr>
+              <a:t>liệu</a:t>
+            </a:r>
+            <a:r>
+              <a:rPr lang="en-US" dirty="0">
+                <a:solidFill>
+                  <a:srgbClr val="FF0000"/>
+                </a:solidFill>
+              </a:rPr>
+              <a:t>:</a:t>
+            </a:r>
+            <a:br>
+              <a:rPr lang="en-US" dirty="0">
+                <a:solidFill>
+                  <a:srgbClr val="FF0000"/>
+                </a:solidFill>
+              </a:rPr>
+            </a:br>
+            <a:r>
+              <a:rPr lang="en-US" dirty="0">
+                <a:solidFill>
+                  <a:srgbClr val="FF0000"/>
+                </a:solidFill>
+              </a:rPr>
+              <a:t> </a:t>
+            </a:r>
+            <a:r>
+              <a:rPr lang="en-US" dirty="0" err="1">
+                <a:solidFill>
+                  <a:srgbClr val="FF0000"/>
+                </a:solidFill>
+              </a:rPr>
+              <a:t>Cty</a:t>
+            </a:r>
+            <a:r>
+              <a:rPr lang="en-US" dirty="0">
+                <a:solidFill>
+                  <a:srgbClr val="FF0000"/>
+                </a:solidFill>
+              </a:rPr>
+              <a:t> xxx </a:t>
+            </a:r>
+            <a:r>
+              <a:rPr lang="en-US" dirty="0" err="1">
+                <a:solidFill>
+                  <a:srgbClr val="FF0000"/>
+                </a:solidFill>
+              </a:rPr>
+              <a:t>đã</a:t>
+            </a:r>
+            <a:r>
+              <a:rPr lang="en-US" dirty="0">
+                <a:solidFill>
+                  <a:srgbClr val="FF0000"/>
+                </a:solidFill>
+              </a:rPr>
+              <a:t> </a:t>
+            </a:r>
+            <a:r>
+              <a:rPr lang="en-US" dirty="0" err="1">
+                <a:solidFill>
+                  <a:srgbClr val="FF0000"/>
+                </a:solidFill>
+              </a:rPr>
+              <a:t>có</a:t>
+            </a:r>
+            <a:r>
+              <a:rPr lang="en-US" dirty="0">
+                <a:solidFill>
+                  <a:srgbClr val="FF0000"/>
+                </a:solidFill>
+              </a:rPr>
+              <a:t> “n” </a:t>
+            </a:r>
+            <a:r>
+              <a:rPr lang="en-US" dirty="0" err="1">
+                <a:solidFill>
+                  <a:srgbClr val="FF0000"/>
+                </a:solidFill>
+              </a:rPr>
+              <a:t>người</a:t>
+            </a:r>
+            <a:r>
+              <a:rPr lang="en-US" dirty="0">
+                <a:solidFill>
+                  <a:srgbClr val="FF0000"/>
+                </a:solidFill>
+              </a:rPr>
+              <a:t> </a:t>
+            </a:r>
+            <a:r>
+              <a:rPr lang="en-US" dirty="0" err="1">
+                <a:solidFill>
+                  <a:srgbClr val="FF0000"/>
+                </a:solidFill>
+              </a:rPr>
+              <a:t>chọn</a:t>
+            </a:r>
+            <a:r>
+              <a:rPr lang="en-US" dirty="0">
+                <a:solidFill>
+                  <a:srgbClr val="FF0000"/>
+                </a:solidFill>
+              </a:rPr>
+              <a:t> </a:t>
+            </a:r>
+            <a:r>
+              <a:rPr lang="en-US" dirty="0" err="1">
+                <a:solidFill>
+                  <a:srgbClr val="FF0000"/>
+                </a:solidFill>
+              </a:rPr>
+              <a:t>xem</a:t>
+            </a:r>
+            <a:r>
+              <a:rPr lang="en-US" dirty="0">
+                <a:solidFill>
+                  <a:srgbClr val="FF0000"/>
+                </a:solidFill>
+              </a:rPr>
+              <a:t> </a:t>
+            </a:r>
+            <a:r>
+              <a:rPr lang="en-US" dirty="0" err="1">
+                <a:solidFill>
+                  <a:srgbClr val="FF0000"/>
+                </a:solidFill>
+              </a:rPr>
+              <a:t>thông</a:t>
+            </a:r>
+            <a:r>
+              <a:rPr lang="en-US" dirty="0">
+                <a:solidFill>
+                  <a:srgbClr val="FF0000"/>
+                </a:solidFill>
+              </a:rPr>
+              <a:t> tin chi </a:t>
+            </a:r>
+            <a:r>
+              <a:rPr lang="en-US" dirty="0" err="1">
+                <a:solidFill>
+                  <a:srgbClr val="FF0000"/>
+                </a:solidFill>
+              </a:rPr>
+              <a:t>tiết</a:t>
+            </a:r>
+            <a:r>
+              <a:rPr lang="en-US" dirty="0">
+                <a:solidFill>
+                  <a:srgbClr val="FF0000"/>
+                </a:solidFill>
+              </a:rPr>
+              <a:t> =&gt; </a:t>
+            </a:r>
+            <a:r>
+              <a:rPr lang="en-US" dirty="0" err="1">
+                <a:solidFill>
+                  <a:srgbClr val="FF0000"/>
+                </a:solidFill>
+              </a:rPr>
+              <a:t>cơ</a:t>
+            </a:r>
+            <a:r>
+              <a:rPr lang="en-US" dirty="0">
+                <a:solidFill>
+                  <a:srgbClr val="FF0000"/>
+                </a:solidFill>
+              </a:rPr>
+              <a:t> </a:t>
+            </a:r>
+            <a:r>
+              <a:rPr lang="en-US" dirty="0" err="1">
+                <a:solidFill>
+                  <a:srgbClr val="FF0000"/>
+                </a:solidFill>
+              </a:rPr>
+              <a:t>hội</a:t>
+            </a:r>
+            <a:r>
+              <a:rPr lang="en-US" dirty="0">
+                <a:solidFill>
+                  <a:srgbClr val="FF0000"/>
+                </a:solidFill>
+              </a:rPr>
+              <a:t> </a:t>
+            </a:r>
+            <a:r>
+              <a:rPr lang="en-US" dirty="0" err="1">
+                <a:solidFill>
+                  <a:srgbClr val="FF0000"/>
+                </a:solidFill>
+              </a:rPr>
+              <a:t>liên</a:t>
+            </a:r>
+            <a:r>
+              <a:rPr lang="en-US" dirty="0">
+                <a:solidFill>
+                  <a:srgbClr val="FF0000"/>
+                </a:solidFill>
+              </a:rPr>
+              <a:t> </a:t>
+            </a:r>
+            <a:r>
+              <a:rPr lang="en-US" dirty="0" err="1">
+                <a:solidFill>
+                  <a:srgbClr val="FF0000"/>
+                </a:solidFill>
+              </a:rPr>
+              <a:t>kết</a:t>
+            </a:r>
+            <a:r>
+              <a:rPr lang="en-US" dirty="0">
+                <a:solidFill>
+                  <a:srgbClr val="FF0000"/>
+                </a:solidFill>
+              </a:rPr>
+              <a:t> </a:t>
+            </a:r>
+            <a:r>
+              <a:rPr lang="en-US" dirty="0" err="1">
+                <a:solidFill>
+                  <a:srgbClr val="FF0000"/>
+                </a:solidFill>
+              </a:rPr>
+              <a:t>trực</a:t>
+            </a:r>
+            <a:r>
+              <a:rPr lang="en-US" dirty="0">
+                <a:solidFill>
+                  <a:srgbClr val="FF0000"/>
+                </a:solidFill>
+              </a:rPr>
+              <a:t> </a:t>
+            </a:r>
+            <a:r>
+              <a:rPr lang="en-US" dirty="0" err="1">
+                <a:solidFill>
+                  <a:srgbClr val="FF0000"/>
+                </a:solidFill>
+              </a:rPr>
+              <a:t>tiếp</a:t>
+            </a:r>
+            <a:r>
+              <a:rPr lang="en-US" dirty="0">
+                <a:solidFill>
+                  <a:srgbClr val="FF0000"/>
+                </a:solidFill>
+              </a:rPr>
+              <a:t> </a:t>
+            </a:r>
+            <a:r>
+              <a:rPr lang="en-US" dirty="0" err="1">
+                <a:solidFill>
+                  <a:srgbClr val="FF0000"/>
+                </a:solidFill>
+              </a:rPr>
+              <a:t>với</a:t>
+            </a:r>
+            <a:r>
+              <a:rPr lang="en-US" dirty="0">
+                <a:solidFill>
+                  <a:srgbClr val="FF0000"/>
+                </a:solidFill>
+              </a:rPr>
+              <a:t> </a:t>
+            </a:r>
+            <a:r>
+              <a:rPr lang="en-US" dirty="0" err="1">
+                <a:solidFill>
+                  <a:srgbClr val="FF0000"/>
+                </a:solidFill>
+              </a:rPr>
+              <a:t>cty</a:t>
+            </a:r>
+            <a:r>
+              <a:rPr lang="en-US" dirty="0">
+                <a:solidFill>
+                  <a:srgbClr val="FF0000"/>
+                </a:solidFill>
+              </a:rPr>
+              <a:t> xxx </a:t>
+            </a:r>
+            <a:r>
+              <a:rPr lang="en-US" dirty="0" err="1">
+                <a:solidFill>
+                  <a:srgbClr val="FF0000"/>
+                </a:solidFill>
+              </a:rPr>
+              <a:t>với</a:t>
+            </a:r>
+            <a:r>
+              <a:rPr lang="en-US" dirty="0">
+                <a:solidFill>
+                  <a:srgbClr val="FF0000"/>
+                </a:solidFill>
+              </a:rPr>
+              <a:t> </a:t>
+            </a:r>
+            <a:r>
+              <a:rPr lang="en-US" dirty="0" err="1">
+                <a:solidFill>
+                  <a:srgbClr val="FF0000"/>
+                </a:solidFill>
+              </a:rPr>
+              <a:t>danh</a:t>
+            </a:r>
+            <a:r>
+              <a:rPr lang="en-US" dirty="0">
+                <a:solidFill>
+                  <a:srgbClr val="FF0000"/>
+                </a:solidFill>
+              </a:rPr>
+              <a:t> </a:t>
+            </a:r>
+            <a:r>
+              <a:rPr lang="en-US" dirty="0" err="1">
+                <a:solidFill>
+                  <a:srgbClr val="FF0000"/>
+                </a:solidFill>
+              </a:rPr>
+              <a:t>sách</a:t>
+            </a:r>
+            <a:r>
+              <a:rPr lang="en-US" dirty="0">
+                <a:solidFill>
+                  <a:srgbClr val="FF0000"/>
+                </a:solidFill>
+              </a:rPr>
+              <a:t> </a:t>
+            </a:r>
+            <a:r>
+              <a:rPr lang="en-US" dirty="0" err="1">
+                <a:solidFill>
+                  <a:srgbClr val="FF0000"/>
+                </a:solidFill>
+              </a:rPr>
+              <a:t>người</a:t>
+            </a:r>
+            <a:r>
+              <a:rPr lang="en-US" dirty="0">
+                <a:solidFill>
+                  <a:srgbClr val="FF0000"/>
+                </a:solidFill>
+              </a:rPr>
+              <a:t> </a:t>
+            </a:r>
+            <a:r>
+              <a:rPr lang="en-US" dirty="0" err="1">
+                <a:solidFill>
+                  <a:srgbClr val="FF0000"/>
+                </a:solidFill>
+              </a:rPr>
+              <a:t>quan</a:t>
+            </a:r>
+            <a:r>
+              <a:rPr lang="en-US" dirty="0">
+                <a:solidFill>
+                  <a:srgbClr val="FF0000"/>
+                </a:solidFill>
+              </a:rPr>
+              <a:t> </a:t>
+            </a:r>
+            <a:r>
+              <a:rPr lang="en-US" dirty="0" err="1">
+                <a:solidFill>
+                  <a:srgbClr val="FF0000"/>
+                </a:solidFill>
+              </a:rPr>
+              <a:t>tâm</a:t>
+            </a:r>
+            <a:r>
+              <a:rPr lang="en-US" dirty="0">
+                <a:solidFill>
+                  <a:srgbClr val="FF0000"/>
+                </a:solidFill>
+              </a:rPr>
+              <a:t> </a:t>
+            </a:r>
+            <a:r>
+              <a:rPr lang="en-US" dirty="0" err="1">
+                <a:solidFill>
+                  <a:srgbClr val="FF0000"/>
+                </a:solidFill>
+              </a:rPr>
+              <a:t>trực</a:t>
+            </a:r>
+            <a:r>
+              <a:rPr lang="en-US" dirty="0">
+                <a:solidFill>
+                  <a:srgbClr val="FF0000"/>
+                </a:solidFill>
+              </a:rPr>
+              <a:t> </a:t>
+            </a:r>
+            <a:r>
+              <a:rPr lang="en-US" dirty="0" err="1">
+                <a:solidFill>
+                  <a:srgbClr val="FF0000"/>
+                </a:solidFill>
+              </a:rPr>
+              <a:t>tiếp</a:t>
+            </a:r>
+            <a:r>
+              <a:rPr lang="en-US" dirty="0">
+                <a:solidFill>
+                  <a:srgbClr val="FF0000"/>
+                </a:solidFill>
+              </a:rPr>
+              <a:t> (</a:t>
+            </a:r>
+            <a:r>
+              <a:rPr lang="en-US" dirty="0" err="1">
+                <a:solidFill>
+                  <a:srgbClr val="FF0000"/>
+                </a:solidFill>
+              </a:rPr>
+              <a:t>sđt</a:t>
+            </a:r>
+            <a:r>
+              <a:rPr lang="en-US" dirty="0">
+                <a:solidFill>
+                  <a:srgbClr val="FF0000"/>
+                </a:solidFill>
+              </a:rPr>
+              <a:t>, mail, </a:t>
+            </a:r>
+            <a:r>
+              <a:rPr lang="en-US" dirty="0" err="1">
+                <a:solidFill>
+                  <a:srgbClr val="FF0000"/>
+                </a:solidFill>
+              </a:rPr>
+              <a:t>địa</a:t>
+            </a:r>
+            <a:r>
+              <a:rPr lang="en-US" dirty="0">
+                <a:solidFill>
+                  <a:srgbClr val="FF0000"/>
+                </a:solidFill>
+              </a:rPr>
+              <a:t> </a:t>
+            </a:r>
+            <a:r>
+              <a:rPr lang="en-US" dirty="0" err="1">
+                <a:solidFill>
+                  <a:srgbClr val="FF0000"/>
+                </a:solidFill>
+              </a:rPr>
+              <a:t>chỉ</a:t>
+            </a:r>
+            <a:r>
+              <a:rPr lang="en-US" dirty="0">
+                <a:solidFill>
+                  <a:srgbClr val="FF0000"/>
+                </a:solidFill>
+              </a:rPr>
+              <a:t>, </a:t>
+            </a:r>
+            <a:r>
+              <a:rPr lang="en-US" dirty="0" err="1">
+                <a:solidFill>
+                  <a:srgbClr val="FF0000"/>
+                </a:solidFill>
+              </a:rPr>
+              <a:t>lĩnh</a:t>
+            </a:r>
+            <a:r>
+              <a:rPr lang="en-US" dirty="0">
+                <a:solidFill>
+                  <a:srgbClr val="FF0000"/>
+                </a:solidFill>
+              </a:rPr>
+              <a:t> </a:t>
+            </a:r>
+            <a:r>
+              <a:rPr lang="en-US" dirty="0" err="1">
+                <a:solidFill>
+                  <a:srgbClr val="FF0000"/>
+                </a:solidFill>
+              </a:rPr>
+              <a:t>vực</a:t>
+            </a:r>
+            <a:r>
+              <a:rPr lang="en-US" dirty="0">
+                <a:solidFill>
+                  <a:srgbClr val="FF0000"/>
+                </a:solidFill>
+              </a:rPr>
+              <a:t>,… ) </a:t>
+            </a:r>
+            <a:r>
+              <a:rPr lang="en-US" dirty="0" err="1">
+                <a:solidFill>
+                  <a:srgbClr val="FF0000"/>
+                </a:solidFill>
+              </a:rPr>
+              <a:t>trong</a:t>
+            </a:r>
+            <a:r>
+              <a:rPr lang="en-US" dirty="0">
+                <a:solidFill>
+                  <a:srgbClr val="FF0000"/>
+                </a:solidFill>
+              </a:rPr>
+              <a:t> </a:t>
+            </a:r>
+            <a:r>
+              <a:rPr lang="en-US" dirty="0" err="1">
+                <a:solidFill>
+                  <a:srgbClr val="FF0000"/>
+                </a:solidFill>
+              </a:rPr>
+              <a:t>tay</a:t>
+            </a:r>
+            <a:endParaRPr lang="en-US" dirty="0">
+              <a:solidFill>
+                <a:srgbClr val="FF0000"/>
+              </a:solidFill>
+            </a:endParaRPr>
+          </a:p>
+          <a:p>
+            <a:endParaRPr lang="en-US" dirty="0">
+              <a:solidFill>
+                <a:srgbClr val="FF0000"/>
+              </a:solidFill>
+            </a:endParaRPr>
+          </a:p>
+          <a:p>
+            <a:r>
+              <a:rPr lang="en-US" dirty="0">
+                <a:solidFill>
+                  <a:srgbClr val="FF0000"/>
+                </a:solidFill>
+              </a:rPr>
+              <a:t> *Server:</a:t>
+            </a:r>
+          </a:p>
+          <a:p>
+            <a:r>
+              <a:rPr lang="en-US" dirty="0">
+                <a:solidFill>
+                  <a:srgbClr val="FF0000"/>
+                </a:solidFill>
+              </a:rPr>
+              <a:t>+ import </a:t>
+            </a:r>
+            <a:r>
+              <a:rPr lang="en-US" dirty="0" err="1">
+                <a:solidFill>
+                  <a:srgbClr val="FF0000"/>
+                </a:solidFill>
+              </a:rPr>
+              <a:t>danh</a:t>
+            </a:r>
+            <a:r>
+              <a:rPr lang="en-US" dirty="0">
+                <a:solidFill>
+                  <a:srgbClr val="FF0000"/>
+                </a:solidFill>
+              </a:rPr>
+              <a:t> </a:t>
+            </a:r>
+            <a:r>
+              <a:rPr lang="en-US" dirty="0" err="1">
+                <a:solidFill>
+                  <a:srgbClr val="FF0000"/>
+                </a:solidFill>
+              </a:rPr>
+              <a:t>sách</a:t>
+            </a:r>
+            <a:r>
+              <a:rPr lang="en-US" dirty="0">
+                <a:solidFill>
+                  <a:srgbClr val="FF0000"/>
+                </a:solidFill>
+              </a:rPr>
+              <a:t> </a:t>
+            </a:r>
+            <a:r>
+              <a:rPr lang="en-US" dirty="0" err="1">
+                <a:solidFill>
+                  <a:srgbClr val="FF0000"/>
+                </a:solidFill>
+              </a:rPr>
+              <a:t>cty</a:t>
+            </a:r>
+            <a:endParaRPr lang="en-US" dirty="0">
+              <a:solidFill>
+                <a:srgbClr val="FF0000"/>
+              </a:solidFill>
+            </a:endParaRPr>
+          </a:p>
+          <a:p>
+            <a:r>
+              <a:rPr lang="en-US" dirty="0">
+                <a:solidFill>
+                  <a:srgbClr val="FF0000"/>
+                </a:solidFill>
+              </a:rPr>
+              <a:t>+ export </a:t>
+            </a:r>
+            <a:r>
+              <a:rPr lang="en-US" dirty="0" err="1">
+                <a:solidFill>
+                  <a:srgbClr val="FF0000"/>
+                </a:solidFill>
+              </a:rPr>
+              <a:t>danh</a:t>
+            </a:r>
+            <a:r>
+              <a:rPr lang="en-US" dirty="0">
+                <a:solidFill>
+                  <a:srgbClr val="FF0000"/>
+                </a:solidFill>
+              </a:rPr>
+              <a:t> </a:t>
+            </a:r>
+            <a:r>
+              <a:rPr lang="en-US" dirty="0" err="1">
+                <a:solidFill>
+                  <a:srgbClr val="FF0000"/>
+                </a:solidFill>
+              </a:rPr>
+              <a:t>sách</a:t>
+            </a:r>
+            <a:r>
+              <a:rPr lang="en-US" dirty="0">
+                <a:solidFill>
+                  <a:srgbClr val="FF0000"/>
+                </a:solidFill>
+              </a:rPr>
+              <a:t> user </a:t>
+            </a:r>
+            <a:r>
+              <a:rPr lang="en-US" dirty="0" err="1">
+                <a:solidFill>
+                  <a:srgbClr val="FF0000"/>
+                </a:solidFill>
+              </a:rPr>
+              <a:t>theo</a:t>
+            </a:r>
+            <a:r>
+              <a:rPr lang="en-US" dirty="0">
+                <a:solidFill>
+                  <a:srgbClr val="FF0000"/>
+                </a:solidFill>
+              </a:rPr>
+              <a:t> </a:t>
+            </a:r>
+            <a:r>
+              <a:rPr lang="en-US" dirty="0" err="1">
+                <a:solidFill>
+                  <a:srgbClr val="FF0000"/>
+                </a:solidFill>
+              </a:rPr>
+              <a:t>các</a:t>
+            </a:r>
+            <a:r>
+              <a:rPr lang="en-US" dirty="0">
+                <a:solidFill>
+                  <a:srgbClr val="FF0000"/>
+                </a:solidFill>
+              </a:rPr>
+              <a:t> </a:t>
+            </a:r>
+            <a:r>
+              <a:rPr lang="en-US" dirty="0" err="1">
+                <a:solidFill>
+                  <a:srgbClr val="FF0000"/>
+                </a:solidFill>
+              </a:rPr>
+              <a:t>bộ</a:t>
+            </a:r>
+            <a:r>
+              <a:rPr lang="en-US" dirty="0">
+                <a:solidFill>
+                  <a:srgbClr val="FF0000"/>
+                </a:solidFill>
+              </a:rPr>
+              <a:t> filter</a:t>
+            </a:r>
+          </a:p>
+          <a:p>
+            <a:endParaRPr lang="en-US" dirty="0">
+              <a:solidFill>
+                <a:srgbClr val="FF0000"/>
+              </a:solidFill>
+            </a:endParaRPr>
+          </a:p>
+          <a:p>
+            <a:r>
+              <a:rPr lang="en-US" dirty="0">
+                <a:solidFill>
+                  <a:srgbClr val="FF0000"/>
+                </a:solidFill>
+              </a:rPr>
+              <a:t>Management part:</a:t>
+            </a:r>
+          </a:p>
+          <a:p>
+            <a:r>
+              <a:rPr lang="en-US" dirty="0">
+                <a:solidFill>
+                  <a:srgbClr val="FF0000"/>
+                </a:solidFill>
+              </a:rPr>
+              <a:t>*Server: </a:t>
+            </a:r>
+            <a:r>
+              <a:rPr lang="en-US" dirty="0" err="1">
+                <a:solidFill>
+                  <a:srgbClr val="FF0000"/>
+                </a:solidFill>
+              </a:rPr>
+              <a:t>lưu</a:t>
+            </a:r>
+            <a:r>
+              <a:rPr lang="en-US" dirty="0">
+                <a:solidFill>
+                  <a:srgbClr val="FF0000"/>
+                </a:solidFill>
+              </a:rPr>
+              <a:t> </a:t>
+            </a:r>
+            <a:r>
+              <a:rPr lang="en-US" dirty="0" err="1">
+                <a:solidFill>
+                  <a:srgbClr val="FF0000"/>
+                </a:solidFill>
+              </a:rPr>
+              <a:t>vết</a:t>
+            </a:r>
+            <a:r>
+              <a:rPr lang="en-US" dirty="0">
+                <a:solidFill>
+                  <a:srgbClr val="FF0000"/>
+                </a:solidFill>
+              </a:rPr>
+              <a:t> </a:t>
+            </a:r>
+            <a:r>
+              <a:rPr lang="en-US" dirty="0" err="1">
+                <a:solidFill>
+                  <a:srgbClr val="FF0000"/>
+                </a:solidFill>
+              </a:rPr>
+              <a:t>truy</a:t>
+            </a:r>
+            <a:r>
+              <a:rPr lang="en-US" dirty="0">
+                <a:solidFill>
+                  <a:srgbClr val="FF0000"/>
+                </a:solidFill>
+              </a:rPr>
+              <a:t> </a:t>
+            </a:r>
+            <a:r>
+              <a:rPr lang="en-US" dirty="0" err="1">
+                <a:solidFill>
+                  <a:srgbClr val="FF0000"/>
+                </a:solidFill>
+              </a:rPr>
+              <a:t>cập</a:t>
+            </a:r>
+            <a:r>
+              <a:rPr lang="en-US" dirty="0">
+                <a:solidFill>
+                  <a:srgbClr val="FF0000"/>
+                </a:solidFill>
+              </a:rPr>
+              <a:t>, </a:t>
+            </a:r>
+            <a:r>
+              <a:rPr lang="en-US" dirty="0" err="1">
+                <a:solidFill>
+                  <a:srgbClr val="FF0000"/>
+                </a:solidFill>
+              </a:rPr>
+              <a:t>đếm</a:t>
+            </a:r>
+            <a:r>
+              <a:rPr lang="en-US" dirty="0">
+                <a:solidFill>
+                  <a:srgbClr val="FF0000"/>
+                </a:solidFill>
+              </a:rPr>
+              <a:t> </a:t>
+            </a:r>
+            <a:r>
+              <a:rPr lang="en-US" dirty="0" err="1">
+                <a:solidFill>
+                  <a:srgbClr val="FF0000"/>
+                </a:solidFill>
+              </a:rPr>
+              <a:t>lượt</a:t>
+            </a:r>
+            <a:r>
+              <a:rPr lang="en-US" dirty="0">
+                <a:solidFill>
+                  <a:srgbClr val="FF0000"/>
+                </a:solidFill>
+              </a:rPr>
+              <a:t> </a:t>
+            </a:r>
+            <a:r>
+              <a:rPr lang="en-US" dirty="0" err="1">
+                <a:solidFill>
+                  <a:srgbClr val="FF0000"/>
+                </a:solidFill>
+              </a:rPr>
+              <a:t>truy</a:t>
+            </a:r>
+            <a:r>
+              <a:rPr lang="en-US" dirty="0">
+                <a:solidFill>
+                  <a:srgbClr val="FF0000"/>
+                </a:solidFill>
+              </a:rPr>
+              <a:t> </a:t>
+            </a:r>
+            <a:r>
+              <a:rPr lang="en-US" dirty="0" err="1">
+                <a:solidFill>
+                  <a:srgbClr val="FF0000"/>
+                </a:solidFill>
+              </a:rPr>
+              <a:t>cập</a:t>
+            </a:r>
+            <a:r>
+              <a:rPr lang="en-US" dirty="0">
+                <a:solidFill>
+                  <a:srgbClr val="FF0000"/>
+                </a:solidFill>
+              </a:rPr>
+              <a:t>,…</a:t>
+            </a:r>
+          </a:p>
+        </p:txBody>
+      </p:sp>
+    </p:spTree>
+    <p:extLst>
+      <p:ext uri="{BB962C8B-B14F-4D97-AF65-F5344CB8AC3E}">
+        <p14:creationId xmlns:p14="http://schemas.microsoft.com/office/powerpoint/2010/main" val="2053395416"/>
+      </p:ext>
+    </p:extLst>
+  </p:cSld>
+  <p:clrMapOvr>
+    <a:masterClrMapping/>
+  </p:clrMapOvr>
+</p:sld>
+</file>
+
+<file path=ppt/slides/slide7.xml><?xml version="1.0" encoding="utf-8"?>
+<p:sld xmlns:a="http://schemas.openxmlformats.org/drawingml/2006/main" xmlns:r="http://schemas.openxmlformats.org/officeDocument/2006/relationships" xmlns:p="http://schemas.openxmlformats.org/presentationml/2006/main">
+  <p:cSld>
+    <p:spTree>
+      <p:nvGrpSpPr>
+        <p:cNvPr id="1" name=""/>
+        <p:cNvGrpSpPr/>
+        <p:nvPr/>
+      </p:nvGrpSpPr>
+      <p:grpSpPr>
+        <a:xfrm>
+          <a:off x="0" y="0"/>
+          <a:ext cx="0" cy="0"/>
+          <a:chOff x="0" y="0"/>
+          <a:chExt cx="0" cy="0"/>
+        </a:xfrm>
+      </p:grpSpPr>
+      <p:sp>
+        <p:nvSpPr>
+          <p:cNvPr id="4" name="TextBox 3"/>
+          <p:cNvSpPr txBox="1"/>
+          <p:nvPr/>
+        </p:nvSpPr>
+        <p:spPr>
+          <a:xfrm>
+            <a:off x="304800" y="296091"/>
+            <a:ext cx="1410789" cy="400110"/>
+          </a:xfrm>
+          <a:prstGeom prst="rect">
+            <a:avLst/>
+          </a:prstGeom>
+          <a:noFill/>
+        </p:spPr>
+        <p:txBody>
+          <a:bodyPr wrap="square" rtlCol="0">
+            <a:spAutoFit/>
+          </a:bodyPr>
+          <a:lstStyle/>
+          <a:p>
+            <a:r>
+              <a:rPr lang="en-US" sz="2000" dirty="0">
+                <a:ln w="0"/>
+                <a:solidFill>
+                  <a:schemeClr val="accent1"/>
+                </a:solidFill>
+                <a:effectLst>
+                  <a:outerShdw blurRad="38100" dist="25400" dir="5400000" algn="ctr" rotWithShape="0">
+                    <a:srgbClr val="6E747A">
+                      <a:alpha val="43000"/>
+                    </a:srgbClr>
+                  </a:outerShdw>
+                </a:effectLst>
+              </a:rPr>
+              <a:t>DB target</a:t>
+            </a:r>
+          </a:p>
+        </p:txBody>
+      </p:sp>
+      <p:sp>
+        <p:nvSpPr>
+          <p:cNvPr id="5" name="TextBox 4"/>
+          <p:cNvSpPr txBox="1"/>
+          <p:nvPr/>
+        </p:nvSpPr>
+        <p:spPr>
+          <a:xfrm>
+            <a:off x="2760618" y="1524001"/>
+            <a:ext cx="6975565" cy="5355312"/>
+          </a:xfrm>
+          <a:prstGeom prst="rect">
+            <a:avLst/>
+          </a:prstGeom>
+          <a:noFill/>
+        </p:spPr>
+        <p:txBody>
+          <a:bodyPr wrap="square" rtlCol="0">
+            <a:spAutoFit/>
+          </a:bodyPr>
+          <a:lstStyle/>
+          <a:p>
+            <a:r>
+              <a:rPr lang="en-US" dirty="0">
+                <a:solidFill>
+                  <a:schemeClr val="accent1">
+                    <a:lumMod val="75000"/>
+                  </a:schemeClr>
+                </a:solidFill>
+              </a:rPr>
+              <a:t>Company-table</a:t>
+            </a:r>
+            <a:r>
+              <a:rPr lang="en-US" dirty="0"/>
+              <a:t>:</a:t>
+            </a:r>
+          </a:p>
+          <a:p>
+            <a:r>
+              <a:rPr lang="en-US" dirty="0"/>
+              <a:t>+ base info </a:t>
+            </a:r>
+            <a:r>
+              <a:rPr lang="en-US" dirty="0" err="1"/>
+              <a:t>dựa</a:t>
+            </a:r>
+            <a:r>
+              <a:rPr lang="en-US" dirty="0"/>
+              <a:t> </a:t>
+            </a:r>
+            <a:r>
+              <a:rPr lang="en-US" dirty="0" err="1"/>
+              <a:t>trên</a:t>
+            </a:r>
+            <a:r>
+              <a:rPr lang="en-US" dirty="0"/>
+              <a:t> response </a:t>
+            </a:r>
+            <a:r>
+              <a:rPr lang="en-US" dirty="0" err="1"/>
+              <a:t>của</a:t>
+            </a:r>
+            <a:r>
+              <a:rPr lang="en-US" dirty="0"/>
+              <a:t> gg </a:t>
+            </a:r>
+            <a:r>
+              <a:rPr lang="en-US" dirty="0" err="1"/>
+              <a:t>api</a:t>
+            </a:r>
+            <a:r>
+              <a:rPr lang="en-US" dirty="0"/>
+              <a:t> -&gt; name, </a:t>
+            </a:r>
+            <a:r>
+              <a:rPr lang="en-US" dirty="0" err="1"/>
+              <a:t>vị</a:t>
+            </a:r>
+            <a:r>
+              <a:rPr lang="en-US" dirty="0"/>
+              <a:t> </a:t>
+            </a:r>
+            <a:r>
+              <a:rPr lang="en-US" dirty="0" err="1"/>
+              <a:t>trí</a:t>
+            </a:r>
+            <a:endParaRPr lang="en-US" dirty="0"/>
+          </a:p>
+          <a:p>
+            <a:r>
+              <a:rPr lang="en-US" dirty="0"/>
+              <a:t>+ verified field</a:t>
+            </a:r>
+          </a:p>
+          <a:p>
+            <a:r>
+              <a:rPr lang="en-US" dirty="0"/>
+              <a:t>+ field </a:t>
+            </a:r>
+            <a:r>
+              <a:rPr lang="en-US" dirty="0" err="1"/>
+              <a:t>chứa</a:t>
+            </a:r>
+            <a:r>
+              <a:rPr lang="en-US" dirty="0"/>
+              <a:t> </a:t>
+            </a:r>
+            <a:r>
+              <a:rPr lang="en-US" dirty="0" err="1"/>
+              <a:t>các</a:t>
+            </a:r>
+            <a:r>
+              <a:rPr lang="en-US" dirty="0"/>
+              <a:t> tag </a:t>
+            </a:r>
+            <a:r>
+              <a:rPr lang="en-US" dirty="0" err="1"/>
+              <a:t>lĩnh</a:t>
+            </a:r>
+            <a:r>
+              <a:rPr lang="en-US" dirty="0"/>
+              <a:t> </a:t>
+            </a:r>
+            <a:r>
+              <a:rPr lang="en-US" dirty="0" err="1"/>
+              <a:t>vực</a:t>
+            </a:r>
+            <a:r>
+              <a:rPr lang="en-US" dirty="0"/>
+              <a:t> </a:t>
+            </a:r>
+            <a:r>
+              <a:rPr lang="en-US" dirty="0" err="1"/>
+              <a:t>của</a:t>
+            </a:r>
+            <a:r>
+              <a:rPr lang="en-US" dirty="0"/>
+              <a:t> </a:t>
+            </a:r>
+            <a:r>
+              <a:rPr lang="en-US" dirty="0" err="1"/>
+              <a:t>công</a:t>
+            </a:r>
+            <a:r>
+              <a:rPr lang="en-US" dirty="0"/>
+              <a:t> ty -&gt; </a:t>
+            </a:r>
+            <a:r>
+              <a:rPr lang="en-US" dirty="0" err="1">
+                <a:solidFill>
+                  <a:srgbClr val="FF0000"/>
+                </a:solidFill>
+              </a:rPr>
+              <a:t>category_id</a:t>
+            </a:r>
+            <a:endParaRPr lang="en-US" dirty="0">
+              <a:solidFill>
+                <a:srgbClr val="FF0000"/>
+              </a:solidFill>
+            </a:endParaRPr>
+          </a:p>
+          <a:p>
+            <a:endParaRPr lang="en-US" dirty="0"/>
+          </a:p>
+          <a:p>
+            <a:r>
+              <a:rPr lang="en-US" dirty="0">
+                <a:solidFill>
+                  <a:schemeClr val="accent1">
+                    <a:lumMod val="75000"/>
+                  </a:schemeClr>
+                </a:solidFill>
+              </a:rPr>
+              <a:t>Personal-info-table: </a:t>
+            </a:r>
+          </a:p>
+          <a:p>
+            <a:r>
+              <a:rPr lang="en-US" dirty="0"/>
+              <a:t>+ </a:t>
+            </a:r>
+            <a:r>
+              <a:rPr lang="en-US" dirty="0" err="1"/>
+              <a:t>Họ</a:t>
+            </a:r>
+            <a:r>
+              <a:rPr lang="en-US" dirty="0"/>
+              <a:t> </a:t>
+            </a:r>
+            <a:r>
+              <a:rPr lang="en-US" dirty="0" err="1"/>
+              <a:t>tên</a:t>
+            </a:r>
+            <a:endParaRPr lang="en-US" dirty="0"/>
+          </a:p>
+          <a:p>
+            <a:r>
+              <a:rPr lang="en-US" dirty="0"/>
+              <a:t>+ </a:t>
+            </a:r>
+            <a:r>
+              <a:rPr lang="en-US" dirty="0" err="1"/>
+              <a:t>Ngày</a:t>
+            </a:r>
+            <a:r>
+              <a:rPr lang="en-US" dirty="0"/>
+              <a:t> </a:t>
+            </a:r>
+            <a:r>
+              <a:rPr lang="en-US" dirty="0" err="1"/>
+              <a:t>tháng</a:t>
+            </a:r>
+            <a:r>
+              <a:rPr lang="en-US" dirty="0"/>
+              <a:t> </a:t>
+            </a:r>
+            <a:r>
+              <a:rPr lang="en-US" dirty="0" err="1"/>
+              <a:t>năm</a:t>
+            </a:r>
+            <a:r>
+              <a:rPr lang="en-US" dirty="0"/>
+              <a:t> </a:t>
+            </a:r>
+            <a:r>
+              <a:rPr lang="en-US" dirty="0" err="1"/>
+              <a:t>sinh</a:t>
+            </a:r>
+            <a:r>
+              <a:rPr lang="en-US" dirty="0"/>
+              <a:t> (opt)</a:t>
+            </a:r>
+          </a:p>
+          <a:p>
+            <a:r>
+              <a:rPr lang="en-US" dirty="0"/>
+              <a:t>+ </a:t>
+            </a:r>
+            <a:r>
+              <a:rPr lang="en-US" dirty="0" err="1"/>
+              <a:t>Sđt</a:t>
+            </a:r>
+            <a:endParaRPr lang="en-US" dirty="0"/>
+          </a:p>
+          <a:p>
+            <a:r>
+              <a:rPr lang="en-US" dirty="0"/>
+              <a:t>+ mail (opt)</a:t>
+            </a:r>
+          </a:p>
+          <a:p>
+            <a:r>
+              <a:rPr lang="en-US" dirty="0"/>
+              <a:t>+ </a:t>
+            </a:r>
+            <a:r>
+              <a:rPr lang="en-US" dirty="0" err="1"/>
+              <a:t>nghề</a:t>
+            </a:r>
+            <a:r>
+              <a:rPr lang="en-US" dirty="0"/>
+              <a:t> </a:t>
+            </a:r>
+            <a:r>
+              <a:rPr lang="en-US" dirty="0" err="1"/>
+              <a:t>nghiệp</a:t>
+            </a:r>
+            <a:endParaRPr lang="en-US" dirty="0"/>
+          </a:p>
+          <a:p>
+            <a:r>
+              <a:rPr lang="en-US" dirty="0"/>
+              <a:t>+ </a:t>
+            </a:r>
+            <a:r>
+              <a:rPr lang="en-US" dirty="0" err="1"/>
+              <a:t>địa</a:t>
+            </a:r>
+            <a:r>
+              <a:rPr lang="en-US" dirty="0"/>
+              <a:t> </a:t>
+            </a:r>
+            <a:r>
+              <a:rPr lang="en-US" dirty="0" err="1"/>
+              <a:t>chỉ</a:t>
+            </a:r>
+            <a:endParaRPr lang="en-US" dirty="0"/>
+          </a:p>
+          <a:p>
+            <a:endParaRPr lang="en-US" dirty="0"/>
+          </a:p>
+          <a:p>
+            <a:r>
+              <a:rPr lang="en-US" dirty="0">
+                <a:solidFill>
+                  <a:srgbClr val="FF0000"/>
+                </a:solidFill>
+              </a:rPr>
+              <a:t>Category table</a:t>
+            </a:r>
+          </a:p>
+          <a:p>
+            <a:r>
+              <a:rPr lang="en-US" dirty="0">
+                <a:solidFill>
+                  <a:srgbClr val="FF0000"/>
+                </a:solidFill>
+              </a:rPr>
+              <a:t>+ </a:t>
+            </a:r>
+            <a:r>
+              <a:rPr lang="en-US" dirty="0" err="1">
+                <a:solidFill>
+                  <a:srgbClr val="FF0000"/>
+                </a:solidFill>
+              </a:rPr>
+              <a:t>parent_id</a:t>
+            </a:r>
+            <a:endParaRPr lang="en-US" dirty="0">
+              <a:solidFill>
+                <a:srgbClr val="FF0000"/>
+              </a:solidFill>
+            </a:endParaRPr>
+          </a:p>
+          <a:p>
+            <a:r>
+              <a:rPr lang="en-US" dirty="0">
+                <a:solidFill>
+                  <a:srgbClr val="FF0000"/>
+                </a:solidFill>
+              </a:rPr>
+              <a:t>+ name</a:t>
+            </a:r>
+          </a:p>
+          <a:p>
+            <a:r>
+              <a:rPr lang="en-US" dirty="0">
+                <a:solidFill>
+                  <a:srgbClr val="FF0000"/>
+                </a:solidFill>
+              </a:rPr>
+              <a:t>+ description</a:t>
+            </a:r>
+          </a:p>
+          <a:p>
+            <a:endParaRPr lang="en-US" dirty="0"/>
+          </a:p>
+          <a:p>
+            <a:endParaRPr lang="en-US" dirty="0"/>
+          </a:p>
+        </p:txBody>
+      </p:sp>
+    </p:spTree>
+    <p:extLst>
+      <p:ext uri="{BB962C8B-B14F-4D97-AF65-F5344CB8AC3E}">
+        <p14:creationId xmlns:p14="http://schemas.microsoft.com/office/powerpoint/2010/main" val="717465015"/>
+      </p:ext>
+    </p:extLst>
+  </p:cSld>
+  <p:clrMapOvr>
+    <a:masterClrMapping/>
+  </p:clrMapOvr>
+</p:sld>
+</file>
+
+<file path=ppt/slides/slide8.xml><?xml version="1.0" encoding="utf-8"?>
+<p:sld xmlns:a="http://schemas.openxmlformats.org/drawingml/2006/main" xmlns:r="http://schemas.openxmlformats.org/officeDocument/2006/relationships" xmlns:p="http://schemas.openxmlformats.org/presentationml/2006/main">
+  <p:cSld>
+    <p:spTree>
+      <p:nvGrpSpPr>
+        <p:cNvPr id="1" name=""/>
+        <p:cNvGrpSpPr/>
+        <p:nvPr/>
+      </p:nvGrpSpPr>
+      <p:grpSpPr>
+        <a:xfrm>
+          <a:off x="0" y="0"/>
+          <a:ext cx="0" cy="0"/>
+          <a:chOff x="0" y="0"/>
+          <a:chExt cx="0" cy="0"/>
+        </a:xfrm>
+      </p:grpSpPr>
+      <p:sp>
+        <p:nvSpPr>
+          <p:cNvPr id="4" name="TextBox 3"/>
+          <p:cNvSpPr txBox="1"/>
+          <p:nvPr/>
+        </p:nvSpPr>
+        <p:spPr>
+          <a:xfrm>
+            <a:off x="304800" y="296091"/>
+            <a:ext cx="1410789" cy="400110"/>
+          </a:xfrm>
+          <a:prstGeom prst="rect">
+            <a:avLst/>
+          </a:prstGeom>
+          <a:noFill/>
+        </p:spPr>
+        <p:txBody>
+          <a:bodyPr wrap="square" rtlCol="0">
+            <a:spAutoFit/>
+          </a:bodyPr>
+          <a:lstStyle/>
+          <a:p>
+            <a:r>
+              <a:rPr lang="en-US" sz="2000" dirty="0">
+                <a:ln w="0"/>
+                <a:solidFill>
+                  <a:schemeClr val="accent1"/>
+                </a:solidFill>
+                <a:effectLst>
+                  <a:outerShdw blurRad="38100" dist="25400" dir="5400000" algn="ctr" rotWithShape="0">
+                    <a:srgbClr val="6E747A">
+                      <a:alpha val="43000"/>
+                    </a:srgbClr>
+                  </a:outerShdw>
+                </a:effectLst>
+              </a:rPr>
               <a:t>The next</a:t>
             </a:r>
-            <a:endParaRPr lang="en-US" sz="2000" dirty="0">
-              <a:ln w="0"/>
-              <a:solidFill>
-                <a:schemeClr val="accent1"/>
-              </a:solidFill>
-              <a:effectLst>
-                <a:outerShdw blurRad="38100" dist="25400" dir="5400000" algn="ctr" rotWithShape="0">
-                  <a:srgbClr val="6E747A">
-                    <a:alpha val="43000"/>
-                  </a:srgbClr>
-                </a:outerShdw>
-              </a:effectLst>
-            </a:endParaRPr>
           </a:p>
         </p:txBody>
       </p:sp>
@@ -5305,7 +8385,7 @@
         <p:spPr>
           <a:xfrm>
             <a:off x="2621281" y="1271452"/>
-            <a:ext cx="6975565" cy="1754326"/>
+            <a:ext cx="6975565" cy="923330"/>
           </a:xfrm>
           <a:prstGeom prst="rect">
             <a:avLst/>
@@ -5319,260 +8399,175 @@
           <a:lstStyle/>
           <a:p>
             <a:r>
-              <a:rPr lang="en-US" dirty="0" smtClean="0"/>
+              <a:rPr lang="en-US" dirty="0"/>
               <a:t>V2.0</a:t>
             </a:r>
           </a:p>
           <a:p>
-            <a:endParaRPr lang="en-US" dirty="0" smtClean="0"/>
-          </a:p>
-          <a:p>
-            <a:r>
-              <a:rPr lang="en-US" dirty="0" smtClean="0"/>
+            <a:r>
+              <a:rPr lang="en-US" dirty="0"/>
               <a:t>+ </a:t>
             </a:r>
             <a:r>
-              <a:rPr lang="en-US" dirty="0" err="1" smtClean="0"/>
-              <a:t>Người</a:t>
-            </a:r>
-            <a:r>
-              <a:rPr lang="en-US" dirty="0" smtClean="0"/>
-              <a:t> </a:t>
-            </a:r>
-            <a:r>
-              <a:rPr lang="en-US" dirty="0" err="1" smtClean="0"/>
+              <a:rPr lang="en-US" dirty="0" err="1"/>
+              <a:t>Hướng</a:t>
+            </a:r>
+            <a:r>
+              <a:rPr lang="en-US" dirty="0"/>
+              <a:t> </a:t>
+            </a:r>
+            <a:r>
+              <a:rPr lang="en-US" dirty="0" err="1"/>
+              <a:t>tới</a:t>
+            </a:r>
+            <a:r>
+              <a:rPr lang="en-US" dirty="0"/>
+              <a:t> </a:t>
+            </a:r>
+            <a:r>
+              <a:rPr lang="en-US" dirty="0" err="1"/>
+              <a:t>tính</a:t>
+            </a:r>
+            <a:r>
+              <a:rPr lang="en-US" dirty="0"/>
+              <a:t> </a:t>
+            </a:r>
+            <a:r>
+              <a:rPr lang="en-US" dirty="0" err="1"/>
+              <a:t>năng</a:t>
+            </a:r>
+            <a:r>
+              <a:rPr lang="en-US" dirty="0"/>
+              <a:t> </a:t>
+            </a:r>
+            <a:r>
+              <a:rPr lang="en-US" dirty="0" err="1"/>
+              <a:t>cho</a:t>
+            </a:r>
+            <a:r>
+              <a:rPr lang="en-US" dirty="0"/>
+              <a:t> </a:t>
+            </a:r>
+            <a:r>
+              <a:rPr lang="en-US" dirty="0" err="1"/>
+              <a:t>phép</a:t>
+            </a:r>
+            <a:r>
+              <a:rPr lang="en-US" dirty="0"/>
+              <a:t> </a:t>
+            </a:r>
+            <a:r>
+              <a:rPr lang="en-US" dirty="0" err="1"/>
+              <a:t>người</a:t>
+            </a:r>
+            <a:r>
+              <a:rPr lang="en-US" dirty="0"/>
+              <a:t> </a:t>
+            </a:r>
+            <a:r>
+              <a:rPr lang="en-US" dirty="0" err="1"/>
               <a:t>dùng</a:t>
             </a:r>
             <a:r>
-              <a:rPr lang="en-US" dirty="0" smtClean="0"/>
-              <a:t> </a:t>
-            </a:r>
-            <a:r>
-              <a:rPr lang="en-US" dirty="0" err="1" smtClean="0"/>
-              <a:t>có</a:t>
-            </a:r>
-            <a:r>
-              <a:rPr lang="en-US" dirty="0" smtClean="0"/>
-              <a:t> </a:t>
-            </a:r>
-            <a:r>
-              <a:rPr lang="en-US" dirty="0" err="1" smtClean="0"/>
-              <a:t>thể</a:t>
-            </a:r>
-            <a:r>
-              <a:rPr lang="en-US" dirty="0" smtClean="0"/>
-              <a:t> </a:t>
-            </a:r>
-            <a:r>
-              <a:rPr lang="en-US" dirty="0" err="1" smtClean="0"/>
-              <a:t>gắn</a:t>
-            </a:r>
-            <a:r>
-              <a:rPr lang="en-US" dirty="0" smtClean="0"/>
-              <a:t> tag </a:t>
-            </a:r>
-            <a:r>
-              <a:rPr lang="en-US" dirty="0" err="1" smtClean="0"/>
-              <a:t>lĩnh</a:t>
-            </a:r>
-            <a:r>
-              <a:rPr lang="en-US" dirty="0" smtClean="0"/>
-              <a:t> </a:t>
-            </a:r>
-            <a:r>
-              <a:rPr lang="en-US" dirty="0" err="1" smtClean="0"/>
-              <a:t>vực</a:t>
-            </a:r>
-            <a:r>
-              <a:rPr lang="en-US" dirty="0" smtClean="0"/>
-              <a:t> </a:t>
-            </a:r>
-            <a:r>
-              <a:rPr lang="en-US" dirty="0" err="1" smtClean="0"/>
-              <a:t>cho</a:t>
-            </a:r>
-            <a:r>
-              <a:rPr lang="en-US" dirty="0" smtClean="0"/>
-              <a:t> </a:t>
-            </a:r>
-            <a:r>
-              <a:rPr lang="en-US" dirty="0" err="1" smtClean="0"/>
+              <a:rPr lang="en-US" dirty="0"/>
+              <a:t> </a:t>
+            </a:r>
+            <a:r>
+              <a:rPr lang="en-US" dirty="0" err="1"/>
+              <a:t>nhập</a:t>
+            </a:r>
+            <a:r>
+              <a:rPr lang="en-US" dirty="0"/>
+              <a:t> </a:t>
+            </a:r>
+            <a:r>
+              <a:rPr lang="en-US" dirty="0" err="1"/>
+              <a:t>thông</a:t>
+            </a:r>
+            <a:r>
+              <a:rPr lang="en-US" dirty="0"/>
+              <a:t> tin </a:t>
+            </a:r>
+            <a:r>
+              <a:rPr lang="en-US" dirty="0" err="1"/>
+              <a:t>cá</a:t>
+            </a:r>
+            <a:r>
+              <a:rPr lang="en-US" dirty="0"/>
+              <a:t> </a:t>
+            </a:r>
+            <a:r>
+              <a:rPr lang="en-US" dirty="0" err="1"/>
+              <a:t>nhân</a:t>
+            </a:r>
+            <a:r>
+              <a:rPr lang="en-US" dirty="0"/>
+              <a:t> </a:t>
+            </a:r>
+            <a:r>
+              <a:rPr lang="en-US" dirty="0" err="1"/>
+              <a:t>để</a:t>
+            </a:r>
+            <a:r>
+              <a:rPr lang="en-US" dirty="0"/>
+              <a:t> </a:t>
+            </a:r>
+            <a:r>
+              <a:rPr lang="en-US" dirty="0" err="1"/>
+              <a:t>đề</a:t>
+            </a:r>
+            <a:r>
+              <a:rPr lang="en-US" dirty="0"/>
+              <a:t> </a:t>
+            </a:r>
+            <a:r>
+              <a:rPr lang="en-US" dirty="0" err="1"/>
+              <a:t>xuất</a:t>
+            </a:r>
+            <a:r>
+              <a:rPr lang="en-US" dirty="0"/>
+              <a:t> </a:t>
+            </a:r>
+            <a:r>
+              <a:rPr lang="en-US" dirty="0" err="1"/>
+              <a:t>các</a:t>
+            </a:r>
+            <a:r>
+              <a:rPr lang="en-US" dirty="0"/>
+              <a:t> </a:t>
+            </a:r>
+            <a:r>
+              <a:rPr lang="en-US" dirty="0" err="1"/>
               <a:t>công</a:t>
             </a:r>
             <a:r>
-              <a:rPr lang="en-US" dirty="0" smtClean="0"/>
-              <a:t> ty</a:t>
-            </a:r>
-          </a:p>
-          <a:p>
-            <a:endParaRPr lang="en-US" dirty="0" smtClean="0"/>
-          </a:p>
-          <a:p>
-            <a:r>
-              <a:rPr lang="en-US" dirty="0" smtClean="0"/>
-              <a:t>+ </a:t>
-            </a:r>
-            <a:r>
-              <a:rPr lang="en-US" dirty="0" err="1" smtClean="0"/>
-              <a:t>Hướng</a:t>
-            </a:r>
-            <a:r>
-              <a:rPr lang="en-US" dirty="0" smtClean="0"/>
-              <a:t> </a:t>
-            </a:r>
-            <a:r>
-              <a:rPr lang="en-US" dirty="0" err="1" smtClean="0"/>
-              <a:t>tới</a:t>
-            </a:r>
-            <a:r>
-              <a:rPr lang="en-US" dirty="0" smtClean="0"/>
-              <a:t> </a:t>
-            </a:r>
-            <a:r>
-              <a:rPr lang="en-US" dirty="0" err="1" smtClean="0"/>
-              <a:t>tính</a:t>
-            </a:r>
-            <a:r>
-              <a:rPr lang="en-US" dirty="0" smtClean="0"/>
-              <a:t> </a:t>
-            </a:r>
-            <a:r>
-              <a:rPr lang="en-US" dirty="0" err="1" smtClean="0"/>
-              <a:t>năng</a:t>
-            </a:r>
-            <a:r>
-              <a:rPr lang="en-US" dirty="0" smtClean="0"/>
-              <a:t> </a:t>
-            </a:r>
-            <a:r>
-              <a:rPr lang="en-US" dirty="0" err="1" smtClean="0"/>
-              <a:t>cho</a:t>
-            </a:r>
-            <a:r>
-              <a:rPr lang="en-US" dirty="0" smtClean="0"/>
-              <a:t> </a:t>
-            </a:r>
-            <a:r>
-              <a:rPr lang="en-US" dirty="0" err="1" smtClean="0"/>
-              <a:t>phép</a:t>
-            </a:r>
-            <a:r>
-              <a:rPr lang="en-US" dirty="0" smtClean="0"/>
-              <a:t> </a:t>
-            </a:r>
-            <a:r>
-              <a:rPr lang="en-US" dirty="0" err="1" smtClean="0"/>
-              <a:t>người</a:t>
-            </a:r>
-            <a:r>
-              <a:rPr lang="en-US" dirty="0" smtClean="0"/>
-              <a:t> </a:t>
-            </a:r>
-            <a:r>
-              <a:rPr lang="en-US" dirty="0" err="1" smtClean="0"/>
-              <a:t>dùng</a:t>
-            </a:r>
-            <a:r>
-              <a:rPr lang="en-US" dirty="0" smtClean="0"/>
-              <a:t> </a:t>
-            </a:r>
-            <a:r>
-              <a:rPr lang="en-US" dirty="0" err="1" smtClean="0"/>
-              <a:t>nhập</a:t>
-            </a:r>
-            <a:r>
-              <a:rPr lang="en-US" dirty="0" smtClean="0"/>
-              <a:t> </a:t>
-            </a:r>
-            <a:r>
-              <a:rPr lang="en-US" dirty="0" err="1" smtClean="0"/>
-              <a:t>thông</a:t>
-            </a:r>
-            <a:r>
-              <a:rPr lang="en-US" dirty="0" smtClean="0"/>
-              <a:t> tin </a:t>
-            </a:r>
-            <a:r>
-              <a:rPr lang="en-US" dirty="0" err="1" smtClean="0"/>
-              <a:t>cá</a:t>
-            </a:r>
-            <a:r>
-              <a:rPr lang="en-US" dirty="0" smtClean="0"/>
-              <a:t> </a:t>
-            </a:r>
-            <a:r>
-              <a:rPr lang="en-US" dirty="0" err="1" smtClean="0"/>
-              <a:t>nhân</a:t>
-            </a:r>
-            <a:r>
-              <a:rPr lang="en-US" dirty="0" smtClean="0"/>
-              <a:t> </a:t>
-            </a:r>
-            <a:r>
-              <a:rPr lang="en-US" dirty="0" err="1" smtClean="0"/>
-              <a:t>để</a:t>
-            </a:r>
-            <a:r>
-              <a:rPr lang="en-US" dirty="0" smtClean="0"/>
-              <a:t> </a:t>
-            </a:r>
-            <a:r>
-              <a:rPr lang="en-US" dirty="0" err="1" smtClean="0"/>
-              <a:t>đề</a:t>
-            </a:r>
-            <a:r>
-              <a:rPr lang="en-US" dirty="0" smtClean="0"/>
-              <a:t> </a:t>
-            </a:r>
-            <a:r>
-              <a:rPr lang="en-US" dirty="0" err="1" smtClean="0"/>
-              <a:t>xuất</a:t>
-            </a:r>
-            <a:r>
-              <a:rPr lang="en-US" dirty="0" smtClean="0"/>
-              <a:t> </a:t>
-            </a:r>
-            <a:r>
-              <a:rPr lang="en-US" dirty="0" err="1" smtClean="0"/>
-              <a:t>các</a:t>
-            </a:r>
-            <a:r>
-              <a:rPr lang="en-US" dirty="0" smtClean="0"/>
-              <a:t> </a:t>
-            </a:r>
-            <a:r>
-              <a:rPr lang="en-US" dirty="0" err="1" smtClean="0"/>
-              <a:t>công</a:t>
-            </a:r>
-            <a:r>
-              <a:rPr lang="en-US" dirty="0" smtClean="0"/>
+              <a:rPr lang="en-US" dirty="0"/>
               <a:t> ty </a:t>
             </a:r>
             <a:r>
-              <a:rPr lang="en-US" dirty="0" err="1" smtClean="0"/>
+              <a:rPr lang="en-US" dirty="0" err="1"/>
               <a:t>phù</a:t>
             </a:r>
             <a:r>
-              <a:rPr lang="en-US" dirty="0" smtClean="0"/>
-              <a:t> </a:t>
-            </a:r>
-            <a:r>
-              <a:rPr lang="en-US" dirty="0" err="1" smtClean="0"/>
+              <a:rPr lang="en-US" dirty="0"/>
+              <a:t> </a:t>
+            </a:r>
+            <a:r>
+              <a:rPr lang="en-US" dirty="0" err="1"/>
               <a:t>hợp</a:t>
             </a:r>
             <a:r>
-              <a:rPr lang="en-US" dirty="0" smtClean="0"/>
+              <a:rPr lang="en-US" dirty="0"/>
               <a:t> ở </a:t>
             </a:r>
             <a:r>
-              <a:rPr lang="en-US" dirty="0" err="1" smtClean="0"/>
+              <a:rPr lang="en-US" dirty="0" err="1"/>
               <a:t>gần</a:t>
             </a:r>
             <a:r>
-              <a:rPr lang="en-US" dirty="0" smtClean="0"/>
+              <a:rPr lang="en-US" dirty="0"/>
               <a:t>.</a:t>
             </a:r>
-            <a:endParaRPr lang="en-US" dirty="0"/>
           </a:p>
         </p:txBody>
       </p:sp>
